--- a/documentation/AMCParcelDetectionAlgorithmFlowchart16.pptx
+++ b/documentation/AMCParcelDetectionAlgorithmFlowchart16.pptx
@@ -587,7 +587,7 @@
           <a:p>
             <a:fld id="{7DF0F534-4E4A-4E6E-9226-2852A46F6154}" type="datetimeFigureOut">
               <a:rPr lang="en-US" smtClean="0"/>
-              <a:t>8/26/2020</a:t>
+              <a:t>8/28/2020</a:t>
             </a:fld>
             <a:endParaRPr lang="en-US"/>
           </a:p>
@@ -757,7 +757,7 @@
           <a:p>
             <a:fld id="{7DF0F534-4E4A-4E6E-9226-2852A46F6154}" type="datetimeFigureOut">
               <a:rPr lang="en-US" smtClean="0"/>
-              <a:t>8/26/2020</a:t>
+              <a:t>8/28/2020</a:t>
             </a:fld>
             <a:endParaRPr lang="en-US"/>
           </a:p>
@@ -937,7 +937,7 @@
           <a:p>
             <a:fld id="{7DF0F534-4E4A-4E6E-9226-2852A46F6154}" type="datetimeFigureOut">
               <a:rPr lang="en-US" smtClean="0"/>
-              <a:t>8/26/2020</a:t>
+              <a:t>8/28/2020</a:t>
             </a:fld>
             <a:endParaRPr lang="en-US"/>
           </a:p>
@@ -1107,7 +1107,7 @@
           <a:p>
             <a:fld id="{7DF0F534-4E4A-4E6E-9226-2852A46F6154}" type="datetimeFigureOut">
               <a:rPr lang="en-US" smtClean="0"/>
-              <a:t>8/26/2020</a:t>
+              <a:t>8/28/2020</a:t>
             </a:fld>
             <a:endParaRPr lang="en-US"/>
           </a:p>
@@ -1351,7 +1351,7 @@
           <a:p>
             <a:fld id="{7DF0F534-4E4A-4E6E-9226-2852A46F6154}" type="datetimeFigureOut">
               <a:rPr lang="en-US" smtClean="0"/>
-              <a:t>8/26/2020</a:t>
+              <a:t>8/28/2020</a:t>
             </a:fld>
             <a:endParaRPr lang="en-US"/>
           </a:p>
@@ -1583,7 +1583,7 @@
           <a:p>
             <a:fld id="{7DF0F534-4E4A-4E6E-9226-2852A46F6154}" type="datetimeFigureOut">
               <a:rPr lang="en-US" smtClean="0"/>
-              <a:t>8/26/2020</a:t>
+              <a:t>8/28/2020</a:t>
             </a:fld>
             <a:endParaRPr lang="en-US"/>
           </a:p>
@@ -1950,7 +1950,7 @@
           <a:p>
             <a:fld id="{7DF0F534-4E4A-4E6E-9226-2852A46F6154}" type="datetimeFigureOut">
               <a:rPr lang="en-US" smtClean="0"/>
-              <a:t>8/26/2020</a:t>
+              <a:t>8/28/2020</a:t>
             </a:fld>
             <a:endParaRPr lang="en-US"/>
           </a:p>
@@ -2068,7 +2068,7 @@
           <a:p>
             <a:fld id="{7DF0F534-4E4A-4E6E-9226-2852A46F6154}" type="datetimeFigureOut">
               <a:rPr lang="en-US" smtClean="0"/>
-              <a:t>8/26/2020</a:t>
+              <a:t>8/28/2020</a:t>
             </a:fld>
             <a:endParaRPr lang="en-US"/>
           </a:p>
@@ -2163,7 +2163,7 @@
           <a:p>
             <a:fld id="{7DF0F534-4E4A-4E6E-9226-2852A46F6154}" type="datetimeFigureOut">
               <a:rPr lang="en-US" smtClean="0"/>
-              <a:t>8/26/2020</a:t>
+              <a:t>8/28/2020</a:t>
             </a:fld>
             <a:endParaRPr lang="en-US"/>
           </a:p>
@@ -2440,7 +2440,7 @@
           <a:p>
             <a:fld id="{7DF0F534-4E4A-4E6E-9226-2852A46F6154}" type="datetimeFigureOut">
               <a:rPr lang="en-US" smtClean="0"/>
-              <a:t>8/26/2020</a:t>
+              <a:t>8/28/2020</a:t>
             </a:fld>
             <a:endParaRPr lang="en-US"/>
           </a:p>
@@ -2697,7 +2697,7 @@
           <a:p>
             <a:fld id="{7DF0F534-4E4A-4E6E-9226-2852A46F6154}" type="datetimeFigureOut">
               <a:rPr lang="en-US" smtClean="0"/>
-              <a:t>8/26/2020</a:t>
+              <a:t>8/28/2020</a:t>
             </a:fld>
             <a:endParaRPr lang="en-US"/>
           </a:p>
@@ -2910,7 +2910,7 @@
           <a:p>
             <a:fld id="{7DF0F534-4E4A-4E6E-9226-2852A46F6154}" type="datetimeFigureOut">
               <a:rPr lang="en-US" smtClean="0"/>
-              <a:t>8/26/2020</a:t>
+              <a:t>8/28/2020</a:t>
             </a:fld>
             <a:endParaRPr lang="en-US"/>
           </a:p>
@@ -3897,7 +3897,7 @@
         </p:nvSpPr>
         <p:spPr>
           <a:xfrm>
-            <a:off x="577640" y="1968545"/>
+            <a:off x="533400" y="1995104"/>
             <a:ext cx="834807" cy="328996"/>
           </a:xfrm>
           <a:prstGeom prst="flowChartPredefinedProcess">
@@ -3961,8 +3961,8 @@
         </p:nvCxnSpPr>
         <p:spPr>
           <a:xfrm rot="10800000">
-            <a:off x="277258" y="955701"/>
-            <a:ext cx="300383" cy="1177343"/>
+            <a:off x="277258" y="955700"/>
+            <a:ext cx="256143" cy="1203902"/>
           </a:xfrm>
           <a:prstGeom prst="bentConnector2">
             <a:avLst/>
@@ -4289,8 +4289,8 @@
         </p:nvCxnSpPr>
         <p:spPr>
           <a:xfrm rot="10800000" flipV="1">
-            <a:off x="995044" y="1670071"/>
-            <a:ext cx="490856" cy="298474"/>
+            <a:off x="950804" y="1670070"/>
+            <a:ext cx="535096" cy="325033"/>
           </a:xfrm>
           <a:prstGeom prst="bentConnector2">
             <a:avLst/>
@@ -4566,8 +4566,8 @@
         </p:nvCxnSpPr>
         <p:spPr>
           <a:xfrm rot="16200000" flipH="1">
-            <a:off x="1075563" y="2217022"/>
-            <a:ext cx="329818" cy="490856"/>
+            <a:off x="1066722" y="2208182"/>
+            <a:ext cx="303260" cy="535096"/>
           </a:xfrm>
           <a:prstGeom prst="bentConnector2">
             <a:avLst/>
@@ -4892,7 +4892,7 @@
         </p:nvSpPr>
         <p:spPr>
           <a:xfrm>
-            <a:off x="5032680" y="2133043"/>
+            <a:off x="5219700" y="2118256"/>
             <a:ext cx="800100" cy="152400"/>
           </a:xfrm>
           <a:prstGeom prst="flowChartPreparation">
@@ -4942,8 +4942,8 @@
         </p:nvCxnSpPr>
         <p:spPr>
           <a:xfrm rot="5400000" flipH="1" flipV="1">
-            <a:off x="4640908" y="2026036"/>
-            <a:ext cx="208565" cy="574980"/>
+            <a:off x="4727024" y="1925132"/>
+            <a:ext cx="223352" cy="762000"/>
           </a:xfrm>
           <a:prstGeom prst="bentConnector2">
             <a:avLst/>
@@ -5224,7 +5224,7 @@
               <a:r>
                 <a:rPr lang="en-US" sz="700" dirty="0">
                   <a:solidFill>
-                    <a:srgbClr val="FFC000"/>
+                    <a:schemeClr val="accent2"/>
                   </a:solidFill>
                   <a:latin typeface="Consolas" panose="020B0609020204030204" pitchFamily="49" charset="0"/>
                 </a:rPr>
@@ -5289,7 +5289,7 @@
               <a:r>
                 <a:rPr lang="en-US" sz="700" dirty="0">
                   <a:solidFill>
-                    <a:srgbClr val="FFC000"/>
+                    <a:schemeClr val="accent2"/>
                   </a:solidFill>
                   <a:latin typeface="Consolas" panose="020B0609020204030204" pitchFamily="49" charset="0"/>
                 </a:rPr>
@@ -5302,10 +5302,17 @@
                   </a:solidFill>
                   <a:latin typeface="Consolas" panose="020B0609020204030204" pitchFamily="49" charset="0"/>
                 </a:rPr>
-                <a:t>[0] (…)</a:t>
-              </a:r>
-            </a:p>
-            <a:p>
+                <a:t>[</a:t>
+              </a:r>
+              <a:r>
+                <a:rPr lang="en-US" sz="700" dirty="0">
+                  <a:solidFill>
+                    <a:schemeClr val="accent6"/>
+                  </a:solidFill>
+                  <a:latin typeface="Consolas" panose="020B0609020204030204" pitchFamily="49" charset="0"/>
+                </a:rPr>
+                <a:t>0</a:t>
+              </a:r>
               <a:r>
                 <a:rPr lang="en-US" sz="700" dirty="0">
                   <a:solidFill>
@@ -5313,6 +5320,17 @@
                   </a:solidFill>
                   <a:latin typeface="Consolas" panose="020B0609020204030204" pitchFamily="49" charset="0"/>
                 </a:rPr>
+                <a:t>] (…)</a:t>
+              </a:r>
+            </a:p>
+            <a:p>
+              <a:r>
+                <a:rPr lang="en-US" sz="700" dirty="0">
+                  <a:solidFill>
+                    <a:schemeClr val="tx1"/>
+                  </a:solidFill>
+                  <a:latin typeface="Consolas" panose="020B0609020204030204" pitchFamily="49" charset="0"/>
+                </a:rPr>
                 <a:t>        </a:t>
               </a:r>
               <a:r>
@@ -5419,7 +5437,7 @@
               <a:r>
                 <a:rPr lang="en-US" sz="700" dirty="0">
                   <a:solidFill>
-                    <a:srgbClr val="FFC000"/>
+                    <a:schemeClr val="accent2"/>
                   </a:solidFill>
                   <a:latin typeface="Consolas" panose="020B0609020204030204" pitchFamily="49" charset="0"/>
                 </a:rPr>
@@ -5502,7 +5520,7 @@
               <a:r>
                 <a:rPr lang="en-US" sz="700" dirty="0">
                   <a:solidFill>
-                    <a:srgbClr val="FFC000"/>
+                    <a:schemeClr val="accent2"/>
                   </a:solidFill>
                   <a:latin typeface="Consolas" panose="020B0609020204030204" pitchFamily="49" charset="0"/>
                 </a:rPr>
@@ -5580,7 +5598,7 @@
         </p:nvSpPr>
         <p:spPr>
           <a:xfrm>
-            <a:off x="4705000" y="2495996"/>
+            <a:off x="4736751" y="2521235"/>
             <a:ext cx="351058" cy="107722"/>
           </a:xfrm>
           <a:prstGeom prst="rect">
@@ -5826,8 +5844,8 @@
         </p:nvCxnSpPr>
         <p:spPr>
           <a:xfrm rot="16200000" flipH="1">
-            <a:off x="836251" y="2456334"/>
-            <a:ext cx="784074" cy="466488"/>
+            <a:off x="827411" y="2447493"/>
+            <a:ext cx="757514" cy="510728"/>
           </a:xfrm>
           <a:prstGeom prst="bentConnector2">
             <a:avLst/>
@@ -6013,8 +6031,8 @@
         </p:nvCxnSpPr>
         <p:spPr>
           <a:xfrm>
-            <a:off x="5832780" y="2209243"/>
-            <a:ext cx="739470" cy="5525439"/>
+            <a:off x="6019800" y="2194456"/>
+            <a:ext cx="552450" cy="5540226"/>
           </a:xfrm>
           <a:prstGeom prst="bentConnector2">
             <a:avLst/>
@@ -6313,7 +6331,8 @@
           </a:prstGeom>
           <a:ln>
             <a:prstDash val="dash"/>
-            <a:tailEnd type="triangle"/>
+            <a:headEnd type="triangle" w="med" len="med"/>
+            <a:tailEnd type="triangle" w="med" len="med"/>
           </a:ln>
         </p:spPr>
         <p:style>
@@ -6348,18 +6367,19 @@
         </p:nvCxnSpPr>
         <p:spPr>
           <a:xfrm rot="5400000">
-            <a:off x="-837050" y="3528187"/>
-            <a:ext cx="2839782" cy="486047"/>
+            <a:off x="-887991" y="3571177"/>
+            <a:ext cx="2847732" cy="392116"/>
           </a:xfrm>
           <a:prstGeom prst="bentConnector4">
             <a:avLst>
-              <a:gd name="adj1" fmla="val 17571"/>
-              <a:gd name="adj2" fmla="val 147032"/>
+              <a:gd name="adj1" fmla="val 18776"/>
+              <a:gd name="adj2" fmla="val 158299"/>
             </a:avLst>
           </a:prstGeom>
           <a:ln>
             <a:prstDash val="dash"/>
-            <a:tailEnd type="triangle"/>
+            <a:headEnd type="triangle" w="med" len="med"/>
+            <a:tailEnd type="triangle" w="med" len="med"/>
           </a:ln>
         </p:spPr>
         <p:style>
@@ -6406,7 +6426,8 @@
           </a:prstGeom>
           <a:ln>
             <a:prstDash val="dash"/>
-            <a:tailEnd type="triangle"/>
+            <a:headEnd type="triangle" w="med" len="med"/>
+            <a:tailEnd type="triangle" w="med" len="med"/>
           </a:ln>
         </p:spPr>
         <p:style>
@@ -6579,8 +6600,8 @@
         </p:nvCxnSpPr>
         <p:spPr>
           <a:xfrm flipV="1">
-            <a:off x="2994093" y="2285443"/>
-            <a:ext cx="2438637" cy="2797465"/>
+            <a:off x="2994093" y="2270656"/>
+            <a:ext cx="2625657" cy="2812252"/>
           </a:xfrm>
           <a:prstGeom prst="bentConnector2">
             <a:avLst/>
@@ -7252,7 +7273,7 @@
         </p:nvSpPr>
         <p:spPr>
           <a:xfrm>
-            <a:off x="4514446" y="6037258"/>
+            <a:off x="4514870" y="6043240"/>
             <a:ext cx="307777" cy="107722"/>
           </a:xfrm>
           <a:prstGeom prst="rect">
@@ -7287,7 +7308,7 @@
         </p:nvSpPr>
         <p:spPr>
           <a:xfrm>
-            <a:off x="4526400" y="6881465"/>
+            <a:off x="4519507" y="6874035"/>
             <a:ext cx="307777" cy="107722"/>
           </a:xfrm>
           <a:prstGeom prst="rect">

--- a/documentation/AMCParcelDetectionAlgorithmFlowchart16.pptx
+++ b/documentation/AMCParcelDetectionAlgorithmFlowchart16.pptx
@@ -7,7 +7,7 @@
   <p:sldIdLst>
     <p:sldId id="256" r:id="rId2"/>
   </p:sldIdLst>
-  <p:sldSz cx="6858000" cy="9144000" type="letter"/>
+  <p:sldSz cx="9144000" cy="6858000" type="letter"/>
   <p:notesSz cx="6858000" cy="9144000"/>
   <p:defaultTextStyle>
     <a:defPPr>
@@ -104,356 +104,7 @@
       </a:defRPr>
     </a:lvl9pPr>
   </p:defaultTextStyle>
-  <p:extLst>
-    <p:ext uri="{EFAFB233-063F-42B5-8137-9DF3F51BA10A}">
-      <p15:sldGuideLst xmlns:p15="http://schemas.microsoft.com/office/powerpoint/2012/main">
-        <p15:guide id="1" orient="horz" pos="2880" userDrawn="1">
-          <p15:clr>
-            <a:srgbClr val="A4A3A4"/>
-          </p15:clr>
-        </p15:guide>
-        <p15:guide id="2" pos="2160" userDrawn="1">
-          <p15:clr>
-            <a:srgbClr val="A4A3A4"/>
-          </p15:clr>
-        </p15:guide>
-      </p15:sldGuideLst>
-    </p:ext>
-  </p:extLst>
 </p:presentation>
-</file>
-
-<file path=ppt/revisionInfo.xml><?xml version="1.0" encoding="utf-8"?>
-<p1510:revInfo xmlns:a="http://schemas.openxmlformats.org/drawingml/2006/main" xmlns:r="http://schemas.openxmlformats.org/officeDocument/2006/relationships" xmlns:p1510="http://schemas.microsoft.com/office/powerpoint/2015/10/main">
-  <p1510:revLst>
-    <p1510:client id="{A64AB18F-93D5-4C45-9E40-46488584A126}" v="4" dt="2020-08-26T18:14:11.521"/>
-  </p1510:revLst>
-</p1510:revInfo>
-</file>
-
-<file path=ppt/changesInfos/changesInfo1.xml><?xml version="1.0" encoding="utf-8"?>
-<pc:chgInfo xmlns:a="http://schemas.openxmlformats.org/drawingml/2006/main" xmlns:r="http://schemas.openxmlformats.org/officeDocument/2006/relationships" xmlns:ac="http://schemas.microsoft.com/office/drawing/2013/main/command" xmlns:pc="http://schemas.microsoft.com/office/powerpoint/2013/main/command">
-  <pc:docChgLst>
-    <pc:chgData name="Kostas Alexandridis" userId="98c3d89177ee1291" providerId="LiveId" clId="{A64AB18F-93D5-4C45-9E40-46488584A126}"/>
-    <pc:docChg chg="undo custSel modSld">
-      <pc:chgData name="Kostas Alexandridis" userId="98c3d89177ee1291" providerId="LiveId" clId="{A64AB18F-93D5-4C45-9E40-46488584A126}" dt="2020-08-26T18:14:26.438" v="4" actId="1076"/>
-      <pc:docMkLst>
-        <pc:docMk/>
-      </pc:docMkLst>
-      <pc:sldChg chg="addSp delSp modSp mod">
-        <pc:chgData name="Kostas Alexandridis" userId="98c3d89177ee1291" providerId="LiveId" clId="{A64AB18F-93D5-4C45-9E40-46488584A126}" dt="2020-08-26T18:14:26.438" v="4" actId="1076"/>
-        <pc:sldMkLst>
-          <pc:docMk/>
-          <pc:sldMk cId="848104866" sldId="256"/>
-        </pc:sldMkLst>
-        <pc:spChg chg="mod topLvl">
-          <ac:chgData name="Kostas Alexandridis" userId="98c3d89177ee1291" providerId="LiveId" clId="{A64AB18F-93D5-4C45-9E40-46488584A126}" dt="2020-08-26T18:14:11.521" v="3" actId="165"/>
-          <ac:spMkLst>
-            <pc:docMk/>
-            <pc:sldMk cId="848104866" sldId="256"/>
-            <ac:spMk id="8" creationId="{83094161-4E2F-492C-9F9C-ABC717F75F48}"/>
-          </ac:spMkLst>
-        </pc:spChg>
-        <pc:spChg chg="mod topLvl">
-          <ac:chgData name="Kostas Alexandridis" userId="98c3d89177ee1291" providerId="LiveId" clId="{A64AB18F-93D5-4C45-9E40-46488584A126}" dt="2020-08-26T18:14:11.521" v="3" actId="165"/>
-          <ac:spMkLst>
-            <pc:docMk/>
-            <pc:sldMk cId="848104866" sldId="256"/>
-            <ac:spMk id="9" creationId="{03CACD7D-A681-41B8-BADA-E0E6702819DA}"/>
-          </ac:spMkLst>
-        </pc:spChg>
-        <pc:spChg chg="mod topLvl">
-          <ac:chgData name="Kostas Alexandridis" userId="98c3d89177ee1291" providerId="LiveId" clId="{A64AB18F-93D5-4C45-9E40-46488584A126}" dt="2020-08-26T18:14:11.521" v="3" actId="165"/>
-          <ac:spMkLst>
-            <pc:docMk/>
-            <pc:sldMk cId="848104866" sldId="256"/>
-            <ac:spMk id="42" creationId="{C8549E1C-33D7-4AD9-8D61-19E533AE97FA}"/>
-          </ac:spMkLst>
-        </pc:spChg>
-        <pc:spChg chg="mod topLvl">
-          <ac:chgData name="Kostas Alexandridis" userId="98c3d89177ee1291" providerId="LiveId" clId="{A64AB18F-93D5-4C45-9E40-46488584A126}" dt="2020-08-26T18:14:11.521" v="3" actId="165"/>
-          <ac:spMkLst>
-            <pc:docMk/>
-            <pc:sldMk cId="848104866" sldId="256"/>
-            <ac:spMk id="43" creationId="{CF712C25-35C2-42A0-AAA6-40787C974782}"/>
-          </ac:spMkLst>
-        </pc:spChg>
-        <pc:spChg chg="mod topLvl">
-          <ac:chgData name="Kostas Alexandridis" userId="98c3d89177ee1291" providerId="LiveId" clId="{A64AB18F-93D5-4C45-9E40-46488584A126}" dt="2020-08-26T18:14:11.521" v="3" actId="165"/>
-          <ac:spMkLst>
-            <pc:docMk/>
-            <pc:sldMk cId="848104866" sldId="256"/>
-            <ac:spMk id="98" creationId="{B74E1F6D-CDDE-45E7-9B7C-8550DA78B5C3}"/>
-          </ac:spMkLst>
-        </pc:spChg>
-        <pc:spChg chg="mod topLvl">
-          <ac:chgData name="Kostas Alexandridis" userId="98c3d89177ee1291" providerId="LiveId" clId="{A64AB18F-93D5-4C45-9E40-46488584A126}" dt="2020-08-26T18:14:11.521" v="3" actId="165"/>
-          <ac:spMkLst>
-            <pc:docMk/>
-            <pc:sldMk cId="848104866" sldId="256"/>
-            <ac:spMk id="99" creationId="{CBF58832-CF89-4C44-9C69-F0071B657524}"/>
-          </ac:spMkLst>
-        </pc:spChg>
-        <pc:spChg chg="mod topLvl">
-          <ac:chgData name="Kostas Alexandridis" userId="98c3d89177ee1291" providerId="LiveId" clId="{A64AB18F-93D5-4C45-9E40-46488584A126}" dt="2020-08-26T18:14:11.521" v="3" actId="165"/>
-          <ac:spMkLst>
-            <pc:docMk/>
-            <pc:sldMk cId="848104866" sldId="256"/>
-            <ac:spMk id="120" creationId="{DB572FC7-C58F-46A3-B0A1-7B513BA1B6FF}"/>
-          </ac:spMkLst>
-        </pc:spChg>
-        <pc:spChg chg="mod topLvl">
-          <ac:chgData name="Kostas Alexandridis" userId="98c3d89177ee1291" providerId="LiveId" clId="{A64AB18F-93D5-4C45-9E40-46488584A126}" dt="2020-08-26T18:14:11.521" v="3" actId="165"/>
-          <ac:spMkLst>
-            <pc:docMk/>
-            <pc:sldMk cId="848104866" sldId="256"/>
-            <ac:spMk id="121" creationId="{DA928558-5792-47D7-B9B3-A298601700CF}"/>
-          </ac:spMkLst>
-        </pc:spChg>
-        <pc:spChg chg="mod topLvl">
-          <ac:chgData name="Kostas Alexandridis" userId="98c3d89177ee1291" providerId="LiveId" clId="{A64AB18F-93D5-4C45-9E40-46488584A126}" dt="2020-08-26T18:14:11.521" v="3" actId="165"/>
-          <ac:spMkLst>
-            <pc:docMk/>
-            <pc:sldMk cId="848104866" sldId="256"/>
-            <ac:spMk id="127" creationId="{0C0E49D0-6160-4EE7-A246-1E100EF80872}"/>
-          </ac:spMkLst>
-        </pc:spChg>
-        <pc:spChg chg="mod topLvl">
-          <ac:chgData name="Kostas Alexandridis" userId="98c3d89177ee1291" providerId="LiveId" clId="{A64AB18F-93D5-4C45-9E40-46488584A126}" dt="2020-08-26T18:14:11.521" v="3" actId="165"/>
-          <ac:spMkLst>
-            <pc:docMk/>
-            <pc:sldMk cId="848104866" sldId="256"/>
-            <ac:spMk id="128" creationId="{B1E37B98-03AA-4489-8675-7973EE6E93F6}"/>
-          </ac:spMkLst>
-        </pc:spChg>
-        <pc:spChg chg="mod topLvl">
-          <ac:chgData name="Kostas Alexandridis" userId="98c3d89177ee1291" providerId="LiveId" clId="{A64AB18F-93D5-4C45-9E40-46488584A126}" dt="2020-08-26T18:14:11.521" v="3" actId="165"/>
-          <ac:spMkLst>
-            <pc:docMk/>
-            <pc:sldMk cId="848104866" sldId="256"/>
-            <ac:spMk id="315" creationId="{99D88FE0-14CC-457E-98FD-29DC8F36E462}"/>
-          </ac:spMkLst>
-        </pc:spChg>
-        <pc:spChg chg="mod topLvl">
-          <ac:chgData name="Kostas Alexandridis" userId="98c3d89177ee1291" providerId="LiveId" clId="{A64AB18F-93D5-4C45-9E40-46488584A126}" dt="2020-08-26T18:14:11.521" v="3" actId="165"/>
-          <ac:spMkLst>
-            <pc:docMk/>
-            <pc:sldMk cId="848104866" sldId="256"/>
-            <ac:spMk id="316" creationId="{4EED9A23-ED6A-478C-9356-6CAA1CFD00E1}"/>
-          </ac:spMkLst>
-        </pc:spChg>
-        <pc:spChg chg="mod">
-          <ac:chgData name="Kostas Alexandridis" userId="98c3d89177ee1291" providerId="LiveId" clId="{A64AB18F-93D5-4C45-9E40-46488584A126}" dt="2020-08-26T18:14:11.521" v="3" actId="165"/>
-          <ac:spMkLst>
-            <pc:docMk/>
-            <pc:sldMk cId="848104866" sldId="256"/>
-            <ac:spMk id="318" creationId="{8ACEC242-B90B-456D-9A56-819A71FEF72D}"/>
-          </ac:spMkLst>
-        </pc:spChg>
-        <pc:spChg chg="mod">
-          <ac:chgData name="Kostas Alexandridis" userId="98c3d89177ee1291" providerId="LiveId" clId="{A64AB18F-93D5-4C45-9E40-46488584A126}" dt="2020-08-26T18:14:11.521" v="3" actId="165"/>
-          <ac:spMkLst>
-            <pc:docMk/>
-            <pc:sldMk cId="848104866" sldId="256"/>
-            <ac:spMk id="319" creationId="{893E4978-4BE6-4D1D-94B4-7B704ADB3658}"/>
-          </ac:spMkLst>
-        </pc:spChg>
-        <pc:spChg chg="mod topLvl">
-          <ac:chgData name="Kostas Alexandridis" userId="98c3d89177ee1291" providerId="LiveId" clId="{A64AB18F-93D5-4C45-9E40-46488584A126}" dt="2020-08-26T18:14:11.521" v="3" actId="165"/>
-          <ac:spMkLst>
-            <pc:docMk/>
-            <pc:sldMk cId="848104866" sldId="256"/>
-            <ac:spMk id="320" creationId="{88DB4A56-E96A-49EF-8ABE-B8C91FA706FD}"/>
-          </ac:spMkLst>
-        </pc:spChg>
-        <pc:spChg chg="mod topLvl">
-          <ac:chgData name="Kostas Alexandridis" userId="98c3d89177ee1291" providerId="LiveId" clId="{A64AB18F-93D5-4C45-9E40-46488584A126}" dt="2020-08-26T18:14:11.521" v="3" actId="165"/>
-          <ac:spMkLst>
-            <pc:docMk/>
-            <pc:sldMk cId="848104866" sldId="256"/>
-            <ac:spMk id="323" creationId="{55AB21FB-109D-41C1-B603-45AFF539D657}"/>
-          </ac:spMkLst>
-        </pc:spChg>
-        <pc:spChg chg="mod topLvl">
-          <ac:chgData name="Kostas Alexandridis" userId="98c3d89177ee1291" providerId="LiveId" clId="{A64AB18F-93D5-4C45-9E40-46488584A126}" dt="2020-08-26T18:14:11.521" v="3" actId="165"/>
-          <ac:spMkLst>
-            <pc:docMk/>
-            <pc:sldMk cId="848104866" sldId="256"/>
-            <ac:spMk id="324" creationId="{2F124122-9656-4773-8CAC-F648CEB81B7C}"/>
-          </ac:spMkLst>
-        </pc:spChg>
-        <pc:spChg chg="mod topLvl">
-          <ac:chgData name="Kostas Alexandridis" userId="98c3d89177ee1291" providerId="LiveId" clId="{A64AB18F-93D5-4C45-9E40-46488584A126}" dt="2020-08-26T18:14:11.521" v="3" actId="165"/>
-          <ac:spMkLst>
-            <pc:docMk/>
-            <pc:sldMk cId="848104866" sldId="256"/>
-            <ac:spMk id="325" creationId="{CE4D6F51-E8D1-4D87-ABE9-4157A267F29C}"/>
-          </ac:spMkLst>
-        </pc:spChg>
-        <pc:spChg chg="mod topLvl">
-          <ac:chgData name="Kostas Alexandridis" userId="98c3d89177ee1291" providerId="LiveId" clId="{A64AB18F-93D5-4C45-9E40-46488584A126}" dt="2020-08-26T18:14:11.521" v="3" actId="165"/>
-          <ac:spMkLst>
-            <pc:docMk/>
-            <pc:sldMk cId="848104866" sldId="256"/>
-            <ac:spMk id="326" creationId="{32B2D98D-E641-46CB-ACAB-8E8D1470DC4A}"/>
-          </ac:spMkLst>
-        </pc:spChg>
-        <pc:spChg chg="mod topLvl">
-          <ac:chgData name="Kostas Alexandridis" userId="98c3d89177ee1291" providerId="LiveId" clId="{A64AB18F-93D5-4C45-9E40-46488584A126}" dt="2020-08-26T18:14:11.521" v="3" actId="165"/>
-          <ac:spMkLst>
-            <pc:docMk/>
-            <pc:sldMk cId="848104866" sldId="256"/>
-            <ac:spMk id="327" creationId="{AC69D288-13CC-4AF7-A338-C78AED0DECC2}"/>
-          </ac:spMkLst>
-        </pc:spChg>
-        <pc:spChg chg="mod topLvl">
-          <ac:chgData name="Kostas Alexandridis" userId="98c3d89177ee1291" providerId="LiveId" clId="{A64AB18F-93D5-4C45-9E40-46488584A126}" dt="2020-08-26T18:14:11.521" v="3" actId="165"/>
-          <ac:spMkLst>
-            <pc:docMk/>
-            <pc:sldMk cId="848104866" sldId="256"/>
-            <ac:spMk id="328" creationId="{CC77CA0F-98A3-4389-92DD-D8EF8578E565}"/>
-          </ac:spMkLst>
-        </pc:spChg>
-        <pc:spChg chg="mod topLvl">
-          <ac:chgData name="Kostas Alexandridis" userId="98c3d89177ee1291" providerId="LiveId" clId="{A64AB18F-93D5-4C45-9E40-46488584A126}" dt="2020-08-26T18:14:11.521" v="3" actId="165"/>
-          <ac:spMkLst>
-            <pc:docMk/>
-            <pc:sldMk cId="848104866" sldId="256"/>
-            <ac:spMk id="329" creationId="{B237B387-DEA1-4609-8B18-A3D9939F2A18}"/>
-          </ac:spMkLst>
-        </pc:spChg>
-        <pc:spChg chg="mod topLvl">
-          <ac:chgData name="Kostas Alexandridis" userId="98c3d89177ee1291" providerId="LiveId" clId="{A64AB18F-93D5-4C45-9E40-46488584A126}" dt="2020-08-26T18:14:11.521" v="3" actId="165"/>
-          <ac:spMkLst>
-            <pc:docMk/>
-            <pc:sldMk cId="848104866" sldId="256"/>
-            <ac:spMk id="330" creationId="{71E18E2B-7D37-46C1-BCD9-CA8CE9817F9A}"/>
-          </ac:spMkLst>
-        </pc:spChg>
-        <pc:spChg chg="mod topLvl">
-          <ac:chgData name="Kostas Alexandridis" userId="98c3d89177ee1291" providerId="LiveId" clId="{A64AB18F-93D5-4C45-9E40-46488584A126}" dt="2020-08-26T18:14:11.521" v="3" actId="165"/>
-          <ac:spMkLst>
-            <pc:docMk/>
-            <pc:sldMk cId="848104866" sldId="256"/>
-            <ac:spMk id="332" creationId="{26D5F73F-9167-473F-B04E-4101037B9FD8}"/>
-          </ac:spMkLst>
-        </pc:spChg>
-        <pc:grpChg chg="add del mod">
-          <ac:chgData name="Kostas Alexandridis" userId="98c3d89177ee1291" providerId="LiveId" clId="{A64AB18F-93D5-4C45-9E40-46488584A126}" dt="2020-08-26T18:14:11.521" v="3" actId="165"/>
-          <ac:grpSpMkLst>
-            <pc:docMk/>
-            <pc:sldMk cId="848104866" sldId="256"/>
-            <ac:grpSpMk id="10" creationId="{EA1FA1C6-A731-4B37-9E59-551506F40218}"/>
-          </ac:grpSpMkLst>
-        </pc:grpChg>
-        <pc:grpChg chg="add del mod">
-          <ac:chgData name="Kostas Alexandridis" userId="98c3d89177ee1291" providerId="LiveId" clId="{A64AB18F-93D5-4C45-9E40-46488584A126}" dt="2020-08-26T18:14:11.521" v="3" actId="165"/>
-          <ac:grpSpMkLst>
-            <pc:docMk/>
-            <pc:sldMk cId="848104866" sldId="256"/>
-            <ac:grpSpMk id="41" creationId="{0ECFB434-598F-49DC-9E47-9D85E600A39E}"/>
-          </ac:grpSpMkLst>
-        </pc:grpChg>
-        <pc:grpChg chg="add del mod">
-          <ac:chgData name="Kostas Alexandridis" userId="98c3d89177ee1291" providerId="LiveId" clId="{A64AB18F-93D5-4C45-9E40-46488584A126}" dt="2020-08-26T18:14:11.521" v="3" actId="165"/>
-          <ac:grpSpMkLst>
-            <pc:docMk/>
-            <pc:sldMk cId="848104866" sldId="256"/>
-            <ac:grpSpMk id="97" creationId="{09980B0B-6560-4CD9-853A-B6C95C0D9F72}"/>
-          </ac:grpSpMkLst>
-        </pc:grpChg>
-        <pc:grpChg chg="add del mod">
-          <ac:chgData name="Kostas Alexandridis" userId="98c3d89177ee1291" providerId="LiveId" clId="{A64AB18F-93D5-4C45-9E40-46488584A126}" dt="2020-08-26T18:14:11.521" v="3" actId="165"/>
-          <ac:grpSpMkLst>
-            <pc:docMk/>
-            <pc:sldMk cId="848104866" sldId="256"/>
-            <ac:grpSpMk id="119" creationId="{08AB96F0-7BD4-404B-906F-ABFD389024AC}"/>
-          </ac:grpSpMkLst>
-        </pc:grpChg>
-        <pc:grpChg chg="add del mod">
-          <ac:chgData name="Kostas Alexandridis" userId="98c3d89177ee1291" providerId="LiveId" clId="{A64AB18F-93D5-4C45-9E40-46488584A126}" dt="2020-08-26T18:14:11.521" v="3" actId="165"/>
-          <ac:grpSpMkLst>
-            <pc:docMk/>
-            <pc:sldMk cId="848104866" sldId="256"/>
-            <ac:grpSpMk id="126" creationId="{48CAA0E6-FDA8-42C7-93E8-1AB6B5A39DDB}"/>
-          </ac:grpSpMkLst>
-        </pc:grpChg>
-        <pc:grpChg chg="mod topLvl">
-          <ac:chgData name="Kostas Alexandridis" userId="98c3d89177ee1291" providerId="LiveId" clId="{A64AB18F-93D5-4C45-9E40-46488584A126}" dt="2020-08-26T18:14:11.521" v="3" actId="165"/>
-          <ac:grpSpMkLst>
-            <pc:docMk/>
-            <pc:sldMk cId="848104866" sldId="256"/>
-            <ac:grpSpMk id="317" creationId="{FB421FFF-8C62-4401-83FB-865A2FAD3184}"/>
-          </ac:grpSpMkLst>
-        </pc:grpChg>
-        <pc:grpChg chg="add del mod">
-          <ac:chgData name="Kostas Alexandridis" userId="98c3d89177ee1291" providerId="LiveId" clId="{A64AB18F-93D5-4C45-9E40-46488584A126}" dt="2020-08-26T18:14:11.521" v="3" actId="165"/>
-          <ac:grpSpMkLst>
-            <pc:docMk/>
-            <pc:sldMk cId="848104866" sldId="256"/>
-            <ac:grpSpMk id="333" creationId="{55246DFD-0BEF-4A53-B5EE-29C49F89E2E5}"/>
-          </ac:grpSpMkLst>
-        </pc:grpChg>
-        <pc:grpChg chg="mod">
-          <ac:chgData name="Kostas Alexandridis" userId="98c3d89177ee1291" providerId="LiveId" clId="{A64AB18F-93D5-4C45-9E40-46488584A126}" dt="2020-08-26T18:14:26.438" v="4" actId="1076"/>
-          <ac:grpSpMkLst>
-            <pc:docMk/>
-            <pc:sldMk cId="848104866" sldId="256"/>
-            <ac:grpSpMk id="338" creationId="{225BAB5E-BB0E-4722-B318-A2A0231186F3}"/>
-          </ac:grpSpMkLst>
-        </pc:grpChg>
-        <pc:grpChg chg="add mod">
-          <ac:chgData name="Kostas Alexandridis" userId="98c3d89177ee1291" providerId="LiveId" clId="{A64AB18F-93D5-4C45-9E40-46488584A126}" dt="2020-08-26T18:14:10.260" v="2" actId="338"/>
-          <ac:grpSpMkLst>
-            <pc:docMk/>
-            <pc:sldMk cId="848104866" sldId="256"/>
-            <ac:grpSpMk id="339" creationId="{244AA77F-F2C4-4DEF-BC4E-F86006F279CC}"/>
-          </ac:grpSpMkLst>
-        </pc:grpChg>
-        <pc:grpChg chg="add mod">
-          <ac:chgData name="Kostas Alexandridis" userId="98c3d89177ee1291" providerId="LiveId" clId="{A64AB18F-93D5-4C45-9E40-46488584A126}" dt="2020-08-26T18:14:10.260" v="2" actId="338"/>
-          <ac:grpSpMkLst>
-            <pc:docMk/>
-            <pc:sldMk cId="848104866" sldId="256"/>
-            <ac:grpSpMk id="340" creationId="{79242D5E-D88B-4C12-8267-FB9F64A957A8}"/>
-          </ac:grpSpMkLst>
-        </pc:grpChg>
-        <pc:grpChg chg="add mod">
-          <ac:chgData name="Kostas Alexandridis" userId="98c3d89177ee1291" providerId="LiveId" clId="{A64AB18F-93D5-4C45-9E40-46488584A126}" dt="2020-08-26T18:14:10.260" v="2" actId="338"/>
-          <ac:grpSpMkLst>
-            <pc:docMk/>
-            <pc:sldMk cId="848104866" sldId="256"/>
-            <ac:grpSpMk id="341" creationId="{74D0E70D-50FC-4C01-98D4-CD9272182531}"/>
-          </ac:grpSpMkLst>
-        </pc:grpChg>
-        <pc:grpChg chg="add mod">
-          <ac:chgData name="Kostas Alexandridis" userId="98c3d89177ee1291" providerId="LiveId" clId="{A64AB18F-93D5-4C45-9E40-46488584A126}" dt="2020-08-26T18:14:10.260" v="2" actId="338"/>
-          <ac:grpSpMkLst>
-            <pc:docMk/>
-            <pc:sldMk cId="848104866" sldId="256"/>
-            <ac:grpSpMk id="342" creationId="{CD87DD42-6319-4854-A7FA-55B29130A0C9}"/>
-          </ac:grpSpMkLst>
-        </pc:grpChg>
-        <pc:grpChg chg="add mod">
-          <ac:chgData name="Kostas Alexandridis" userId="98c3d89177ee1291" providerId="LiveId" clId="{A64AB18F-93D5-4C45-9E40-46488584A126}" dt="2020-08-26T18:14:10.260" v="2" actId="338"/>
-          <ac:grpSpMkLst>
-            <pc:docMk/>
-            <pc:sldMk cId="848104866" sldId="256"/>
-            <ac:grpSpMk id="343" creationId="{7CBCDE40-55F8-4B85-B311-609A263CDCF5}"/>
-          </ac:grpSpMkLst>
-        </pc:grpChg>
-        <pc:grpChg chg="add mod">
-          <ac:chgData name="Kostas Alexandridis" userId="98c3d89177ee1291" providerId="LiveId" clId="{A64AB18F-93D5-4C45-9E40-46488584A126}" dt="2020-08-26T18:14:10.260" v="2" actId="338"/>
-          <ac:grpSpMkLst>
-            <pc:docMk/>
-            <pc:sldMk cId="848104866" sldId="256"/>
-            <ac:grpSpMk id="344" creationId="{8B2260FE-AB94-4C48-9AA4-706F05F4D7CA}"/>
-          </ac:grpSpMkLst>
-        </pc:grpChg>
-      </pc:sldChg>
-    </pc:docChg>
-  </pc:docChgLst>
-</pc:chgInfo>
 </file>
 
 <file path=ppt/slideLayouts/slideLayout1.xml><?xml version="1.0" encoding="utf-8"?>
@@ -485,15 +136,15 @@
         </p:nvSpPr>
         <p:spPr>
           <a:xfrm>
-            <a:off x="514350" y="1496484"/>
-            <a:ext cx="5829300" cy="3183467"/>
+            <a:off x="685800" y="1122363"/>
+            <a:ext cx="7772400" cy="2387600"/>
           </a:xfrm>
         </p:spPr>
         <p:txBody>
           <a:bodyPr anchor="b"/>
           <a:lstStyle>
             <a:lvl1pPr algn="ctr">
-              <a:defRPr sz="4500"/>
+              <a:defRPr sz="6000"/>
             </a:lvl1pPr>
           </a:lstStyle>
           <a:p>
@@ -517,8 +168,8 @@
         </p:nvSpPr>
         <p:spPr>
           <a:xfrm>
-            <a:off x="857250" y="4802717"/>
-            <a:ext cx="5143500" cy="2207683"/>
+            <a:off x="1143000" y="3602038"/>
+            <a:ext cx="6858000" cy="1655762"/>
           </a:xfrm>
         </p:spPr>
         <p:txBody>
@@ -526,39 +177,39 @@
           <a:lstStyle>
             <a:lvl1pPr marL="0" indent="0" algn="ctr">
               <a:buNone/>
+              <a:defRPr sz="2400"/>
+            </a:lvl1pPr>
+            <a:lvl2pPr marL="457200" indent="0" algn="ctr">
+              <a:buNone/>
+              <a:defRPr sz="2000"/>
+            </a:lvl2pPr>
+            <a:lvl3pPr marL="914400" indent="0" algn="ctr">
+              <a:buNone/>
               <a:defRPr sz="1800"/>
-            </a:lvl1pPr>
-            <a:lvl2pPr marL="342900" indent="0" algn="ctr">
+            </a:lvl3pPr>
+            <a:lvl4pPr marL="1371600" indent="0" algn="ctr">
               <a:buNone/>
-              <a:defRPr sz="1500"/>
-            </a:lvl2pPr>
-            <a:lvl3pPr marL="685800" indent="0" algn="ctr">
+              <a:defRPr sz="1600"/>
+            </a:lvl4pPr>
+            <a:lvl5pPr marL="1828800" indent="0" algn="ctr">
               <a:buNone/>
-              <a:defRPr sz="1350"/>
-            </a:lvl3pPr>
-            <a:lvl4pPr marL="1028700" indent="0" algn="ctr">
+              <a:defRPr sz="1600"/>
+            </a:lvl5pPr>
+            <a:lvl6pPr marL="2286000" indent="0" algn="ctr">
               <a:buNone/>
-              <a:defRPr sz="1200"/>
-            </a:lvl4pPr>
-            <a:lvl5pPr marL="1371600" indent="0" algn="ctr">
+              <a:defRPr sz="1600"/>
+            </a:lvl6pPr>
+            <a:lvl7pPr marL="2743200" indent="0" algn="ctr">
               <a:buNone/>
-              <a:defRPr sz="1200"/>
-            </a:lvl5pPr>
-            <a:lvl6pPr marL="1714500" indent="0" algn="ctr">
+              <a:defRPr sz="1600"/>
+            </a:lvl7pPr>
+            <a:lvl8pPr marL="3200400" indent="0" algn="ctr">
               <a:buNone/>
-              <a:defRPr sz="1200"/>
-            </a:lvl6pPr>
-            <a:lvl7pPr marL="2057400" indent="0" algn="ctr">
+              <a:defRPr sz="1600"/>
+            </a:lvl8pPr>
+            <a:lvl9pPr marL="3657600" indent="0" algn="ctr">
               <a:buNone/>
-              <a:defRPr sz="1200"/>
-            </a:lvl7pPr>
-            <a:lvl8pPr marL="2400300" indent="0" algn="ctr">
-              <a:buNone/>
-              <a:defRPr sz="1200"/>
-            </a:lvl8pPr>
-            <a:lvl9pPr marL="2743200" indent="0" algn="ctr">
-              <a:buNone/>
-              <a:defRPr sz="1200"/>
+              <a:defRPr sz="1600"/>
             </a:lvl9pPr>
           </a:lstStyle>
           <a:p>
@@ -585,9 +236,9 @@
           <a:bodyPr/>
           <a:lstStyle/>
           <a:p>
-            <a:fld id="{7DF0F534-4E4A-4E6E-9226-2852A46F6154}" type="datetimeFigureOut">
+            <a:fld id="{0307DB2E-88CF-49CF-BB5D-C6F60225BE93}" type="datetimeFigureOut">
               <a:rPr lang="en-US" smtClean="0"/>
-              <a:t>8/28/2020</a:t>
+              <a:t>9/1/2020</a:t>
             </a:fld>
             <a:endParaRPr lang="en-US"/>
           </a:p>
@@ -627,7 +278,7 @@
           <a:bodyPr/>
           <a:lstStyle/>
           <a:p>
-            <a:fld id="{7919E823-03CF-4537-BC86-057057818672}" type="slidenum">
+            <a:fld id="{4054E9ED-CD88-4099-8112-F3DE6A43401D}" type="slidenum">
               <a:rPr lang="en-US" smtClean="0"/>
               <a:t>‹#›</a:t>
             </a:fld>
@@ -638,7 +289,7 @@
     </p:spTree>
     <p:extLst>
       <p:ext uri="{BB962C8B-B14F-4D97-AF65-F5344CB8AC3E}">
-        <p14:creationId xmlns:p14="http://schemas.microsoft.com/office/powerpoint/2010/main" val="476908891"/>
+        <p14:creationId xmlns:p14="http://schemas.microsoft.com/office/powerpoint/2010/main" val="854116044"/>
       </p:ext>
     </p:extLst>
   </p:cSld>
@@ -755,9 +406,9 @@
           <a:bodyPr/>
           <a:lstStyle/>
           <a:p>
-            <a:fld id="{7DF0F534-4E4A-4E6E-9226-2852A46F6154}" type="datetimeFigureOut">
+            <a:fld id="{0307DB2E-88CF-49CF-BB5D-C6F60225BE93}" type="datetimeFigureOut">
               <a:rPr lang="en-US" smtClean="0"/>
-              <a:t>8/28/2020</a:t>
+              <a:t>9/1/2020</a:t>
             </a:fld>
             <a:endParaRPr lang="en-US"/>
           </a:p>
@@ -797,7 +448,7 @@
           <a:bodyPr/>
           <a:lstStyle/>
           <a:p>
-            <a:fld id="{7919E823-03CF-4537-BC86-057057818672}" type="slidenum">
+            <a:fld id="{4054E9ED-CD88-4099-8112-F3DE6A43401D}" type="slidenum">
               <a:rPr lang="en-US" smtClean="0"/>
               <a:t>‹#›</a:t>
             </a:fld>
@@ -808,7 +459,7 @@
     </p:spTree>
     <p:extLst>
       <p:ext uri="{BB962C8B-B14F-4D97-AF65-F5344CB8AC3E}">
-        <p14:creationId xmlns:p14="http://schemas.microsoft.com/office/powerpoint/2010/main" val="549131245"/>
+        <p14:creationId xmlns:p14="http://schemas.microsoft.com/office/powerpoint/2010/main" val="2828537990"/>
       </p:ext>
     </p:extLst>
   </p:cSld>
@@ -847,8 +498,8 @@
         </p:nvSpPr>
         <p:spPr>
           <a:xfrm>
-            <a:off x="4907757" y="486834"/>
-            <a:ext cx="1478756" cy="7749117"/>
+            <a:off x="6543675" y="365125"/>
+            <a:ext cx="1971675" cy="5811838"/>
           </a:xfrm>
         </p:spPr>
         <p:txBody>
@@ -875,8 +526,8 @@
         </p:nvSpPr>
         <p:spPr>
           <a:xfrm>
-            <a:off x="471488" y="486834"/>
-            <a:ext cx="4350544" cy="7749117"/>
+            <a:off x="628650" y="365125"/>
+            <a:ext cx="5800725" cy="5811838"/>
           </a:xfrm>
         </p:spPr>
         <p:txBody>
@@ -935,9 +586,9 @@
           <a:bodyPr/>
           <a:lstStyle/>
           <a:p>
-            <a:fld id="{7DF0F534-4E4A-4E6E-9226-2852A46F6154}" type="datetimeFigureOut">
+            <a:fld id="{0307DB2E-88CF-49CF-BB5D-C6F60225BE93}" type="datetimeFigureOut">
               <a:rPr lang="en-US" smtClean="0"/>
-              <a:t>8/28/2020</a:t>
+              <a:t>9/1/2020</a:t>
             </a:fld>
             <a:endParaRPr lang="en-US"/>
           </a:p>
@@ -977,7 +628,7 @@
           <a:bodyPr/>
           <a:lstStyle/>
           <a:p>
-            <a:fld id="{7919E823-03CF-4537-BC86-057057818672}" type="slidenum">
+            <a:fld id="{4054E9ED-CD88-4099-8112-F3DE6A43401D}" type="slidenum">
               <a:rPr lang="en-US" smtClean="0"/>
               <a:t>‹#›</a:t>
             </a:fld>
@@ -988,7 +639,7 @@
     </p:spTree>
     <p:extLst>
       <p:ext uri="{BB962C8B-B14F-4D97-AF65-F5344CB8AC3E}">
-        <p14:creationId xmlns:p14="http://schemas.microsoft.com/office/powerpoint/2010/main" val="3584680426"/>
+        <p14:creationId xmlns:p14="http://schemas.microsoft.com/office/powerpoint/2010/main" val="3603195267"/>
       </p:ext>
     </p:extLst>
   </p:cSld>
@@ -1105,9 +756,9 @@
           <a:bodyPr/>
           <a:lstStyle/>
           <a:p>
-            <a:fld id="{7DF0F534-4E4A-4E6E-9226-2852A46F6154}" type="datetimeFigureOut">
+            <a:fld id="{0307DB2E-88CF-49CF-BB5D-C6F60225BE93}" type="datetimeFigureOut">
               <a:rPr lang="en-US" smtClean="0"/>
-              <a:t>8/28/2020</a:t>
+              <a:t>9/1/2020</a:t>
             </a:fld>
             <a:endParaRPr lang="en-US"/>
           </a:p>
@@ -1147,7 +798,7 @@
           <a:bodyPr/>
           <a:lstStyle/>
           <a:p>
-            <a:fld id="{7919E823-03CF-4537-BC86-057057818672}" type="slidenum">
+            <a:fld id="{4054E9ED-CD88-4099-8112-F3DE6A43401D}" type="slidenum">
               <a:rPr lang="en-US" smtClean="0"/>
               <a:t>‹#›</a:t>
             </a:fld>
@@ -1158,7 +809,7 @@
     </p:spTree>
     <p:extLst>
       <p:ext uri="{BB962C8B-B14F-4D97-AF65-F5344CB8AC3E}">
-        <p14:creationId xmlns:p14="http://schemas.microsoft.com/office/powerpoint/2010/main" val="126265293"/>
+        <p14:creationId xmlns:p14="http://schemas.microsoft.com/office/powerpoint/2010/main" val="4276701779"/>
       </p:ext>
     </p:extLst>
   </p:cSld>
@@ -1197,15 +848,15 @@
         </p:nvSpPr>
         <p:spPr>
           <a:xfrm>
-            <a:off x="467916" y="2279653"/>
-            <a:ext cx="5915025" cy="3803649"/>
+            <a:off x="623888" y="1709739"/>
+            <a:ext cx="7886700" cy="2852737"/>
           </a:xfrm>
         </p:spPr>
         <p:txBody>
           <a:bodyPr anchor="b"/>
           <a:lstStyle>
             <a:lvl1pPr>
-              <a:defRPr sz="4500"/>
+              <a:defRPr sz="6000"/>
             </a:lvl1pPr>
           </a:lstStyle>
           <a:p>
@@ -1229,8 +880,8 @@
         </p:nvSpPr>
         <p:spPr>
           <a:xfrm>
-            <a:off x="467916" y="6119286"/>
-            <a:ext cx="5915025" cy="2000249"/>
+            <a:off x="623888" y="4589464"/>
+            <a:ext cx="7886700" cy="1500187"/>
           </a:xfrm>
         </p:spPr>
         <p:txBody>
@@ -1238,15 +889,15 @@
           <a:lstStyle>
             <a:lvl1pPr marL="0" indent="0">
               <a:buNone/>
-              <a:defRPr sz="1800">
+              <a:defRPr sz="2400">
                 <a:solidFill>
                   <a:schemeClr val="tx1"/>
                 </a:solidFill>
               </a:defRPr>
             </a:lvl1pPr>
-            <a:lvl2pPr marL="342900" indent="0">
+            <a:lvl2pPr marL="457200" indent="0">
               <a:buNone/>
-              <a:defRPr sz="1500">
+              <a:defRPr sz="2000">
                 <a:solidFill>
                   <a:schemeClr val="tx1">
                     <a:tint val="75000"/>
@@ -1254,9 +905,9 @@
                 </a:solidFill>
               </a:defRPr>
             </a:lvl2pPr>
-            <a:lvl3pPr marL="685800" indent="0">
+            <a:lvl3pPr marL="914400" indent="0">
               <a:buNone/>
-              <a:defRPr sz="1350">
+              <a:defRPr sz="1800">
                 <a:solidFill>
                   <a:schemeClr val="tx1">
                     <a:tint val="75000"/>
@@ -1264,9 +915,9 @@
                 </a:solidFill>
               </a:defRPr>
             </a:lvl3pPr>
-            <a:lvl4pPr marL="1028700" indent="0">
+            <a:lvl4pPr marL="1371600" indent="0">
               <a:buNone/>
-              <a:defRPr sz="1200">
+              <a:defRPr sz="1600">
                 <a:solidFill>
                   <a:schemeClr val="tx1">
                     <a:tint val="75000"/>
@@ -1274,9 +925,9 @@
                 </a:solidFill>
               </a:defRPr>
             </a:lvl4pPr>
-            <a:lvl5pPr marL="1371600" indent="0">
+            <a:lvl5pPr marL="1828800" indent="0">
               <a:buNone/>
-              <a:defRPr sz="1200">
+              <a:defRPr sz="1600">
                 <a:solidFill>
                   <a:schemeClr val="tx1">
                     <a:tint val="75000"/>
@@ -1284,9 +935,9 @@
                 </a:solidFill>
               </a:defRPr>
             </a:lvl5pPr>
-            <a:lvl6pPr marL="1714500" indent="0">
+            <a:lvl6pPr marL="2286000" indent="0">
               <a:buNone/>
-              <a:defRPr sz="1200">
+              <a:defRPr sz="1600">
                 <a:solidFill>
                   <a:schemeClr val="tx1">
                     <a:tint val="75000"/>
@@ -1294,9 +945,9 @@
                 </a:solidFill>
               </a:defRPr>
             </a:lvl6pPr>
-            <a:lvl7pPr marL="2057400" indent="0">
+            <a:lvl7pPr marL="2743200" indent="0">
               <a:buNone/>
-              <a:defRPr sz="1200">
+              <a:defRPr sz="1600">
                 <a:solidFill>
                   <a:schemeClr val="tx1">
                     <a:tint val="75000"/>
@@ -1304,9 +955,9 @@
                 </a:solidFill>
               </a:defRPr>
             </a:lvl7pPr>
-            <a:lvl8pPr marL="2400300" indent="0">
+            <a:lvl8pPr marL="3200400" indent="0">
               <a:buNone/>
-              <a:defRPr sz="1200">
+              <a:defRPr sz="1600">
                 <a:solidFill>
                   <a:schemeClr val="tx1">
                     <a:tint val="75000"/>
@@ -1314,9 +965,9 @@
                 </a:solidFill>
               </a:defRPr>
             </a:lvl8pPr>
-            <a:lvl9pPr marL="2743200" indent="0">
+            <a:lvl9pPr marL="3657600" indent="0">
               <a:buNone/>
-              <a:defRPr sz="1200">
+              <a:defRPr sz="1600">
                 <a:solidFill>
                   <a:schemeClr val="tx1">
                     <a:tint val="75000"/>
@@ -1349,9 +1000,9 @@
           <a:bodyPr/>
           <a:lstStyle/>
           <a:p>
-            <a:fld id="{7DF0F534-4E4A-4E6E-9226-2852A46F6154}" type="datetimeFigureOut">
+            <a:fld id="{0307DB2E-88CF-49CF-BB5D-C6F60225BE93}" type="datetimeFigureOut">
               <a:rPr lang="en-US" smtClean="0"/>
-              <a:t>8/28/2020</a:t>
+              <a:t>9/1/2020</a:t>
             </a:fld>
             <a:endParaRPr lang="en-US"/>
           </a:p>
@@ -1391,7 +1042,7 @@
           <a:bodyPr/>
           <a:lstStyle/>
           <a:p>
-            <a:fld id="{7919E823-03CF-4537-BC86-057057818672}" type="slidenum">
+            <a:fld id="{4054E9ED-CD88-4099-8112-F3DE6A43401D}" type="slidenum">
               <a:rPr lang="en-US" smtClean="0"/>
               <a:t>‹#›</a:t>
             </a:fld>
@@ -1402,7 +1053,7 @@
     </p:spTree>
     <p:extLst>
       <p:ext uri="{BB962C8B-B14F-4D97-AF65-F5344CB8AC3E}">
-        <p14:creationId xmlns:p14="http://schemas.microsoft.com/office/powerpoint/2010/main" val="2226886676"/>
+        <p14:creationId xmlns:p14="http://schemas.microsoft.com/office/powerpoint/2010/main" val="2300376075"/>
       </p:ext>
     </p:extLst>
   </p:cSld>
@@ -1464,8 +1115,8 @@
         </p:nvSpPr>
         <p:spPr>
           <a:xfrm>
-            <a:off x="471488" y="2434167"/>
-            <a:ext cx="2914650" cy="5801784"/>
+            <a:off x="628650" y="1825625"/>
+            <a:ext cx="3886200" cy="4351338"/>
           </a:xfrm>
         </p:spPr>
         <p:txBody>
@@ -1521,8 +1172,8 @@
         </p:nvSpPr>
         <p:spPr>
           <a:xfrm>
-            <a:off x="3471863" y="2434167"/>
-            <a:ext cx="2914650" cy="5801784"/>
+            <a:off x="4629150" y="1825625"/>
+            <a:ext cx="3886200" cy="4351338"/>
           </a:xfrm>
         </p:spPr>
         <p:txBody>
@@ -1581,9 +1232,9 @@
           <a:bodyPr/>
           <a:lstStyle/>
           <a:p>
-            <a:fld id="{7DF0F534-4E4A-4E6E-9226-2852A46F6154}" type="datetimeFigureOut">
+            <a:fld id="{0307DB2E-88CF-49CF-BB5D-C6F60225BE93}" type="datetimeFigureOut">
               <a:rPr lang="en-US" smtClean="0"/>
-              <a:t>8/28/2020</a:t>
+              <a:t>9/1/2020</a:t>
             </a:fld>
             <a:endParaRPr lang="en-US"/>
           </a:p>
@@ -1623,7 +1274,7 @@
           <a:bodyPr/>
           <a:lstStyle/>
           <a:p>
-            <a:fld id="{7919E823-03CF-4537-BC86-057057818672}" type="slidenum">
+            <a:fld id="{4054E9ED-CD88-4099-8112-F3DE6A43401D}" type="slidenum">
               <a:rPr lang="en-US" smtClean="0"/>
               <a:t>‹#›</a:t>
             </a:fld>
@@ -1634,7 +1285,7 @@
     </p:spTree>
     <p:extLst>
       <p:ext uri="{BB962C8B-B14F-4D97-AF65-F5344CB8AC3E}">
-        <p14:creationId xmlns:p14="http://schemas.microsoft.com/office/powerpoint/2010/main" val="4292179439"/>
+        <p14:creationId xmlns:p14="http://schemas.microsoft.com/office/powerpoint/2010/main" val="331868313"/>
       </p:ext>
     </p:extLst>
   </p:cSld>
@@ -1673,8 +1324,8 @@
         </p:nvSpPr>
         <p:spPr>
           <a:xfrm>
-            <a:off x="472381" y="486836"/>
-            <a:ext cx="5915025" cy="1767417"/>
+            <a:off x="629841" y="365126"/>
+            <a:ext cx="7886700" cy="1325563"/>
           </a:xfrm>
         </p:spPr>
         <p:txBody>
@@ -1701,8 +1352,8 @@
         </p:nvSpPr>
         <p:spPr>
           <a:xfrm>
-            <a:off x="472381" y="2241551"/>
-            <a:ext cx="2901255" cy="1098549"/>
+            <a:off x="629842" y="1681163"/>
+            <a:ext cx="3868340" cy="823912"/>
           </a:xfrm>
         </p:spPr>
         <p:txBody>
@@ -1710,39 +1361,39 @@
           <a:lstStyle>
             <a:lvl1pPr marL="0" indent="0">
               <a:buNone/>
+              <a:defRPr sz="2400" b="1"/>
+            </a:lvl1pPr>
+            <a:lvl2pPr marL="457200" indent="0">
+              <a:buNone/>
+              <a:defRPr sz="2000" b="1"/>
+            </a:lvl2pPr>
+            <a:lvl3pPr marL="914400" indent="0">
+              <a:buNone/>
               <a:defRPr sz="1800" b="1"/>
-            </a:lvl1pPr>
-            <a:lvl2pPr marL="342900" indent="0">
+            </a:lvl3pPr>
+            <a:lvl4pPr marL="1371600" indent="0">
               <a:buNone/>
-              <a:defRPr sz="1500" b="1"/>
-            </a:lvl2pPr>
-            <a:lvl3pPr marL="685800" indent="0">
+              <a:defRPr sz="1600" b="1"/>
+            </a:lvl4pPr>
+            <a:lvl5pPr marL="1828800" indent="0">
               <a:buNone/>
-              <a:defRPr sz="1350" b="1"/>
-            </a:lvl3pPr>
-            <a:lvl4pPr marL="1028700" indent="0">
+              <a:defRPr sz="1600" b="1"/>
+            </a:lvl5pPr>
+            <a:lvl6pPr marL="2286000" indent="0">
               <a:buNone/>
-              <a:defRPr sz="1200" b="1"/>
-            </a:lvl4pPr>
-            <a:lvl5pPr marL="1371600" indent="0">
+              <a:defRPr sz="1600" b="1"/>
+            </a:lvl6pPr>
+            <a:lvl7pPr marL="2743200" indent="0">
               <a:buNone/>
-              <a:defRPr sz="1200" b="1"/>
-            </a:lvl5pPr>
-            <a:lvl6pPr marL="1714500" indent="0">
+              <a:defRPr sz="1600" b="1"/>
+            </a:lvl7pPr>
+            <a:lvl8pPr marL="3200400" indent="0">
               <a:buNone/>
-              <a:defRPr sz="1200" b="1"/>
-            </a:lvl6pPr>
-            <a:lvl7pPr marL="2057400" indent="0">
+              <a:defRPr sz="1600" b="1"/>
+            </a:lvl8pPr>
+            <a:lvl9pPr marL="3657600" indent="0">
               <a:buNone/>
-              <a:defRPr sz="1200" b="1"/>
-            </a:lvl7pPr>
-            <a:lvl8pPr marL="2400300" indent="0">
-              <a:buNone/>
-              <a:defRPr sz="1200" b="1"/>
-            </a:lvl8pPr>
-            <a:lvl9pPr marL="2743200" indent="0">
-              <a:buNone/>
-              <a:defRPr sz="1200" b="1"/>
+              <a:defRPr sz="1600" b="1"/>
             </a:lvl9pPr>
           </a:lstStyle>
           <a:p>
@@ -1766,8 +1417,8 @@
         </p:nvSpPr>
         <p:spPr>
           <a:xfrm>
-            <a:off x="472381" y="3340100"/>
-            <a:ext cx="2901255" cy="4912784"/>
+            <a:off x="629842" y="2505075"/>
+            <a:ext cx="3868340" cy="3684588"/>
           </a:xfrm>
         </p:spPr>
         <p:txBody>
@@ -1823,8 +1474,8 @@
         </p:nvSpPr>
         <p:spPr>
           <a:xfrm>
-            <a:off x="3471863" y="2241551"/>
-            <a:ext cx="2915543" cy="1098549"/>
+            <a:off x="4629150" y="1681163"/>
+            <a:ext cx="3887391" cy="823912"/>
           </a:xfrm>
         </p:spPr>
         <p:txBody>
@@ -1832,39 +1483,39 @@
           <a:lstStyle>
             <a:lvl1pPr marL="0" indent="0">
               <a:buNone/>
+              <a:defRPr sz="2400" b="1"/>
+            </a:lvl1pPr>
+            <a:lvl2pPr marL="457200" indent="0">
+              <a:buNone/>
+              <a:defRPr sz="2000" b="1"/>
+            </a:lvl2pPr>
+            <a:lvl3pPr marL="914400" indent="0">
+              <a:buNone/>
               <a:defRPr sz="1800" b="1"/>
-            </a:lvl1pPr>
-            <a:lvl2pPr marL="342900" indent="0">
+            </a:lvl3pPr>
+            <a:lvl4pPr marL="1371600" indent="0">
               <a:buNone/>
-              <a:defRPr sz="1500" b="1"/>
-            </a:lvl2pPr>
-            <a:lvl3pPr marL="685800" indent="0">
+              <a:defRPr sz="1600" b="1"/>
+            </a:lvl4pPr>
+            <a:lvl5pPr marL="1828800" indent="0">
               <a:buNone/>
-              <a:defRPr sz="1350" b="1"/>
-            </a:lvl3pPr>
-            <a:lvl4pPr marL="1028700" indent="0">
+              <a:defRPr sz="1600" b="1"/>
+            </a:lvl5pPr>
+            <a:lvl6pPr marL="2286000" indent="0">
               <a:buNone/>
-              <a:defRPr sz="1200" b="1"/>
-            </a:lvl4pPr>
-            <a:lvl5pPr marL="1371600" indent="0">
+              <a:defRPr sz="1600" b="1"/>
+            </a:lvl6pPr>
+            <a:lvl7pPr marL="2743200" indent="0">
               <a:buNone/>
-              <a:defRPr sz="1200" b="1"/>
-            </a:lvl5pPr>
-            <a:lvl6pPr marL="1714500" indent="0">
+              <a:defRPr sz="1600" b="1"/>
+            </a:lvl7pPr>
+            <a:lvl8pPr marL="3200400" indent="0">
               <a:buNone/>
-              <a:defRPr sz="1200" b="1"/>
-            </a:lvl6pPr>
-            <a:lvl7pPr marL="2057400" indent="0">
+              <a:defRPr sz="1600" b="1"/>
+            </a:lvl8pPr>
+            <a:lvl9pPr marL="3657600" indent="0">
               <a:buNone/>
-              <a:defRPr sz="1200" b="1"/>
-            </a:lvl7pPr>
-            <a:lvl8pPr marL="2400300" indent="0">
-              <a:buNone/>
-              <a:defRPr sz="1200" b="1"/>
-            </a:lvl8pPr>
-            <a:lvl9pPr marL="2743200" indent="0">
-              <a:buNone/>
-              <a:defRPr sz="1200" b="1"/>
+              <a:defRPr sz="1600" b="1"/>
             </a:lvl9pPr>
           </a:lstStyle>
           <a:p>
@@ -1888,8 +1539,8 @@
         </p:nvSpPr>
         <p:spPr>
           <a:xfrm>
-            <a:off x="3471863" y="3340100"/>
-            <a:ext cx="2915543" cy="4912784"/>
+            <a:off x="4629150" y="2505075"/>
+            <a:ext cx="3887391" cy="3684588"/>
           </a:xfrm>
         </p:spPr>
         <p:txBody>
@@ -1948,9 +1599,9 @@
           <a:bodyPr/>
           <a:lstStyle/>
           <a:p>
-            <a:fld id="{7DF0F534-4E4A-4E6E-9226-2852A46F6154}" type="datetimeFigureOut">
+            <a:fld id="{0307DB2E-88CF-49CF-BB5D-C6F60225BE93}" type="datetimeFigureOut">
               <a:rPr lang="en-US" smtClean="0"/>
-              <a:t>8/28/2020</a:t>
+              <a:t>9/1/2020</a:t>
             </a:fld>
             <a:endParaRPr lang="en-US"/>
           </a:p>
@@ -1990,7 +1641,7 @@
           <a:bodyPr/>
           <a:lstStyle/>
           <a:p>
-            <a:fld id="{7919E823-03CF-4537-BC86-057057818672}" type="slidenum">
+            <a:fld id="{4054E9ED-CD88-4099-8112-F3DE6A43401D}" type="slidenum">
               <a:rPr lang="en-US" smtClean="0"/>
               <a:t>‹#›</a:t>
             </a:fld>
@@ -2001,7 +1652,7 @@
     </p:spTree>
     <p:extLst>
       <p:ext uri="{BB962C8B-B14F-4D97-AF65-F5344CB8AC3E}">
-        <p14:creationId xmlns:p14="http://schemas.microsoft.com/office/powerpoint/2010/main" val="4175636284"/>
+        <p14:creationId xmlns:p14="http://schemas.microsoft.com/office/powerpoint/2010/main" val="276936771"/>
       </p:ext>
     </p:extLst>
   </p:cSld>
@@ -2066,9 +1717,9 @@
           <a:bodyPr/>
           <a:lstStyle/>
           <a:p>
-            <a:fld id="{7DF0F534-4E4A-4E6E-9226-2852A46F6154}" type="datetimeFigureOut">
+            <a:fld id="{0307DB2E-88CF-49CF-BB5D-C6F60225BE93}" type="datetimeFigureOut">
               <a:rPr lang="en-US" smtClean="0"/>
-              <a:t>8/28/2020</a:t>
+              <a:t>9/1/2020</a:t>
             </a:fld>
             <a:endParaRPr lang="en-US"/>
           </a:p>
@@ -2108,7 +1759,7 @@
           <a:bodyPr/>
           <a:lstStyle/>
           <a:p>
-            <a:fld id="{7919E823-03CF-4537-BC86-057057818672}" type="slidenum">
+            <a:fld id="{4054E9ED-CD88-4099-8112-F3DE6A43401D}" type="slidenum">
               <a:rPr lang="en-US" smtClean="0"/>
               <a:t>‹#›</a:t>
             </a:fld>
@@ -2119,7 +1770,7 @@
     </p:spTree>
     <p:extLst>
       <p:ext uri="{BB962C8B-B14F-4D97-AF65-F5344CB8AC3E}">
-        <p14:creationId xmlns:p14="http://schemas.microsoft.com/office/powerpoint/2010/main" val="2339227717"/>
+        <p14:creationId xmlns:p14="http://schemas.microsoft.com/office/powerpoint/2010/main" val="3099353073"/>
       </p:ext>
     </p:extLst>
   </p:cSld>
@@ -2161,9 +1812,9 @@
           <a:bodyPr/>
           <a:lstStyle/>
           <a:p>
-            <a:fld id="{7DF0F534-4E4A-4E6E-9226-2852A46F6154}" type="datetimeFigureOut">
+            <a:fld id="{0307DB2E-88CF-49CF-BB5D-C6F60225BE93}" type="datetimeFigureOut">
               <a:rPr lang="en-US" smtClean="0"/>
-              <a:t>8/28/2020</a:t>
+              <a:t>9/1/2020</a:t>
             </a:fld>
             <a:endParaRPr lang="en-US"/>
           </a:p>
@@ -2203,7 +1854,7 @@
           <a:bodyPr/>
           <a:lstStyle/>
           <a:p>
-            <a:fld id="{7919E823-03CF-4537-BC86-057057818672}" type="slidenum">
+            <a:fld id="{4054E9ED-CD88-4099-8112-F3DE6A43401D}" type="slidenum">
               <a:rPr lang="en-US" smtClean="0"/>
               <a:t>‹#›</a:t>
             </a:fld>
@@ -2214,7 +1865,7 @@
     </p:spTree>
     <p:extLst>
       <p:ext uri="{BB962C8B-B14F-4D97-AF65-F5344CB8AC3E}">
-        <p14:creationId xmlns:p14="http://schemas.microsoft.com/office/powerpoint/2010/main" val="1349376749"/>
+        <p14:creationId xmlns:p14="http://schemas.microsoft.com/office/powerpoint/2010/main" val="3178646617"/>
       </p:ext>
     </p:extLst>
   </p:cSld>
@@ -2253,15 +1904,15 @@
         </p:nvSpPr>
         <p:spPr>
           <a:xfrm>
-            <a:off x="472381" y="609600"/>
-            <a:ext cx="2211884" cy="2133600"/>
+            <a:off x="629841" y="457200"/>
+            <a:ext cx="2949178" cy="1600200"/>
           </a:xfrm>
         </p:spPr>
         <p:txBody>
           <a:bodyPr anchor="b"/>
           <a:lstStyle>
             <a:lvl1pPr>
-              <a:defRPr sz="2400"/>
+              <a:defRPr sz="3200"/>
             </a:lvl1pPr>
           </a:lstStyle>
           <a:p>
@@ -2285,39 +1936,39 @@
         </p:nvSpPr>
         <p:spPr>
           <a:xfrm>
-            <a:off x="2915543" y="1316569"/>
-            <a:ext cx="3471863" cy="6498167"/>
+            <a:off x="3887391" y="987426"/>
+            <a:ext cx="4629150" cy="4873625"/>
           </a:xfrm>
         </p:spPr>
         <p:txBody>
           <a:bodyPr/>
           <a:lstStyle>
             <a:lvl1pPr>
-              <a:defRPr sz="2400"/>
+              <a:defRPr sz="3200"/>
             </a:lvl1pPr>
             <a:lvl2pPr>
-              <a:defRPr sz="2100"/>
+              <a:defRPr sz="2800"/>
             </a:lvl2pPr>
             <a:lvl3pPr>
-              <a:defRPr sz="1800"/>
+              <a:defRPr sz="2400"/>
             </a:lvl3pPr>
             <a:lvl4pPr>
-              <a:defRPr sz="1500"/>
+              <a:defRPr sz="2000"/>
             </a:lvl4pPr>
             <a:lvl5pPr>
-              <a:defRPr sz="1500"/>
+              <a:defRPr sz="2000"/>
             </a:lvl5pPr>
             <a:lvl6pPr>
-              <a:defRPr sz="1500"/>
+              <a:defRPr sz="2000"/>
             </a:lvl6pPr>
             <a:lvl7pPr>
-              <a:defRPr sz="1500"/>
+              <a:defRPr sz="2000"/>
             </a:lvl7pPr>
             <a:lvl8pPr>
-              <a:defRPr sz="1500"/>
+              <a:defRPr sz="2000"/>
             </a:lvl8pPr>
             <a:lvl9pPr>
-              <a:defRPr sz="1500"/>
+              <a:defRPr sz="2000"/>
             </a:lvl9pPr>
           </a:lstStyle>
           <a:p>
@@ -2370,8 +2021,8 @@
         </p:nvSpPr>
         <p:spPr>
           <a:xfrm>
-            <a:off x="472381" y="2743200"/>
-            <a:ext cx="2211884" cy="5082117"/>
+            <a:off x="629841" y="2057400"/>
+            <a:ext cx="2949178" cy="3811588"/>
           </a:xfrm>
         </p:spPr>
         <p:txBody>
@@ -2379,39 +2030,39 @@
           <a:lstStyle>
             <a:lvl1pPr marL="0" indent="0">
               <a:buNone/>
+              <a:defRPr sz="1600"/>
+            </a:lvl1pPr>
+            <a:lvl2pPr marL="457200" indent="0">
+              <a:buNone/>
+              <a:defRPr sz="1400"/>
+            </a:lvl2pPr>
+            <a:lvl3pPr marL="914400" indent="0">
+              <a:buNone/>
               <a:defRPr sz="1200"/>
-            </a:lvl1pPr>
-            <a:lvl2pPr marL="342900" indent="0">
+            </a:lvl3pPr>
+            <a:lvl4pPr marL="1371600" indent="0">
               <a:buNone/>
-              <a:defRPr sz="1050"/>
-            </a:lvl2pPr>
-            <a:lvl3pPr marL="685800" indent="0">
+              <a:defRPr sz="1000"/>
+            </a:lvl4pPr>
+            <a:lvl5pPr marL="1828800" indent="0">
               <a:buNone/>
-              <a:defRPr sz="900"/>
-            </a:lvl3pPr>
-            <a:lvl4pPr marL="1028700" indent="0">
+              <a:defRPr sz="1000"/>
+            </a:lvl5pPr>
+            <a:lvl6pPr marL="2286000" indent="0">
               <a:buNone/>
-              <a:defRPr sz="750"/>
-            </a:lvl4pPr>
-            <a:lvl5pPr marL="1371600" indent="0">
+              <a:defRPr sz="1000"/>
+            </a:lvl6pPr>
+            <a:lvl7pPr marL="2743200" indent="0">
               <a:buNone/>
-              <a:defRPr sz="750"/>
-            </a:lvl5pPr>
-            <a:lvl6pPr marL="1714500" indent="0">
+              <a:defRPr sz="1000"/>
+            </a:lvl7pPr>
+            <a:lvl8pPr marL="3200400" indent="0">
               <a:buNone/>
-              <a:defRPr sz="750"/>
-            </a:lvl6pPr>
-            <a:lvl7pPr marL="2057400" indent="0">
+              <a:defRPr sz="1000"/>
+            </a:lvl8pPr>
+            <a:lvl9pPr marL="3657600" indent="0">
               <a:buNone/>
-              <a:defRPr sz="750"/>
-            </a:lvl7pPr>
-            <a:lvl8pPr marL="2400300" indent="0">
-              <a:buNone/>
-              <a:defRPr sz="750"/>
-            </a:lvl8pPr>
-            <a:lvl9pPr marL="2743200" indent="0">
-              <a:buNone/>
-              <a:defRPr sz="750"/>
+              <a:defRPr sz="1000"/>
             </a:lvl9pPr>
           </a:lstStyle>
           <a:p>
@@ -2438,9 +2089,9 @@
           <a:bodyPr/>
           <a:lstStyle/>
           <a:p>
-            <a:fld id="{7DF0F534-4E4A-4E6E-9226-2852A46F6154}" type="datetimeFigureOut">
+            <a:fld id="{0307DB2E-88CF-49CF-BB5D-C6F60225BE93}" type="datetimeFigureOut">
               <a:rPr lang="en-US" smtClean="0"/>
-              <a:t>8/28/2020</a:t>
+              <a:t>9/1/2020</a:t>
             </a:fld>
             <a:endParaRPr lang="en-US"/>
           </a:p>
@@ -2480,7 +2131,7 @@
           <a:bodyPr/>
           <a:lstStyle/>
           <a:p>
-            <a:fld id="{7919E823-03CF-4537-BC86-057057818672}" type="slidenum">
+            <a:fld id="{4054E9ED-CD88-4099-8112-F3DE6A43401D}" type="slidenum">
               <a:rPr lang="en-US" smtClean="0"/>
               <a:t>‹#›</a:t>
             </a:fld>
@@ -2491,7 +2142,7 @@
     </p:spTree>
     <p:extLst>
       <p:ext uri="{BB962C8B-B14F-4D97-AF65-F5344CB8AC3E}">
-        <p14:creationId xmlns:p14="http://schemas.microsoft.com/office/powerpoint/2010/main" val="3583845681"/>
+        <p14:creationId xmlns:p14="http://schemas.microsoft.com/office/powerpoint/2010/main" val="3441618736"/>
       </p:ext>
     </p:extLst>
   </p:cSld>
@@ -2530,15 +2181,15 @@
         </p:nvSpPr>
         <p:spPr>
           <a:xfrm>
-            <a:off x="472381" y="609600"/>
-            <a:ext cx="2211884" cy="2133600"/>
+            <a:off x="629841" y="457200"/>
+            <a:ext cx="2949178" cy="1600200"/>
           </a:xfrm>
         </p:spPr>
         <p:txBody>
           <a:bodyPr anchor="b"/>
           <a:lstStyle>
             <a:lvl1pPr>
-              <a:defRPr sz="2400"/>
+              <a:defRPr sz="3200"/>
             </a:lvl1pPr>
           </a:lstStyle>
           <a:p>
@@ -2562,8 +2213,8 @@
         </p:nvSpPr>
         <p:spPr>
           <a:xfrm>
-            <a:off x="2915543" y="1316569"/>
-            <a:ext cx="3471863" cy="6498167"/>
+            <a:off x="3887391" y="987426"/>
+            <a:ext cx="4629150" cy="4873625"/>
           </a:xfrm>
         </p:spPr>
         <p:txBody>
@@ -2571,39 +2222,39 @@
           <a:lstStyle>
             <a:lvl1pPr marL="0" indent="0">
               <a:buNone/>
+              <a:defRPr sz="3200"/>
+            </a:lvl1pPr>
+            <a:lvl2pPr marL="457200" indent="0">
+              <a:buNone/>
+              <a:defRPr sz="2800"/>
+            </a:lvl2pPr>
+            <a:lvl3pPr marL="914400" indent="0">
+              <a:buNone/>
               <a:defRPr sz="2400"/>
-            </a:lvl1pPr>
-            <a:lvl2pPr marL="342900" indent="0">
+            </a:lvl3pPr>
+            <a:lvl4pPr marL="1371600" indent="0">
               <a:buNone/>
-              <a:defRPr sz="2100"/>
-            </a:lvl2pPr>
-            <a:lvl3pPr marL="685800" indent="0">
+              <a:defRPr sz="2000"/>
+            </a:lvl4pPr>
+            <a:lvl5pPr marL="1828800" indent="0">
               <a:buNone/>
-              <a:defRPr sz="1800"/>
-            </a:lvl3pPr>
-            <a:lvl4pPr marL="1028700" indent="0">
+              <a:defRPr sz="2000"/>
+            </a:lvl5pPr>
+            <a:lvl6pPr marL="2286000" indent="0">
               <a:buNone/>
-              <a:defRPr sz="1500"/>
-            </a:lvl4pPr>
-            <a:lvl5pPr marL="1371600" indent="0">
+              <a:defRPr sz="2000"/>
+            </a:lvl6pPr>
+            <a:lvl7pPr marL="2743200" indent="0">
               <a:buNone/>
-              <a:defRPr sz="1500"/>
-            </a:lvl5pPr>
-            <a:lvl6pPr marL="1714500" indent="0">
+              <a:defRPr sz="2000"/>
+            </a:lvl7pPr>
+            <a:lvl8pPr marL="3200400" indent="0">
               <a:buNone/>
-              <a:defRPr sz="1500"/>
-            </a:lvl6pPr>
-            <a:lvl7pPr marL="2057400" indent="0">
+              <a:defRPr sz="2000"/>
+            </a:lvl8pPr>
+            <a:lvl9pPr marL="3657600" indent="0">
               <a:buNone/>
-              <a:defRPr sz="1500"/>
-            </a:lvl7pPr>
-            <a:lvl8pPr marL="2400300" indent="0">
-              <a:buNone/>
-              <a:defRPr sz="1500"/>
-            </a:lvl8pPr>
-            <a:lvl9pPr marL="2743200" indent="0">
-              <a:buNone/>
-              <a:defRPr sz="1500"/>
+              <a:defRPr sz="2000"/>
             </a:lvl9pPr>
           </a:lstStyle>
           <a:p>
@@ -2627,8 +2278,8 @@
         </p:nvSpPr>
         <p:spPr>
           <a:xfrm>
-            <a:off x="472381" y="2743200"/>
-            <a:ext cx="2211884" cy="5082117"/>
+            <a:off x="629841" y="2057400"/>
+            <a:ext cx="2949178" cy="3811588"/>
           </a:xfrm>
         </p:spPr>
         <p:txBody>
@@ -2636,39 +2287,39 @@
           <a:lstStyle>
             <a:lvl1pPr marL="0" indent="0">
               <a:buNone/>
+              <a:defRPr sz="1600"/>
+            </a:lvl1pPr>
+            <a:lvl2pPr marL="457200" indent="0">
+              <a:buNone/>
+              <a:defRPr sz="1400"/>
+            </a:lvl2pPr>
+            <a:lvl3pPr marL="914400" indent="0">
+              <a:buNone/>
               <a:defRPr sz="1200"/>
-            </a:lvl1pPr>
-            <a:lvl2pPr marL="342900" indent="0">
+            </a:lvl3pPr>
+            <a:lvl4pPr marL="1371600" indent="0">
               <a:buNone/>
-              <a:defRPr sz="1050"/>
-            </a:lvl2pPr>
-            <a:lvl3pPr marL="685800" indent="0">
+              <a:defRPr sz="1000"/>
+            </a:lvl4pPr>
+            <a:lvl5pPr marL="1828800" indent="0">
               <a:buNone/>
-              <a:defRPr sz="900"/>
-            </a:lvl3pPr>
-            <a:lvl4pPr marL="1028700" indent="0">
+              <a:defRPr sz="1000"/>
+            </a:lvl5pPr>
+            <a:lvl6pPr marL="2286000" indent="0">
               <a:buNone/>
-              <a:defRPr sz="750"/>
-            </a:lvl4pPr>
-            <a:lvl5pPr marL="1371600" indent="0">
+              <a:defRPr sz="1000"/>
+            </a:lvl6pPr>
+            <a:lvl7pPr marL="2743200" indent="0">
               <a:buNone/>
-              <a:defRPr sz="750"/>
-            </a:lvl5pPr>
-            <a:lvl6pPr marL="1714500" indent="0">
+              <a:defRPr sz="1000"/>
+            </a:lvl7pPr>
+            <a:lvl8pPr marL="3200400" indent="0">
               <a:buNone/>
-              <a:defRPr sz="750"/>
-            </a:lvl6pPr>
-            <a:lvl7pPr marL="2057400" indent="0">
+              <a:defRPr sz="1000"/>
+            </a:lvl8pPr>
+            <a:lvl9pPr marL="3657600" indent="0">
               <a:buNone/>
-              <a:defRPr sz="750"/>
-            </a:lvl7pPr>
-            <a:lvl8pPr marL="2400300" indent="0">
-              <a:buNone/>
-              <a:defRPr sz="750"/>
-            </a:lvl8pPr>
-            <a:lvl9pPr marL="2743200" indent="0">
-              <a:buNone/>
-              <a:defRPr sz="750"/>
+              <a:defRPr sz="1000"/>
             </a:lvl9pPr>
           </a:lstStyle>
           <a:p>
@@ -2695,9 +2346,9 @@
           <a:bodyPr/>
           <a:lstStyle/>
           <a:p>
-            <a:fld id="{7DF0F534-4E4A-4E6E-9226-2852A46F6154}" type="datetimeFigureOut">
+            <a:fld id="{0307DB2E-88CF-49CF-BB5D-C6F60225BE93}" type="datetimeFigureOut">
               <a:rPr lang="en-US" smtClean="0"/>
-              <a:t>8/28/2020</a:t>
+              <a:t>9/1/2020</a:t>
             </a:fld>
             <a:endParaRPr lang="en-US"/>
           </a:p>
@@ -2737,7 +2388,7 @@
           <a:bodyPr/>
           <a:lstStyle/>
           <a:p>
-            <a:fld id="{7919E823-03CF-4537-BC86-057057818672}" type="slidenum">
+            <a:fld id="{4054E9ED-CD88-4099-8112-F3DE6A43401D}" type="slidenum">
               <a:rPr lang="en-US" smtClean="0"/>
               <a:t>‹#›</a:t>
             </a:fld>
@@ -2748,7 +2399,7 @@
     </p:spTree>
     <p:extLst>
       <p:ext uri="{BB962C8B-B14F-4D97-AF65-F5344CB8AC3E}">
-        <p14:creationId xmlns:p14="http://schemas.microsoft.com/office/powerpoint/2010/main" val="918086372"/>
+        <p14:creationId xmlns:p14="http://schemas.microsoft.com/office/powerpoint/2010/main" val="2757255678"/>
       </p:ext>
     </p:extLst>
   </p:cSld>
@@ -2792,8 +2443,8 @@
         </p:nvSpPr>
         <p:spPr>
           <a:xfrm>
-            <a:off x="471488" y="486836"/>
-            <a:ext cx="5915025" cy="1767417"/>
+            <a:off x="628650" y="365126"/>
+            <a:ext cx="7886700" cy="1325563"/>
           </a:xfrm>
           <a:prstGeom prst="rect">
             <a:avLst/>
@@ -2825,8 +2476,8 @@
         </p:nvSpPr>
         <p:spPr>
           <a:xfrm>
-            <a:off x="471488" y="2434167"/>
-            <a:ext cx="5915025" cy="5801784"/>
+            <a:off x="628650" y="1825625"/>
+            <a:ext cx="7886700" cy="4351338"/>
           </a:xfrm>
           <a:prstGeom prst="rect">
             <a:avLst/>
@@ -2887,8 +2538,8 @@
         </p:nvSpPr>
         <p:spPr>
           <a:xfrm>
-            <a:off x="471488" y="8475136"/>
-            <a:ext cx="1543050" cy="486833"/>
+            <a:off x="628650" y="6356351"/>
+            <a:ext cx="2057400" cy="365125"/>
           </a:xfrm>
           <a:prstGeom prst="rect">
             <a:avLst/>
@@ -2898,7 +2549,7 @@
           <a:bodyPr vert="horz" lIns="91440" tIns="45720" rIns="91440" bIns="45720" rtlCol="0" anchor="ctr"/>
           <a:lstStyle>
             <a:lvl1pPr algn="l">
-              <a:defRPr sz="900">
+              <a:defRPr sz="1200">
                 <a:solidFill>
                   <a:schemeClr val="tx1">
                     <a:tint val="75000"/>
@@ -2908,9 +2559,9 @@
             </a:lvl1pPr>
           </a:lstStyle>
           <a:p>
-            <a:fld id="{7DF0F534-4E4A-4E6E-9226-2852A46F6154}" type="datetimeFigureOut">
+            <a:fld id="{0307DB2E-88CF-49CF-BB5D-C6F60225BE93}" type="datetimeFigureOut">
               <a:rPr lang="en-US" smtClean="0"/>
-              <a:t>8/28/2020</a:t>
+              <a:t>9/1/2020</a:t>
             </a:fld>
             <a:endParaRPr lang="en-US"/>
           </a:p>
@@ -2928,8 +2579,8 @@
         </p:nvSpPr>
         <p:spPr>
           <a:xfrm>
-            <a:off x="2271713" y="8475136"/>
-            <a:ext cx="2314575" cy="486833"/>
+            <a:off x="3028950" y="6356351"/>
+            <a:ext cx="3086100" cy="365125"/>
           </a:xfrm>
           <a:prstGeom prst="rect">
             <a:avLst/>
@@ -2939,7 +2590,7 @@
           <a:bodyPr vert="horz" lIns="91440" tIns="45720" rIns="91440" bIns="45720" rtlCol="0" anchor="ctr"/>
           <a:lstStyle>
             <a:lvl1pPr algn="ctr">
-              <a:defRPr sz="900">
+              <a:defRPr sz="1200">
                 <a:solidFill>
                   <a:schemeClr val="tx1">
                     <a:tint val="75000"/>
@@ -2965,8 +2616,8 @@
         </p:nvSpPr>
         <p:spPr>
           <a:xfrm>
-            <a:off x="4843463" y="8475136"/>
-            <a:ext cx="1543050" cy="486833"/>
+            <a:off x="6457950" y="6356351"/>
+            <a:ext cx="2057400" cy="365125"/>
           </a:xfrm>
           <a:prstGeom prst="rect">
             <a:avLst/>
@@ -2976,7 +2627,7 @@
           <a:bodyPr vert="horz" lIns="91440" tIns="45720" rIns="91440" bIns="45720" rtlCol="0" anchor="ctr"/>
           <a:lstStyle>
             <a:lvl1pPr algn="r">
-              <a:defRPr sz="900">
+              <a:defRPr sz="1200">
                 <a:solidFill>
                   <a:schemeClr val="tx1">
                     <a:tint val="75000"/>
@@ -2986,7 +2637,7 @@
             </a:lvl1pPr>
           </a:lstStyle>
           <a:p>
-            <a:fld id="{7919E823-03CF-4537-BC86-057057818672}" type="slidenum">
+            <a:fld id="{4054E9ED-CD88-4099-8112-F3DE6A43401D}" type="slidenum">
               <a:rPr lang="en-US" smtClean="0"/>
               <a:t>‹#›</a:t>
             </a:fld>
@@ -2997,7 +2648,7 @@
     </p:spTree>
     <p:extLst>
       <p:ext uri="{BB962C8B-B14F-4D97-AF65-F5344CB8AC3E}">
-        <p14:creationId xmlns:p14="http://schemas.microsoft.com/office/powerpoint/2010/main" val="3750276184"/>
+        <p14:creationId xmlns:p14="http://schemas.microsoft.com/office/powerpoint/2010/main" val="1759371868"/>
       </p:ext>
     </p:extLst>
   </p:cSld>
@@ -3017,7 +2668,7 @@
   </p:sldLayoutIdLst>
   <p:txStyles>
     <p:titleStyle>
-      <a:lvl1pPr algn="l" defTabSz="685800" rtl="0" eaLnBrk="1" latinLnBrk="0" hangingPunct="1">
+      <a:lvl1pPr algn="l" defTabSz="914400" rtl="0" eaLnBrk="1" latinLnBrk="0" hangingPunct="1">
         <a:lnSpc>
           <a:spcPct val="90000"/>
         </a:lnSpc>
@@ -3025,7 +2676,7 @@
           <a:spcPct val="0"/>
         </a:spcBef>
         <a:buNone/>
-        <a:defRPr sz="3300" kern="1200">
+        <a:defRPr sz="4400" kern="1200">
           <a:solidFill>
             <a:schemeClr val="tx1"/>
           </a:solidFill>
@@ -3036,16 +2687,16 @@
       </a:lvl1pPr>
     </p:titleStyle>
     <p:bodyStyle>
-      <a:lvl1pPr marL="171450" indent="-171450" algn="l" defTabSz="685800" rtl="0" eaLnBrk="1" latinLnBrk="0" hangingPunct="1">
+      <a:lvl1pPr marL="228600" indent="-228600" algn="l" defTabSz="914400" rtl="0" eaLnBrk="1" latinLnBrk="0" hangingPunct="1">
         <a:lnSpc>
           <a:spcPct val="90000"/>
         </a:lnSpc>
         <a:spcBef>
-          <a:spcPts val="750"/>
+          <a:spcPts val="1000"/>
         </a:spcBef>
         <a:buFont typeface="Arial" panose="020B0604020202020204" pitchFamily="34" charset="0"/>
         <a:buChar char="•"/>
-        <a:defRPr sz="2100" kern="1200">
+        <a:defRPr sz="2800" kern="1200">
           <a:solidFill>
             <a:schemeClr val="tx1"/>
           </a:solidFill>
@@ -3054,12 +2705,48 @@
           <a:cs typeface="+mn-cs"/>
         </a:defRPr>
       </a:lvl1pPr>
-      <a:lvl2pPr marL="514350" indent="-171450" algn="l" defTabSz="685800" rtl="0" eaLnBrk="1" latinLnBrk="0" hangingPunct="1">
+      <a:lvl2pPr marL="685800" indent="-228600" algn="l" defTabSz="914400" rtl="0" eaLnBrk="1" latinLnBrk="0" hangingPunct="1">
         <a:lnSpc>
           <a:spcPct val="90000"/>
         </a:lnSpc>
         <a:spcBef>
-          <a:spcPts val="375"/>
+          <a:spcPts val="500"/>
+        </a:spcBef>
+        <a:buFont typeface="Arial" panose="020B0604020202020204" pitchFamily="34" charset="0"/>
+        <a:buChar char="•"/>
+        <a:defRPr sz="2400" kern="1200">
+          <a:solidFill>
+            <a:schemeClr val="tx1"/>
+          </a:solidFill>
+          <a:latin typeface="+mn-lt"/>
+          <a:ea typeface="+mn-ea"/>
+          <a:cs typeface="+mn-cs"/>
+        </a:defRPr>
+      </a:lvl2pPr>
+      <a:lvl3pPr marL="1143000" indent="-228600" algn="l" defTabSz="914400" rtl="0" eaLnBrk="1" latinLnBrk="0" hangingPunct="1">
+        <a:lnSpc>
+          <a:spcPct val="90000"/>
+        </a:lnSpc>
+        <a:spcBef>
+          <a:spcPts val="500"/>
+        </a:spcBef>
+        <a:buFont typeface="Arial" panose="020B0604020202020204" pitchFamily="34" charset="0"/>
+        <a:buChar char="•"/>
+        <a:defRPr sz="2000" kern="1200">
+          <a:solidFill>
+            <a:schemeClr val="tx1"/>
+          </a:solidFill>
+          <a:latin typeface="+mn-lt"/>
+          <a:ea typeface="+mn-ea"/>
+          <a:cs typeface="+mn-cs"/>
+        </a:defRPr>
+      </a:lvl3pPr>
+      <a:lvl4pPr marL="1600200" indent="-228600" algn="l" defTabSz="914400" rtl="0" eaLnBrk="1" latinLnBrk="0" hangingPunct="1">
+        <a:lnSpc>
+          <a:spcPct val="90000"/>
+        </a:lnSpc>
+        <a:spcBef>
+          <a:spcPts val="500"/>
         </a:spcBef>
         <a:buFont typeface="Arial" panose="020B0604020202020204" pitchFamily="34" charset="0"/>
         <a:buChar char="•"/>
@@ -3071,53 +2758,17 @@
           <a:ea typeface="+mn-ea"/>
           <a:cs typeface="+mn-cs"/>
         </a:defRPr>
-      </a:lvl2pPr>
-      <a:lvl3pPr marL="857250" indent="-171450" algn="l" defTabSz="685800" rtl="0" eaLnBrk="1" latinLnBrk="0" hangingPunct="1">
+      </a:lvl4pPr>
+      <a:lvl5pPr marL="2057400" indent="-228600" algn="l" defTabSz="914400" rtl="0" eaLnBrk="1" latinLnBrk="0" hangingPunct="1">
         <a:lnSpc>
           <a:spcPct val="90000"/>
         </a:lnSpc>
         <a:spcBef>
-          <a:spcPts val="375"/>
+          <a:spcPts val="500"/>
         </a:spcBef>
         <a:buFont typeface="Arial" panose="020B0604020202020204" pitchFamily="34" charset="0"/>
         <a:buChar char="•"/>
-        <a:defRPr sz="1500" kern="1200">
-          <a:solidFill>
-            <a:schemeClr val="tx1"/>
-          </a:solidFill>
-          <a:latin typeface="+mn-lt"/>
-          <a:ea typeface="+mn-ea"/>
-          <a:cs typeface="+mn-cs"/>
-        </a:defRPr>
-      </a:lvl3pPr>
-      <a:lvl4pPr marL="1200150" indent="-171450" algn="l" defTabSz="685800" rtl="0" eaLnBrk="1" latinLnBrk="0" hangingPunct="1">
-        <a:lnSpc>
-          <a:spcPct val="90000"/>
-        </a:lnSpc>
-        <a:spcBef>
-          <a:spcPts val="375"/>
-        </a:spcBef>
-        <a:buFont typeface="Arial" panose="020B0604020202020204" pitchFamily="34" charset="0"/>
-        <a:buChar char="•"/>
-        <a:defRPr sz="1350" kern="1200">
-          <a:solidFill>
-            <a:schemeClr val="tx1"/>
-          </a:solidFill>
-          <a:latin typeface="+mn-lt"/>
-          <a:ea typeface="+mn-ea"/>
-          <a:cs typeface="+mn-cs"/>
-        </a:defRPr>
-      </a:lvl4pPr>
-      <a:lvl5pPr marL="1543050" indent="-171450" algn="l" defTabSz="685800" rtl="0" eaLnBrk="1" latinLnBrk="0" hangingPunct="1">
-        <a:lnSpc>
-          <a:spcPct val="90000"/>
-        </a:lnSpc>
-        <a:spcBef>
-          <a:spcPts val="375"/>
-        </a:spcBef>
-        <a:buFont typeface="Arial" panose="020B0604020202020204" pitchFamily="34" charset="0"/>
-        <a:buChar char="•"/>
-        <a:defRPr sz="1350" kern="1200">
+        <a:defRPr sz="1800" kern="1200">
           <a:solidFill>
             <a:schemeClr val="tx1"/>
           </a:solidFill>
@@ -3126,16 +2777,16 @@
           <a:cs typeface="+mn-cs"/>
         </a:defRPr>
       </a:lvl5pPr>
-      <a:lvl6pPr marL="1885950" indent="-171450" algn="l" defTabSz="685800" rtl="0" eaLnBrk="1" latinLnBrk="0" hangingPunct="1">
+      <a:lvl6pPr marL="2514600" indent="-228600" algn="l" defTabSz="914400" rtl="0" eaLnBrk="1" latinLnBrk="0" hangingPunct="1">
         <a:lnSpc>
           <a:spcPct val="90000"/>
         </a:lnSpc>
         <a:spcBef>
-          <a:spcPts val="375"/>
+          <a:spcPts val="500"/>
         </a:spcBef>
         <a:buFont typeface="Arial" panose="020B0604020202020204" pitchFamily="34" charset="0"/>
         <a:buChar char="•"/>
-        <a:defRPr sz="1350" kern="1200">
+        <a:defRPr sz="1800" kern="1200">
           <a:solidFill>
             <a:schemeClr val="tx1"/>
           </a:solidFill>
@@ -3144,16 +2795,16 @@
           <a:cs typeface="+mn-cs"/>
         </a:defRPr>
       </a:lvl6pPr>
-      <a:lvl7pPr marL="2228850" indent="-171450" algn="l" defTabSz="685800" rtl="0" eaLnBrk="1" latinLnBrk="0" hangingPunct="1">
+      <a:lvl7pPr marL="2971800" indent="-228600" algn="l" defTabSz="914400" rtl="0" eaLnBrk="1" latinLnBrk="0" hangingPunct="1">
         <a:lnSpc>
           <a:spcPct val="90000"/>
         </a:lnSpc>
         <a:spcBef>
-          <a:spcPts val="375"/>
+          <a:spcPts val="500"/>
         </a:spcBef>
         <a:buFont typeface="Arial" panose="020B0604020202020204" pitchFamily="34" charset="0"/>
         <a:buChar char="•"/>
-        <a:defRPr sz="1350" kern="1200">
+        <a:defRPr sz="1800" kern="1200">
           <a:solidFill>
             <a:schemeClr val="tx1"/>
           </a:solidFill>
@@ -3162,16 +2813,16 @@
           <a:cs typeface="+mn-cs"/>
         </a:defRPr>
       </a:lvl7pPr>
-      <a:lvl8pPr marL="2571750" indent="-171450" algn="l" defTabSz="685800" rtl="0" eaLnBrk="1" latinLnBrk="0" hangingPunct="1">
+      <a:lvl8pPr marL="3429000" indent="-228600" algn="l" defTabSz="914400" rtl="0" eaLnBrk="1" latinLnBrk="0" hangingPunct="1">
         <a:lnSpc>
           <a:spcPct val="90000"/>
         </a:lnSpc>
         <a:spcBef>
-          <a:spcPts val="375"/>
+          <a:spcPts val="500"/>
         </a:spcBef>
         <a:buFont typeface="Arial" panose="020B0604020202020204" pitchFamily="34" charset="0"/>
         <a:buChar char="•"/>
-        <a:defRPr sz="1350" kern="1200">
+        <a:defRPr sz="1800" kern="1200">
           <a:solidFill>
             <a:schemeClr val="tx1"/>
           </a:solidFill>
@@ -3180,16 +2831,16 @@
           <a:cs typeface="+mn-cs"/>
         </a:defRPr>
       </a:lvl8pPr>
-      <a:lvl9pPr marL="2914650" indent="-171450" algn="l" defTabSz="685800" rtl="0" eaLnBrk="1" latinLnBrk="0" hangingPunct="1">
+      <a:lvl9pPr marL="3886200" indent="-228600" algn="l" defTabSz="914400" rtl="0" eaLnBrk="1" latinLnBrk="0" hangingPunct="1">
         <a:lnSpc>
           <a:spcPct val="90000"/>
         </a:lnSpc>
         <a:spcBef>
-          <a:spcPts val="375"/>
+          <a:spcPts val="500"/>
         </a:spcBef>
         <a:buFont typeface="Arial" panose="020B0604020202020204" pitchFamily="34" charset="0"/>
         <a:buChar char="•"/>
-        <a:defRPr sz="1350" kern="1200">
+        <a:defRPr sz="1800" kern="1200">
           <a:solidFill>
             <a:schemeClr val="tx1"/>
           </a:solidFill>
@@ -3203,8 +2854,8 @@
       <a:defPPr>
         <a:defRPr lang="en-US"/>
       </a:defPPr>
-      <a:lvl1pPr marL="0" algn="l" defTabSz="685800" rtl="0" eaLnBrk="1" latinLnBrk="0" hangingPunct="1">
-        <a:defRPr sz="1350" kern="1200">
+      <a:lvl1pPr marL="0" algn="l" defTabSz="914400" rtl="0" eaLnBrk="1" latinLnBrk="0" hangingPunct="1">
+        <a:defRPr sz="1800" kern="1200">
           <a:solidFill>
             <a:schemeClr val="tx1"/>
           </a:solidFill>
@@ -3213,8 +2864,8 @@
           <a:cs typeface="+mn-cs"/>
         </a:defRPr>
       </a:lvl1pPr>
-      <a:lvl2pPr marL="342900" algn="l" defTabSz="685800" rtl="0" eaLnBrk="1" latinLnBrk="0" hangingPunct="1">
-        <a:defRPr sz="1350" kern="1200">
+      <a:lvl2pPr marL="457200" algn="l" defTabSz="914400" rtl="0" eaLnBrk="1" latinLnBrk="0" hangingPunct="1">
+        <a:defRPr sz="1800" kern="1200">
           <a:solidFill>
             <a:schemeClr val="tx1"/>
           </a:solidFill>
@@ -3223,8 +2874,8 @@
           <a:cs typeface="+mn-cs"/>
         </a:defRPr>
       </a:lvl2pPr>
-      <a:lvl3pPr marL="685800" algn="l" defTabSz="685800" rtl="0" eaLnBrk="1" latinLnBrk="0" hangingPunct="1">
-        <a:defRPr sz="1350" kern="1200">
+      <a:lvl3pPr marL="914400" algn="l" defTabSz="914400" rtl="0" eaLnBrk="1" latinLnBrk="0" hangingPunct="1">
+        <a:defRPr sz="1800" kern="1200">
           <a:solidFill>
             <a:schemeClr val="tx1"/>
           </a:solidFill>
@@ -3233,8 +2884,8 @@
           <a:cs typeface="+mn-cs"/>
         </a:defRPr>
       </a:lvl3pPr>
-      <a:lvl4pPr marL="1028700" algn="l" defTabSz="685800" rtl="0" eaLnBrk="1" latinLnBrk="0" hangingPunct="1">
-        <a:defRPr sz="1350" kern="1200">
+      <a:lvl4pPr marL="1371600" algn="l" defTabSz="914400" rtl="0" eaLnBrk="1" latinLnBrk="0" hangingPunct="1">
+        <a:defRPr sz="1800" kern="1200">
           <a:solidFill>
             <a:schemeClr val="tx1"/>
           </a:solidFill>
@@ -3243,8 +2894,8 @@
           <a:cs typeface="+mn-cs"/>
         </a:defRPr>
       </a:lvl4pPr>
-      <a:lvl5pPr marL="1371600" algn="l" defTabSz="685800" rtl="0" eaLnBrk="1" latinLnBrk="0" hangingPunct="1">
-        <a:defRPr sz="1350" kern="1200">
+      <a:lvl5pPr marL="1828800" algn="l" defTabSz="914400" rtl="0" eaLnBrk="1" latinLnBrk="0" hangingPunct="1">
+        <a:defRPr sz="1800" kern="1200">
           <a:solidFill>
             <a:schemeClr val="tx1"/>
           </a:solidFill>
@@ -3253,8 +2904,8 @@
           <a:cs typeface="+mn-cs"/>
         </a:defRPr>
       </a:lvl5pPr>
-      <a:lvl6pPr marL="1714500" algn="l" defTabSz="685800" rtl="0" eaLnBrk="1" latinLnBrk="0" hangingPunct="1">
-        <a:defRPr sz="1350" kern="1200">
+      <a:lvl6pPr marL="2286000" algn="l" defTabSz="914400" rtl="0" eaLnBrk="1" latinLnBrk="0" hangingPunct="1">
+        <a:defRPr sz="1800" kern="1200">
           <a:solidFill>
             <a:schemeClr val="tx1"/>
           </a:solidFill>
@@ -3263,8 +2914,8 @@
           <a:cs typeface="+mn-cs"/>
         </a:defRPr>
       </a:lvl6pPr>
-      <a:lvl7pPr marL="2057400" algn="l" defTabSz="685800" rtl="0" eaLnBrk="1" latinLnBrk="0" hangingPunct="1">
-        <a:defRPr sz="1350" kern="1200">
+      <a:lvl7pPr marL="2743200" algn="l" defTabSz="914400" rtl="0" eaLnBrk="1" latinLnBrk="0" hangingPunct="1">
+        <a:defRPr sz="1800" kern="1200">
           <a:solidFill>
             <a:schemeClr val="tx1"/>
           </a:solidFill>
@@ -3273,8 +2924,8 @@
           <a:cs typeface="+mn-cs"/>
         </a:defRPr>
       </a:lvl7pPr>
-      <a:lvl8pPr marL="2400300" algn="l" defTabSz="685800" rtl="0" eaLnBrk="1" latinLnBrk="0" hangingPunct="1">
-        <a:defRPr sz="1350" kern="1200">
+      <a:lvl8pPr marL="3200400" algn="l" defTabSz="914400" rtl="0" eaLnBrk="1" latinLnBrk="0" hangingPunct="1">
+        <a:defRPr sz="1800" kern="1200">
           <a:solidFill>
             <a:schemeClr val="tx1"/>
           </a:solidFill>
@@ -3283,8 +2934,8 @@
           <a:cs typeface="+mn-cs"/>
         </a:defRPr>
       </a:lvl8pPr>
-      <a:lvl9pPr marL="2743200" algn="l" defTabSz="685800" rtl="0" eaLnBrk="1" latinLnBrk="0" hangingPunct="1">
-        <a:defRPr sz="1350" kern="1200">
+      <a:lvl9pPr marL="3657600" algn="l" defTabSz="914400" rtl="0" eaLnBrk="1" latinLnBrk="0" hangingPunct="1">
+        <a:defRPr sz="1800" kern="1200">
           <a:solidFill>
             <a:schemeClr val="tx1"/>
           </a:solidFill>
@@ -3315,12 +2966,106 @@
           <a:chExt cx="0" cy="0"/>
         </a:xfrm>
       </p:grpSpPr>
+      <p:cxnSp>
+        <p:nvCxnSpPr>
+          <p:cNvPr id="73" name="Connector: Elbow 72">
+            <a:extLst>
+              <a:ext uri="{FF2B5EF4-FFF2-40B4-BE49-F238E27FC236}">
+                <a16:creationId xmlns:a16="http://schemas.microsoft.com/office/drawing/2014/main" id="{A58AA989-6FD3-4032-B486-41926BCEE852}"/>
+              </a:ext>
+            </a:extLst>
+          </p:cNvPr>
+          <p:cNvCxnSpPr>
+            <a:cxnSpLocks/>
+            <a:stCxn id="31" idx="2"/>
+            <a:endCxn id="65" idx="1"/>
+          </p:cNvCxnSpPr>
+          <p:nvPr/>
+        </p:nvCxnSpPr>
+        <p:spPr>
+          <a:xfrm rot="5400000">
+            <a:off x="-591333" y="3168762"/>
+            <a:ext cx="2589585" cy="640248"/>
+          </a:xfrm>
+          <a:prstGeom prst="bentConnector4">
+            <a:avLst>
+              <a:gd name="adj1" fmla="val 16476"/>
+              <a:gd name="adj2" fmla="val 135705"/>
+            </a:avLst>
+          </a:prstGeom>
+          <a:ln w="9525">
+            <a:prstDash val="dash"/>
+            <a:tailEnd type="triangle"/>
+          </a:ln>
+        </p:spPr>
+        <p:style>
+          <a:lnRef idx="2">
+            <a:schemeClr val="dk1"/>
+          </a:lnRef>
+          <a:fillRef idx="0">
+            <a:schemeClr val="dk1"/>
+          </a:fillRef>
+          <a:effectRef idx="1">
+            <a:schemeClr val="dk1"/>
+          </a:effectRef>
+          <a:fontRef idx="minor">
+            <a:schemeClr val="tx1"/>
+          </a:fontRef>
+        </p:style>
+      </p:cxnSp>
+      <p:cxnSp>
+        <p:nvCxnSpPr>
+          <p:cNvPr id="84" name="Connector: Elbow 83">
+            <a:extLst>
+              <a:ext uri="{FF2B5EF4-FFF2-40B4-BE49-F238E27FC236}">
+                <a16:creationId xmlns:a16="http://schemas.microsoft.com/office/drawing/2014/main" id="{9DCBBE06-6681-444E-AA0D-EA032EEB5BF6}"/>
+              </a:ext>
+            </a:extLst>
+          </p:cNvPr>
+          <p:cNvCxnSpPr>
+            <a:cxnSpLocks/>
+            <a:stCxn id="53" idx="2"/>
+            <a:endCxn id="65" idx="1"/>
+          </p:cNvCxnSpPr>
+          <p:nvPr/>
+        </p:nvCxnSpPr>
+        <p:spPr>
+          <a:xfrm rot="5400000">
+            <a:off x="86561" y="3769515"/>
+            <a:ext cx="1310938" cy="717390"/>
+          </a:xfrm>
+          <a:prstGeom prst="bentConnector4">
+            <a:avLst>
+              <a:gd name="adj1" fmla="val 34970"/>
+              <a:gd name="adj2" fmla="val 131866"/>
+            </a:avLst>
+          </a:prstGeom>
+          <a:ln w="9525">
+            <a:prstDash val="dash"/>
+            <a:tailEnd type="triangle"/>
+          </a:ln>
+        </p:spPr>
+        <p:style>
+          <a:lnRef idx="2">
+            <a:schemeClr val="dk1"/>
+          </a:lnRef>
+          <a:fillRef idx="0">
+            <a:schemeClr val="dk1"/>
+          </a:fillRef>
+          <a:effectRef idx="1">
+            <a:schemeClr val="dk1"/>
+          </a:effectRef>
+          <a:fontRef idx="minor">
+            <a:schemeClr val="tx1"/>
+          </a:fontRef>
+        </p:style>
+      </p:cxnSp>
       <p:sp>
         <p:nvSpPr>
           <p:cNvPr id="4" name="Flowchart: Magnetic Disk 3">
             <a:extLst>
               <a:ext uri="{FF2B5EF4-FFF2-40B4-BE49-F238E27FC236}">
-                <a16:creationId xmlns:a16="http://schemas.microsoft.com/office/drawing/2014/main" id="{99F46CA3-F86F-4228-AD6F-157EDDF2ADE7}"/>
+                <a16:creationId xmlns:a16="http://schemas.microsoft.com/office/drawing/2014/main" id="{7ED76C8F-CDB7-48CF-9058-3935A38CF5C1}"/>
               </a:ext>
             </a:extLst>
           </p:cNvPr>
@@ -3329,8 +3074,8 @@
         </p:nvSpPr>
         <p:spPr>
           <a:xfrm>
-            <a:off x="38100" y="571882"/>
-            <a:ext cx="478314" cy="383818"/>
+            <a:off x="121989" y="627169"/>
+            <a:ext cx="478314" cy="434118"/>
           </a:xfrm>
           <a:prstGeom prst="flowChartMagneticDisk">
             <a:avLst/>
@@ -3361,7 +3106,7 @@
           <a:p>
             <a:pPr algn="ctr"/>
             <a:r>
-              <a:rPr lang="en-US" sz="900" dirty="0"/>
+              <a:rPr lang="en-US" sz="900" b="1" dirty="0"/>
               <a:t>GDB</a:t>
             </a:r>
           </a:p>
@@ -3369,10 +3114,10 @@
       </p:sp>
       <p:sp>
         <p:nvSpPr>
-          <p:cNvPr id="5" name="Flowchart: Stored Data 4">
+          <p:cNvPr id="6" name="Flowchart: Stored Data 5">
             <a:extLst>
               <a:ext uri="{FF2B5EF4-FFF2-40B4-BE49-F238E27FC236}">
-                <a16:creationId xmlns:a16="http://schemas.microsoft.com/office/drawing/2014/main" id="{26087F1C-2389-460D-B80F-FF33E0D9C60E}"/>
+                <a16:creationId xmlns:a16="http://schemas.microsoft.com/office/drawing/2014/main" id="{D2238878-8F15-4B9C-BE22-AE4EEEC59731}"/>
               </a:ext>
             </a:extLst>
           </p:cNvPr>
@@ -3381,7 +3126,7 @@
         </p:nvSpPr>
         <p:spPr>
           <a:xfrm>
-            <a:off x="734801" y="628887"/>
+            <a:off x="1067097" y="705067"/>
             <a:ext cx="677646" cy="278287"/>
           </a:xfrm>
           <a:prstGeom prst="flowChartOnlineStorage">
@@ -3427,55 +3172,12 @@
           </a:p>
         </p:txBody>
       </p:sp>
-      <p:cxnSp>
-        <p:nvCxnSpPr>
-          <p:cNvPr id="7" name="Straight Arrow Connector 6">
+      <p:grpSp>
+        <p:nvGrpSpPr>
+          <p:cNvPr id="7" name="Group 6">
             <a:extLst>
               <a:ext uri="{FF2B5EF4-FFF2-40B4-BE49-F238E27FC236}">
-                <a16:creationId xmlns:a16="http://schemas.microsoft.com/office/drawing/2014/main" id="{6CAD51BE-3D5F-4C58-8D9D-D2524521CC60}"/>
-              </a:ext>
-            </a:extLst>
-          </p:cNvPr>
-          <p:cNvCxnSpPr>
-            <a:cxnSpLocks/>
-            <a:stCxn id="4" idx="4"/>
-            <a:endCxn id="5" idx="1"/>
-          </p:cNvCxnSpPr>
-          <p:nvPr/>
-        </p:nvCxnSpPr>
-        <p:spPr>
-          <a:xfrm>
-            <a:off x="516414" y="763791"/>
-            <a:ext cx="218387" cy="4240"/>
-          </a:xfrm>
-          <a:prstGeom prst="straightConnector1">
-            <a:avLst/>
-          </a:prstGeom>
-          <a:ln>
-            <a:tailEnd type="triangle"/>
-          </a:ln>
-        </p:spPr>
-        <p:style>
-          <a:lnRef idx="2">
-            <a:schemeClr val="dk1"/>
-          </a:lnRef>
-          <a:fillRef idx="0">
-            <a:schemeClr val="dk1"/>
-          </a:fillRef>
-          <a:effectRef idx="1">
-            <a:schemeClr val="dk1"/>
-          </a:effectRef>
-          <a:fontRef idx="minor">
-            <a:schemeClr val="tx1"/>
-          </a:fontRef>
-        </p:style>
-      </p:cxnSp>
-      <p:grpSp>
-        <p:nvGrpSpPr>
-          <p:cNvPr id="10" name="Group 9">
-            <a:extLst>
-              <a:ext uri="{FF2B5EF4-FFF2-40B4-BE49-F238E27FC236}">
-                <a16:creationId xmlns:a16="http://schemas.microsoft.com/office/drawing/2014/main" id="{EA1FA1C6-A731-4B37-9E59-551506F40218}"/>
+                <a16:creationId xmlns:a16="http://schemas.microsoft.com/office/drawing/2014/main" id="{BA8A3E2A-1BC0-42BA-97C1-532E9202FE7F}"/>
               </a:ext>
             </a:extLst>
           </p:cNvPr>
@@ -3484,7 +3186,7 @@
         </p:nvGrpSpPr>
         <p:grpSpPr>
           <a:xfrm>
-            <a:off x="1562328" y="495999"/>
+            <a:off x="2272368" y="573976"/>
             <a:ext cx="2400300" cy="384211"/>
             <a:chOff x="1099179" y="1667171"/>
             <a:chExt cx="1143000" cy="416296"/>
@@ -3495,7 +3197,7 @@
             <p:cNvPr id="8" name="Flowchart: Alternate Process 7">
               <a:extLst>
                 <a:ext uri="{FF2B5EF4-FFF2-40B4-BE49-F238E27FC236}">
-                  <a16:creationId xmlns:a16="http://schemas.microsoft.com/office/drawing/2014/main" id="{83094161-4E2F-492C-9F9C-ABC717F75F48}"/>
+                  <a16:creationId xmlns:a16="http://schemas.microsoft.com/office/drawing/2014/main" id="{08D0808C-4096-41F1-A787-C5867232C57C}"/>
                 </a:ext>
               </a:extLst>
             </p:cNvPr>
@@ -3548,7 +3250,7 @@
             <p:cNvPr id="9" name="Flowchart: Process 8">
               <a:extLst>
                 <a:ext uri="{FF2B5EF4-FFF2-40B4-BE49-F238E27FC236}">
-                  <a16:creationId xmlns:a16="http://schemas.microsoft.com/office/drawing/2014/main" id="{03CACD7D-A681-41B8-BADA-E0E6702819DA}"/>
+                  <a16:creationId xmlns:a16="http://schemas.microsoft.com/office/drawing/2014/main" id="{C900712E-E1B0-474E-B61F-E35567E0E172}"/>
                 </a:ext>
               </a:extLst>
             </p:cNvPr>
@@ -3665,24 +3367,24 @@
       </p:grpSp>
       <p:cxnSp>
         <p:nvCxnSpPr>
-          <p:cNvPr id="15" name="Straight Arrow Connector 14">
+          <p:cNvPr id="11" name="Straight Arrow Connector 10">
             <a:extLst>
               <a:ext uri="{FF2B5EF4-FFF2-40B4-BE49-F238E27FC236}">
-                <a16:creationId xmlns:a16="http://schemas.microsoft.com/office/drawing/2014/main" id="{80842815-FDE5-4FB6-81D1-02C271E34B12}"/>
+                <a16:creationId xmlns:a16="http://schemas.microsoft.com/office/drawing/2014/main" id="{6B54EE29-9B6B-4039-A2BF-C312DEF1F72F}"/>
               </a:ext>
             </a:extLst>
           </p:cNvPr>
           <p:cNvCxnSpPr>
             <a:cxnSpLocks/>
-            <a:stCxn id="5" idx="3"/>
-            <a:endCxn id="9" idx="1"/>
+            <a:stCxn id="4" idx="4"/>
+            <a:endCxn id="6" idx="1"/>
           </p:cNvCxnSpPr>
           <p:nvPr/>
         </p:nvCxnSpPr>
         <p:spPr>
           <a:xfrm flipV="1">
-            <a:off x="1299506" y="767143"/>
-            <a:ext cx="262822" cy="888"/>
+            <a:off x="600303" y="844211"/>
+            <a:ext cx="466794" cy="17"/>
           </a:xfrm>
           <a:prstGeom prst="straightConnector1">
             <a:avLst/>
@@ -3706,12 +3408,55 @@
           </a:fontRef>
         </p:style>
       </p:cxnSp>
-      <p:sp>
-        <p:nvSpPr>
-          <p:cNvPr id="19" name="Flowchart: Decision 18">
+      <p:cxnSp>
+        <p:nvCxnSpPr>
+          <p:cNvPr id="14" name="Straight Arrow Connector 13">
             <a:extLst>
               <a:ext uri="{FF2B5EF4-FFF2-40B4-BE49-F238E27FC236}">
-                <a16:creationId xmlns:a16="http://schemas.microsoft.com/office/drawing/2014/main" id="{9B9861A6-D86D-492F-95F3-F864E5F56830}"/>
+                <a16:creationId xmlns:a16="http://schemas.microsoft.com/office/drawing/2014/main" id="{C76C8854-FEA6-4E46-AF3A-BE55DA42836D}"/>
+              </a:ext>
+            </a:extLst>
+          </p:cNvPr>
+          <p:cNvCxnSpPr>
+            <a:cxnSpLocks/>
+            <a:stCxn id="6" idx="3"/>
+            <a:endCxn id="9" idx="1"/>
+          </p:cNvCxnSpPr>
+          <p:nvPr/>
+        </p:nvCxnSpPr>
+        <p:spPr>
+          <a:xfrm>
+            <a:off x="1631802" y="844211"/>
+            <a:ext cx="640566" cy="910"/>
+          </a:xfrm>
+          <a:prstGeom prst="straightConnector1">
+            <a:avLst/>
+          </a:prstGeom>
+          <a:ln>
+            <a:tailEnd type="triangle"/>
+          </a:ln>
+        </p:spPr>
+        <p:style>
+          <a:lnRef idx="2">
+            <a:schemeClr val="dk1"/>
+          </a:lnRef>
+          <a:fillRef idx="0">
+            <a:schemeClr val="dk1"/>
+          </a:fillRef>
+          <a:effectRef idx="1">
+            <a:schemeClr val="dk1"/>
+          </a:effectRef>
+          <a:fontRef idx="minor">
+            <a:schemeClr val="tx1"/>
+          </a:fontRef>
+        </p:style>
+      </p:cxnSp>
+      <p:sp>
+        <p:nvSpPr>
+          <p:cNvPr id="16" name="Flowchart: Decision 15">
+            <a:extLst>
+              <a:ext uri="{FF2B5EF4-FFF2-40B4-BE49-F238E27FC236}">
+                <a16:creationId xmlns:a16="http://schemas.microsoft.com/office/drawing/2014/main" id="{9566E019-ABAE-43A7-BA56-021B3138A8F2}"/>
               </a:ext>
             </a:extLst>
           </p:cNvPr>
@@ -3720,7 +3465,7 @@
         </p:nvSpPr>
         <p:spPr>
           <a:xfrm>
-            <a:off x="4216949" y="558477"/>
+            <a:off x="5175126" y="635524"/>
             <a:ext cx="457200" cy="419100"/>
           </a:xfrm>
           <a:prstGeom prst="flowChartDecision">
@@ -3760,10 +3505,10 @@
       </p:sp>
       <p:sp>
         <p:nvSpPr>
-          <p:cNvPr id="20" name="Flowchart: Preparation 19">
+          <p:cNvPr id="17" name="Flowchart: Preparation 16">
             <a:extLst>
               <a:ext uri="{FF2B5EF4-FFF2-40B4-BE49-F238E27FC236}">
-                <a16:creationId xmlns:a16="http://schemas.microsoft.com/office/drawing/2014/main" id="{8FA7E387-ECD7-40E8-8849-B988F560E3E4}"/>
+                <a16:creationId xmlns:a16="http://schemas.microsoft.com/office/drawing/2014/main" id="{88099A0D-C7BC-46B7-AA6E-A4A27E74BBE1}"/>
               </a:ext>
             </a:extLst>
           </p:cNvPr>
@@ -3772,12 +3517,18 @@
         </p:nvSpPr>
         <p:spPr>
           <a:xfrm>
-            <a:off x="5187071" y="693850"/>
+            <a:off x="6254305" y="770897"/>
             <a:ext cx="800100" cy="152400"/>
           </a:xfrm>
           <a:prstGeom prst="flowChartPreparation">
             <a:avLst/>
           </a:prstGeom>
+          <a:solidFill>
+            <a:schemeClr val="accent6">
+              <a:lumMod val="20000"/>
+              <a:lumOff val="80000"/>
+            </a:schemeClr>
+          </a:solidFill>
         </p:spPr>
         <p:style>
           <a:lnRef idx="1">
@@ -3805,26 +3556,231 @@
           </a:p>
         </p:txBody>
       </p:sp>
+      <p:sp>
+        <p:nvSpPr>
+          <p:cNvPr id="18" name="TextBox 17">
+            <a:extLst>
+              <a:ext uri="{FF2B5EF4-FFF2-40B4-BE49-F238E27FC236}">
+                <a16:creationId xmlns:a16="http://schemas.microsoft.com/office/drawing/2014/main" id="{FC411AE3-D3AC-4B9E-A407-34289DBACBE2}"/>
+              </a:ext>
+            </a:extLst>
+          </p:cNvPr>
+          <p:cNvSpPr txBox="1"/>
+          <p:nvPr/>
+        </p:nvSpPr>
+        <p:spPr>
+          <a:xfrm>
+            <a:off x="5681368" y="732191"/>
+            <a:ext cx="351058" cy="107722"/>
+          </a:xfrm>
+          <a:prstGeom prst="rect">
+            <a:avLst/>
+          </a:prstGeom>
+          <a:noFill/>
+        </p:spPr>
+        <p:txBody>
+          <a:bodyPr wrap="none" lIns="0" tIns="0" rIns="0" bIns="0" rtlCol="0">
+            <a:spAutoFit/>
+          </a:bodyPr>
+          <a:lstStyle/>
+          <a:p>
+            <a:r>
+              <a:rPr lang="en-US" sz="700" dirty="0"/>
+              <a:t>Count = 1</a:t>
+            </a:r>
+          </a:p>
+        </p:txBody>
+      </p:sp>
+      <p:sp>
+        <p:nvSpPr>
+          <p:cNvPr id="19" name="TextBox 18">
+            <a:extLst>
+              <a:ext uri="{FF2B5EF4-FFF2-40B4-BE49-F238E27FC236}">
+                <a16:creationId xmlns:a16="http://schemas.microsoft.com/office/drawing/2014/main" id="{62588C20-B099-4B6D-8829-E198D08EB576}"/>
+              </a:ext>
+            </a:extLst>
+          </p:cNvPr>
+          <p:cNvSpPr txBox="1"/>
+          <p:nvPr/>
+        </p:nvSpPr>
+        <p:spPr>
+          <a:xfrm>
+            <a:off x="4981684" y="1429323"/>
+            <a:ext cx="351058" cy="107722"/>
+          </a:xfrm>
+          <a:prstGeom prst="rect">
+            <a:avLst/>
+          </a:prstGeom>
+          <a:noFill/>
+        </p:spPr>
+        <p:txBody>
+          <a:bodyPr wrap="none" lIns="0" tIns="0" rIns="0" bIns="0" rtlCol="0">
+            <a:spAutoFit/>
+          </a:bodyPr>
+          <a:lstStyle/>
+          <a:p>
+            <a:r>
+              <a:rPr lang="en-US" sz="700" dirty="0"/>
+              <a:t>Count &gt; 1</a:t>
+            </a:r>
+          </a:p>
+        </p:txBody>
+      </p:sp>
+      <p:sp>
+        <p:nvSpPr>
+          <p:cNvPr id="20" name="Flowchart: Preparation 19">
+            <a:extLst>
+              <a:ext uri="{FF2B5EF4-FFF2-40B4-BE49-F238E27FC236}">
+                <a16:creationId xmlns:a16="http://schemas.microsoft.com/office/drawing/2014/main" id="{3371F50D-C8A0-47BC-8C26-A258F65DDF96}"/>
+              </a:ext>
+            </a:extLst>
+          </p:cNvPr>
+          <p:cNvSpPr/>
+          <p:nvPr/>
+        </p:nvSpPr>
+        <p:spPr>
+          <a:xfrm>
+            <a:off x="7131699" y="449601"/>
+            <a:ext cx="569437" cy="152401"/>
+          </a:xfrm>
+          <a:prstGeom prst="flowChartPreparation">
+            <a:avLst/>
+          </a:prstGeom>
+          <a:solidFill>
+            <a:schemeClr val="accent6">
+              <a:lumMod val="20000"/>
+              <a:lumOff val="80000"/>
+            </a:schemeClr>
+          </a:solidFill>
+        </p:spPr>
+        <p:style>
+          <a:lnRef idx="1">
+            <a:schemeClr val="accent6"/>
+          </a:lnRef>
+          <a:fillRef idx="2">
+            <a:schemeClr val="accent6"/>
+          </a:fillRef>
+          <a:effectRef idx="1">
+            <a:schemeClr val="accent6"/>
+          </a:effectRef>
+          <a:fontRef idx="minor">
+            <a:schemeClr val="dk1"/>
+          </a:fontRef>
+        </p:style>
+        <p:txBody>
+          <a:bodyPr lIns="0" tIns="0" rIns="0" bIns="0" rtlCol="0" anchor="ctr"/>
+          <a:lstStyle/>
+          <a:p>
+            <a:pPr algn="ctr"/>
+            <a:r>
+              <a:rPr lang="en-US" sz="900" dirty="0">
+                <a:solidFill>
+                  <a:srgbClr val="FF0000"/>
+                </a:solidFill>
+              </a:rPr>
+              <a:t>FAIL</a:t>
+            </a:r>
+          </a:p>
+        </p:txBody>
+      </p:sp>
       <p:cxnSp>
         <p:nvCxnSpPr>
-          <p:cNvPr id="22" name="Straight Arrow Connector 21">
+          <p:cNvPr id="21" name="Connector: Elbow 20">
             <a:extLst>
               <a:ext uri="{FF2B5EF4-FFF2-40B4-BE49-F238E27FC236}">
-                <a16:creationId xmlns:a16="http://schemas.microsoft.com/office/drawing/2014/main" id="{4CC2FB3C-484F-4FAA-B41B-9DE7106EB3B5}"/>
+                <a16:creationId xmlns:a16="http://schemas.microsoft.com/office/drawing/2014/main" id="{A63BD887-5517-4EC8-921B-DC1C91205AE7}"/>
               </a:ext>
             </a:extLst>
           </p:cNvPr>
           <p:cNvCxnSpPr>
             <a:cxnSpLocks/>
-            <a:stCxn id="9" idx="3"/>
-            <a:endCxn id="19" idx="1"/>
+            <a:stCxn id="16" idx="0"/>
+            <a:endCxn id="20" idx="1"/>
           </p:cNvCxnSpPr>
           <p:nvPr/>
         </p:nvCxnSpPr>
         <p:spPr>
+          <a:xfrm rot="5400000" flipH="1" flipV="1">
+            <a:off x="6212851" y="-283323"/>
+            <a:ext cx="109722" cy="1727973"/>
+          </a:xfrm>
+          <a:prstGeom prst="bentConnector2">
+            <a:avLst/>
+          </a:prstGeom>
+          <a:ln>
+            <a:tailEnd type="triangle"/>
+          </a:ln>
+        </p:spPr>
+        <p:style>
+          <a:lnRef idx="2">
+            <a:schemeClr val="dk1"/>
+          </a:lnRef>
+          <a:fillRef idx="0">
+            <a:schemeClr val="dk1"/>
+          </a:fillRef>
+          <a:effectRef idx="1">
+            <a:schemeClr val="dk1"/>
+          </a:effectRef>
+          <a:fontRef idx="minor">
+            <a:schemeClr val="tx1"/>
+          </a:fontRef>
+        </p:style>
+      </p:cxnSp>
+      <p:sp>
+        <p:nvSpPr>
+          <p:cNvPr id="22" name="TextBox 21">
+            <a:extLst>
+              <a:ext uri="{FF2B5EF4-FFF2-40B4-BE49-F238E27FC236}">
+                <a16:creationId xmlns:a16="http://schemas.microsoft.com/office/drawing/2014/main" id="{0C2C944E-5599-47D0-AD2C-D83EABDA9497}"/>
+              </a:ext>
+            </a:extLst>
+          </p:cNvPr>
+          <p:cNvSpPr txBox="1"/>
+          <p:nvPr/>
+        </p:nvSpPr>
+        <p:spPr>
           <a:xfrm>
-            <a:off x="3962628" y="767143"/>
-            <a:ext cx="254321" cy="884"/>
+            <a:off x="5481012" y="415210"/>
+            <a:ext cx="351058" cy="107722"/>
+          </a:xfrm>
+          <a:prstGeom prst="rect">
+            <a:avLst/>
+          </a:prstGeom>
+          <a:noFill/>
+        </p:spPr>
+        <p:txBody>
+          <a:bodyPr wrap="none" lIns="0" tIns="0" rIns="0" bIns="0" rtlCol="0">
+            <a:spAutoFit/>
+          </a:bodyPr>
+          <a:lstStyle/>
+          <a:p>
+            <a:r>
+              <a:rPr lang="en-US" sz="700" dirty="0"/>
+              <a:t>Count = 0</a:t>
+            </a:r>
+          </a:p>
+        </p:txBody>
+      </p:sp>
+      <p:cxnSp>
+        <p:nvCxnSpPr>
+          <p:cNvPr id="23" name="Straight Arrow Connector 22">
+            <a:extLst>
+              <a:ext uri="{FF2B5EF4-FFF2-40B4-BE49-F238E27FC236}">
+                <a16:creationId xmlns:a16="http://schemas.microsoft.com/office/drawing/2014/main" id="{3EC66B19-6EDD-4A27-B700-E1547E19738E}"/>
+              </a:ext>
+            </a:extLst>
+          </p:cNvPr>
+          <p:cNvCxnSpPr>
+            <a:cxnSpLocks/>
+            <a:stCxn id="16" idx="3"/>
+            <a:endCxn id="17" idx="1"/>
+          </p:cNvCxnSpPr>
+          <p:nvPr/>
+        </p:nvCxnSpPr>
+        <p:spPr>
+          <a:xfrm>
+            <a:off x="5632326" y="845074"/>
+            <a:ext cx="621979" cy="2023"/>
           </a:xfrm>
           <a:prstGeom prst="straightConnector1">
             <a:avLst/>
@@ -3848,123 +3804,27 @@
           </a:fontRef>
         </p:style>
       </p:cxnSp>
-      <p:sp>
-        <p:nvSpPr>
-          <p:cNvPr id="33" name="TextBox 32">
+      <p:cxnSp>
+        <p:nvCxnSpPr>
+          <p:cNvPr id="25" name="Straight Arrow Connector 24">
             <a:extLst>
               <a:ext uri="{FF2B5EF4-FFF2-40B4-BE49-F238E27FC236}">
-                <a16:creationId xmlns:a16="http://schemas.microsoft.com/office/drawing/2014/main" id="{A86F5CA4-7206-41E3-AAC2-CEA928631C49}"/>
-              </a:ext>
-            </a:extLst>
-          </p:cNvPr>
-          <p:cNvSpPr txBox="1"/>
-          <p:nvPr/>
-        </p:nvSpPr>
-        <p:spPr>
-          <a:xfrm>
-            <a:off x="4723191" y="655144"/>
-            <a:ext cx="351058" cy="107722"/>
-          </a:xfrm>
-          <a:prstGeom prst="rect">
-            <a:avLst/>
-          </a:prstGeom>
-          <a:noFill/>
-        </p:spPr>
-        <p:txBody>
-          <a:bodyPr wrap="none" lIns="0" tIns="0" rIns="0" bIns="0" rtlCol="0">
-            <a:spAutoFit/>
-          </a:bodyPr>
-          <a:lstStyle/>
-          <a:p>
-            <a:r>
-              <a:rPr lang="en-US" sz="700" dirty="0"/>
-              <a:t>Count = 1</a:t>
-            </a:r>
-          </a:p>
-        </p:txBody>
-      </p:sp>
-      <p:sp>
-        <p:nvSpPr>
-          <p:cNvPr id="38" name="Flowchart: Predefined Process 37">
-            <a:extLst>
-              <a:ext uri="{FF2B5EF4-FFF2-40B4-BE49-F238E27FC236}">
-                <a16:creationId xmlns:a16="http://schemas.microsoft.com/office/drawing/2014/main" id="{00477FFA-6F67-4BC2-8371-B896FBD3136B}"/>
-              </a:ext>
-            </a:extLst>
-          </p:cNvPr>
-          <p:cNvSpPr/>
-          <p:nvPr/>
-        </p:nvSpPr>
-        <p:spPr>
-          <a:xfrm>
-            <a:off x="533400" y="1995104"/>
-            <a:ext cx="834807" cy="328996"/>
-          </a:xfrm>
-          <a:prstGeom prst="flowChartPredefinedProcess">
-            <a:avLst/>
-          </a:prstGeom>
-          <a:ln>
-            <a:solidFill>
-              <a:schemeClr val="tx1"/>
-            </a:solidFill>
-          </a:ln>
-        </p:spPr>
-        <p:style>
-          <a:lnRef idx="1">
-            <a:schemeClr val="accent4"/>
-          </a:lnRef>
-          <a:fillRef idx="2">
-            <a:schemeClr val="accent4"/>
-          </a:fillRef>
-          <a:effectRef idx="1">
-            <a:schemeClr val="accent4"/>
-          </a:effectRef>
-          <a:fontRef idx="minor">
-            <a:schemeClr val="dk1"/>
-          </a:fontRef>
-        </p:style>
-        <p:txBody>
-          <a:bodyPr lIns="0" tIns="0" rIns="0" bIns="0" rtlCol="0" anchor="ctr"/>
-          <a:lstStyle/>
-          <a:p>
-            <a:pPr algn="ctr"/>
-            <a:r>
-              <a:rPr lang="en-US" sz="900" dirty="0"/>
-              <a:t>NEIGHBORS</a:t>
-            </a:r>
-            <a:br>
-              <a:rPr lang="en-US" sz="800" dirty="0"/>
-            </a:br>
-            <a:r>
-              <a:rPr lang="en-US" sz="800" dirty="0"/>
-              <a:t>&lt;&lt;TBL&gt;&gt;</a:t>
-            </a:r>
-            <a:endParaRPr lang="en-US" sz="900" dirty="0"/>
-          </a:p>
-        </p:txBody>
-      </p:sp>
-      <p:cxnSp>
-        <p:nvCxnSpPr>
-          <p:cNvPr id="40" name="Connector: Elbow 39">
-            <a:extLst>
-              <a:ext uri="{FF2B5EF4-FFF2-40B4-BE49-F238E27FC236}">
-                <a16:creationId xmlns:a16="http://schemas.microsoft.com/office/drawing/2014/main" id="{B5F1A165-5796-46E8-9E2F-ED65B998A0F5}"/>
+                <a16:creationId xmlns:a16="http://schemas.microsoft.com/office/drawing/2014/main" id="{30BA49E1-29E1-4F3E-80E1-F06B9DBB6983}"/>
               </a:ext>
             </a:extLst>
           </p:cNvPr>
           <p:cNvCxnSpPr>
-            <a:cxnSpLocks/>
-            <a:stCxn id="38" idx="1"/>
-            <a:endCxn id="4" idx="3"/>
+            <a:stCxn id="9" idx="3"/>
+            <a:endCxn id="16" idx="1"/>
           </p:cNvCxnSpPr>
           <p:nvPr/>
         </p:nvCxnSpPr>
         <p:spPr>
-          <a:xfrm rot="10800000">
-            <a:off x="277258" y="955700"/>
-            <a:ext cx="256143" cy="1203902"/>
-          </a:xfrm>
-          <a:prstGeom prst="bentConnector2">
+          <a:xfrm flipV="1">
+            <a:off x="4672668" y="845074"/>
+            <a:ext cx="502458" cy="47"/>
+          </a:xfrm>
+          <a:prstGeom prst="straightConnector1">
             <a:avLst/>
           </a:prstGeom>
           <a:ln>
@@ -3988,10 +3848,10 @@
       </p:cxnSp>
       <p:grpSp>
         <p:nvGrpSpPr>
-          <p:cNvPr id="41" name="Group 40">
+          <p:cNvPr id="26" name="Group 25">
             <a:extLst>
               <a:ext uri="{FF2B5EF4-FFF2-40B4-BE49-F238E27FC236}">
-                <a16:creationId xmlns:a16="http://schemas.microsoft.com/office/drawing/2014/main" id="{0ECFB434-598F-49DC-9E47-9D85E600A39E}"/>
+                <a16:creationId xmlns:a16="http://schemas.microsoft.com/office/drawing/2014/main" id="{1804C5BD-6BB1-4A08-BFA9-EEDE2825F314}"/>
               </a:ext>
             </a:extLst>
           </p:cNvPr>
@@ -4000,18 +3860,18 @@
         </p:nvGrpSpPr>
         <p:grpSpPr>
           <a:xfrm>
-            <a:off x="1485900" y="1331356"/>
-            <a:ext cx="3962400" cy="503213"/>
+            <a:off x="1719573" y="1152269"/>
+            <a:ext cx="2948459" cy="606164"/>
             <a:chOff x="1104900" y="1627850"/>
-            <a:chExt cx="1143000" cy="470384"/>
+            <a:chExt cx="850517" cy="566619"/>
           </a:xfrm>
         </p:grpSpPr>
         <p:sp>
           <p:nvSpPr>
-            <p:cNvPr id="42" name="Flowchart: Alternate Process 41">
+            <p:cNvPr id="27" name="Flowchart: Alternate Process 26">
               <a:extLst>
                 <a:ext uri="{FF2B5EF4-FFF2-40B4-BE49-F238E27FC236}">
-                  <a16:creationId xmlns:a16="http://schemas.microsoft.com/office/drawing/2014/main" id="{C8549E1C-33D7-4AD9-8D61-19E533AE97FA}"/>
+                  <a16:creationId xmlns:a16="http://schemas.microsoft.com/office/drawing/2014/main" id="{42781B8C-9B4F-4429-94FB-EDC19FB2D289}"/>
                 </a:ext>
               </a:extLst>
             </p:cNvPr>
@@ -4061,10 +3921,10 @@
         </p:sp>
         <p:sp>
           <p:nvSpPr>
-            <p:cNvPr id="43" name="Flowchart: Process 42">
+            <p:cNvPr id="28" name="Flowchart: Process 27">
               <a:extLst>
                 <a:ext uri="{FF2B5EF4-FFF2-40B4-BE49-F238E27FC236}">
-                  <a16:creationId xmlns:a16="http://schemas.microsoft.com/office/drawing/2014/main" id="{CF712C25-35C2-42A0-AAA6-40787C974782}"/>
+                  <a16:creationId xmlns:a16="http://schemas.microsoft.com/office/drawing/2014/main" id="{1C0B0BBE-4EE9-495E-A1CB-D45F2E982EAF}"/>
                 </a:ext>
               </a:extLst>
             </p:cNvPr>
@@ -4073,8 +3933,8 @@
           </p:nvSpPr>
           <p:spPr>
             <a:xfrm>
-              <a:off x="1104900" y="1790701"/>
-              <a:ext cx="1143000" cy="307533"/>
+              <a:off x="1104900" y="1790700"/>
+              <a:ext cx="850517" cy="403769"/>
             </a:xfrm>
             <a:prstGeom prst="flowChartProcess">
               <a:avLst/>
@@ -4193,29 +4053,26 @@
       </p:grpSp>
       <p:cxnSp>
         <p:nvCxnSpPr>
-          <p:cNvPr id="45" name="Connector: Elbow 44">
+          <p:cNvPr id="30" name="Connector: Elbow 29">
             <a:extLst>
               <a:ext uri="{FF2B5EF4-FFF2-40B4-BE49-F238E27FC236}">
-                <a16:creationId xmlns:a16="http://schemas.microsoft.com/office/drawing/2014/main" id="{73298490-FB2B-4C40-8203-141EBE734AED}"/>
+                <a16:creationId xmlns:a16="http://schemas.microsoft.com/office/drawing/2014/main" id="{DADF8ABB-FE1C-4544-9AD0-8E19C0E6119A}"/>
               </a:ext>
             </a:extLst>
           </p:cNvPr>
           <p:cNvCxnSpPr>
-            <a:cxnSpLocks/>
-            <a:stCxn id="19" idx="2"/>
-            <a:endCxn id="43" idx="0"/>
+            <a:stCxn id="16" idx="2"/>
+            <a:endCxn id="28" idx="3"/>
           </p:cNvCxnSpPr>
           <p:nvPr/>
         </p:nvCxnSpPr>
         <p:spPr>
           <a:xfrm rot="5400000">
-            <a:off x="3692327" y="752351"/>
-            <a:ext cx="527996" cy="978449"/>
-          </a:xfrm>
-          <a:prstGeom prst="bentConnector3">
-            <a:avLst>
-              <a:gd name="adj1" fmla="val 50000"/>
-            </a:avLst>
+            <a:off x="4791962" y="930694"/>
+            <a:ext cx="487835" cy="735694"/>
+          </a:xfrm>
+          <a:prstGeom prst="bentConnector2">
+            <a:avLst/>
           </a:prstGeom>
           <a:ln>
             <a:tailEnd type="triangle"/>
@@ -4238,88 +4095,10 @@
       </p:cxnSp>
       <p:sp>
         <p:nvSpPr>
-          <p:cNvPr id="48" name="TextBox 47">
+          <p:cNvPr id="31" name="Flowchart: Predefined Process 30">
             <a:extLst>
               <a:ext uri="{FF2B5EF4-FFF2-40B4-BE49-F238E27FC236}">
-                <a16:creationId xmlns:a16="http://schemas.microsoft.com/office/drawing/2014/main" id="{705905D3-C4B1-489C-941B-FB794139A71C}"/>
-              </a:ext>
-            </a:extLst>
-          </p:cNvPr>
-          <p:cNvSpPr txBox="1"/>
-          <p:nvPr/>
-        </p:nvSpPr>
-        <p:spPr>
-          <a:xfrm>
-            <a:off x="4021466" y="1128385"/>
-            <a:ext cx="351058" cy="107722"/>
-          </a:xfrm>
-          <a:prstGeom prst="rect">
-            <a:avLst/>
-          </a:prstGeom>
-          <a:noFill/>
-        </p:spPr>
-        <p:txBody>
-          <a:bodyPr wrap="none" lIns="0" tIns="0" rIns="0" bIns="0" rtlCol="0">
-            <a:spAutoFit/>
-          </a:bodyPr>
-          <a:lstStyle/>
-          <a:p>
-            <a:r>
-              <a:rPr lang="en-US" sz="700" dirty="0"/>
-              <a:t>Count &gt; 1</a:t>
-            </a:r>
-          </a:p>
-        </p:txBody>
-      </p:sp>
-      <p:cxnSp>
-        <p:nvCxnSpPr>
-          <p:cNvPr id="51" name="Connector: Elbow 50">
-            <a:extLst>
-              <a:ext uri="{FF2B5EF4-FFF2-40B4-BE49-F238E27FC236}">
-                <a16:creationId xmlns:a16="http://schemas.microsoft.com/office/drawing/2014/main" id="{103AC409-0EF0-4FBF-B39D-26BC3C7163D8}"/>
-              </a:ext>
-            </a:extLst>
-          </p:cNvPr>
-          <p:cNvCxnSpPr>
-            <a:cxnSpLocks/>
-            <a:stCxn id="43" idx="1"/>
-            <a:endCxn id="38" idx="0"/>
-          </p:cNvCxnSpPr>
-          <p:nvPr/>
-        </p:nvCxnSpPr>
-        <p:spPr>
-          <a:xfrm rot="10800000" flipV="1">
-            <a:off x="950804" y="1670070"/>
-            <a:ext cx="535096" cy="325033"/>
-          </a:xfrm>
-          <a:prstGeom prst="bentConnector2">
-            <a:avLst/>
-          </a:prstGeom>
-          <a:ln>
-            <a:tailEnd type="triangle"/>
-          </a:ln>
-        </p:spPr>
-        <p:style>
-          <a:lnRef idx="2">
-            <a:schemeClr val="dk1"/>
-          </a:lnRef>
-          <a:fillRef idx="0">
-            <a:schemeClr val="dk1"/>
-          </a:fillRef>
-          <a:effectRef idx="1">
-            <a:schemeClr val="dk1"/>
-          </a:effectRef>
-          <a:fontRef idx="minor">
-            <a:schemeClr val="tx1"/>
-          </a:fontRef>
-        </p:style>
-      </p:cxnSp>
-      <p:sp>
-        <p:nvSpPr>
-          <p:cNvPr id="52" name="Flowchart: Preparation 51">
-            <a:extLst>
-              <a:ext uri="{FF2B5EF4-FFF2-40B4-BE49-F238E27FC236}">
-                <a16:creationId xmlns:a16="http://schemas.microsoft.com/office/drawing/2014/main" id="{4E2C6E63-7C67-43F2-A7C9-1BBFDB0A34F5}"/>
+                <a16:creationId xmlns:a16="http://schemas.microsoft.com/office/drawing/2014/main" id="{AE78B56D-EF22-4D75-B1CA-3B7A6BB18E26}"/>
               </a:ext>
             </a:extLst>
           </p:cNvPr>
@@ -4328,152 +4107,12 @@
         </p:nvSpPr>
         <p:spPr>
           <a:xfrm>
-            <a:off x="5842305" y="288492"/>
-            <a:ext cx="569437" cy="152401"/>
-          </a:xfrm>
-          <a:prstGeom prst="flowChartPreparation">
+            <a:off x="606179" y="1865098"/>
+            <a:ext cx="834807" cy="328996"/>
+          </a:xfrm>
+          <a:prstGeom prst="flowChartPredefinedProcess">
             <a:avLst/>
           </a:prstGeom>
-          <a:solidFill>
-            <a:schemeClr val="accent6">
-              <a:lumMod val="20000"/>
-              <a:lumOff val="80000"/>
-            </a:schemeClr>
-          </a:solidFill>
-        </p:spPr>
-        <p:style>
-          <a:lnRef idx="1">
-            <a:schemeClr val="accent6"/>
-          </a:lnRef>
-          <a:fillRef idx="2">
-            <a:schemeClr val="accent6"/>
-          </a:fillRef>
-          <a:effectRef idx="1">
-            <a:schemeClr val="accent6"/>
-          </a:effectRef>
-          <a:fontRef idx="minor">
-            <a:schemeClr val="dk1"/>
-          </a:fontRef>
-        </p:style>
-        <p:txBody>
-          <a:bodyPr lIns="0" tIns="0" rIns="0" bIns="0" rtlCol="0" anchor="ctr"/>
-          <a:lstStyle/>
-          <a:p>
-            <a:pPr algn="ctr"/>
-            <a:r>
-              <a:rPr lang="en-US" sz="900" dirty="0">
-                <a:solidFill>
-                  <a:srgbClr val="FF0000"/>
-                </a:solidFill>
-              </a:rPr>
-              <a:t>FAIL</a:t>
-            </a:r>
-          </a:p>
-        </p:txBody>
-      </p:sp>
-      <p:cxnSp>
-        <p:nvCxnSpPr>
-          <p:cNvPr id="54" name="Connector: Elbow 53">
-            <a:extLst>
-              <a:ext uri="{FF2B5EF4-FFF2-40B4-BE49-F238E27FC236}">
-                <a16:creationId xmlns:a16="http://schemas.microsoft.com/office/drawing/2014/main" id="{D36A0F54-0BA7-41C5-80F2-165524ABAB96}"/>
-              </a:ext>
-            </a:extLst>
-          </p:cNvPr>
-          <p:cNvCxnSpPr>
-            <a:cxnSpLocks/>
-            <a:stCxn id="19" idx="0"/>
-            <a:endCxn id="52" idx="1"/>
-          </p:cNvCxnSpPr>
-          <p:nvPr/>
-        </p:nvCxnSpPr>
-        <p:spPr>
-          <a:xfrm rot="5400000" flipH="1" flipV="1">
-            <a:off x="5047035" y="-236793"/>
-            <a:ext cx="193784" cy="1396756"/>
-          </a:xfrm>
-          <a:prstGeom prst="bentConnector2">
-            <a:avLst/>
-          </a:prstGeom>
-          <a:ln>
-            <a:tailEnd type="triangle"/>
-          </a:ln>
-        </p:spPr>
-        <p:style>
-          <a:lnRef idx="2">
-            <a:schemeClr val="dk1"/>
-          </a:lnRef>
-          <a:fillRef idx="0">
-            <a:schemeClr val="dk1"/>
-          </a:fillRef>
-          <a:effectRef idx="1">
-            <a:schemeClr val="dk1"/>
-          </a:effectRef>
-          <a:fontRef idx="minor">
-            <a:schemeClr val="tx1"/>
-          </a:fontRef>
-        </p:style>
-      </p:cxnSp>
-      <p:sp>
-        <p:nvSpPr>
-          <p:cNvPr id="55" name="TextBox 54">
-            <a:extLst>
-              <a:ext uri="{FF2B5EF4-FFF2-40B4-BE49-F238E27FC236}">
-                <a16:creationId xmlns:a16="http://schemas.microsoft.com/office/drawing/2014/main" id="{26E276D1-A229-4178-A475-EB4B1B561556}"/>
-              </a:ext>
-            </a:extLst>
-          </p:cNvPr>
-          <p:cNvSpPr txBox="1"/>
-          <p:nvPr/>
-        </p:nvSpPr>
-        <p:spPr>
-          <a:xfrm>
-            <a:off x="4514446" y="254273"/>
-            <a:ext cx="351058" cy="107722"/>
-          </a:xfrm>
-          <a:prstGeom prst="rect">
-            <a:avLst/>
-          </a:prstGeom>
-          <a:noFill/>
-        </p:spPr>
-        <p:txBody>
-          <a:bodyPr wrap="none" lIns="0" tIns="0" rIns="0" bIns="0" rtlCol="0">
-            <a:spAutoFit/>
-          </a:bodyPr>
-          <a:lstStyle/>
-          <a:p>
-            <a:r>
-              <a:rPr lang="en-US" sz="700" dirty="0"/>
-              <a:t>Count = 0</a:t>
-            </a:r>
-          </a:p>
-        </p:txBody>
-      </p:sp>
-      <p:sp>
-        <p:nvSpPr>
-          <p:cNvPr id="56" name="Flowchart: Terminator 55">
-            <a:extLst>
-              <a:ext uri="{FF2B5EF4-FFF2-40B4-BE49-F238E27FC236}">
-                <a16:creationId xmlns:a16="http://schemas.microsoft.com/office/drawing/2014/main" id="{36A60C4B-7B5F-4A4B-95E8-4DFB1F7E2A08}"/>
-              </a:ext>
-            </a:extLst>
-          </p:cNvPr>
-          <p:cNvSpPr/>
-          <p:nvPr/>
-        </p:nvSpPr>
-        <p:spPr>
-          <a:xfrm>
-            <a:off x="6362700" y="7734682"/>
-            <a:ext cx="419100" cy="190500"/>
-          </a:xfrm>
-          <a:prstGeom prst="flowChartTerminator">
-            <a:avLst/>
-          </a:prstGeom>
-          <a:solidFill>
-            <a:schemeClr val="bg1">
-              <a:lumMod val="85000"/>
-            </a:schemeClr>
-          </a:solidFill>
           <a:ln>
             <a:solidFill>
               <a:schemeClr val="tx1"/>
@@ -4501,30 +4140,38 @@
             <a:pPr algn="ctr"/>
             <a:r>
               <a:rPr lang="en-US" sz="900" dirty="0"/>
-              <a:t>END</a:t>
-            </a:r>
+              <a:t>NEIGHBORS</a:t>
+            </a:r>
+            <a:br>
+              <a:rPr lang="en-US" sz="800" dirty="0"/>
+            </a:br>
+            <a:r>
+              <a:rPr lang="en-US" sz="800" dirty="0"/>
+              <a:t>&lt;&lt;TBL&gt;&gt;</a:t>
+            </a:r>
+            <a:endParaRPr lang="en-US" sz="900" dirty="0"/>
           </a:p>
         </p:txBody>
       </p:sp>
       <p:cxnSp>
         <p:nvCxnSpPr>
-          <p:cNvPr id="58" name="Connector: Elbow 57">
+          <p:cNvPr id="33" name="Connector: Elbow 32">
             <a:extLst>
               <a:ext uri="{FF2B5EF4-FFF2-40B4-BE49-F238E27FC236}">
-                <a16:creationId xmlns:a16="http://schemas.microsoft.com/office/drawing/2014/main" id="{03ED5074-2C07-47F1-8522-3D2F02794605}"/>
+                <a16:creationId xmlns:a16="http://schemas.microsoft.com/office/drawing/2014/main" id="{F01EA525-1A3A-42D3-A460-4CC04B5AB0C4}"/>
               </a:ext>
             </a:extLst>
           </p:cNvPr>
           <p:cNvCxnSpPr>
-            <a:stCxn id="20" idx="3"/>
-            <a:endCxn id="56" idx="0"/>
+            <a:stCxn id="28" idx="1"/>
+            <a:endCxn id="31" idx="0"/>
           </p:cNvCxnSpPr>
           <p:nvPr/>
         </p:nvCxnSpPr>
         <p:spPr>
-          <a:xfrm>
-            <a:off x="5987171" y="770050"/>
-            <a:ext cx="585079" cy="6964632"/>
+          <a:xfrm rot="10800000" flipV="1">
+            <a:off x="1023583" y="1542458"/>
+            <a:ext cx="695990" cy="322639"/>
           </a:xfrm>
           <a:prstGeom prst="bentConnector2">
             <a:avLst/>
@@ -4550,24 +4197,24 @@
       </p:cxnSp>
       <p:cxnSp>
         <p:nvCxnSpPr>
-          <p:cNvPr id="70" name="Connector: Elbow 69">
+          <p:cNvPr id="35" name="Connector: Elbow 34">
             <a:extLst>
               <a:ext uri="{FF2B5EF4-FFF2-40B4-BE49-F238E27FC236}">
-                <a16:creationId xmlns:a16="http://schemas.microsoft.com/office/drawing/2014/main" id="{3EC0C1C2-C17C-4D80-9A1B-6293AD403EA0}"/>
+                <a16:creationId xmlns:a16="http://schemas.microsoft.com/office/drawing/2014/main" id="{82F25E4E-DEA0-434E-8486-850D726A9C78}"/>
               </a:ext>
             </a:extLst>
           </p:cNvPr>
           <p:cNvCxnSpPr>
             <a:cxnSpLocks/>
-            <a:stCxn id="38" idx="2"/>
-            <a:endCxn id="99" idx="1"/>
+            <a:stCxn id="31" idx="1"/>
+            <a:endCxn id="4" idx="3"/>
           </p:cNvCxnSpPr>
           <p:nvPr/>
         </p:nvCxnSpPr>
         <p:spPr>
-          <a:xfrm rot="16200000" flipH="1">
-            <a:off x="1066722" y="2208182"/>
-            <a:ext cx="303260" cy="535096"/>
+          <a:xfrm rot="10800000">
+            <a:off x="361147" y="1061288"/>
+            <a:ext cx="245033" cy="968309"/>
           </a:xfrm>
           <a:prstGeom prst="bentConnector2">
             <a:avLst/>
@@ -4591,64 +4238,12 @@
           </a:fontRef>
         </p:style>
       </p:cxnSp>
-      <p:sp>
-        <p:nvSpPr>
-          <p:cNvPr id="71" name="Flowchart: Decision 70">
+      <p:grpSp>
+        <p:nvGrpSpPr>
+          <p:cNvPr id="36" name="Group 35">
             <a:extLst>
               <a:ext uri="{FF2B5EF4-FFF2-40B4-BE49-F238E27FC236}">
-                <a16:creationId xmlns:a16="http://schemas.microsoft.com/office/drawing/2014/main" id="{B727E5CD-D8D6-48F0-95C1-E19A9678C7C8}"/>
-              </a:ext>
-            </a:extLst>
-          </p:cNvPr>
-          <p:cNvSpPr/>
-          <p:nvPr/>
-        </p:nvSpPr>
-        <p:spPr>
-          <a:xfrm>
-            <a:off x="4229100" y="2417808"/>
-            <a:ext cx="457200" cy="419100"/>
-          </a:xfrm>
-          <a:prstGeom prst="flowChartDecision">
-            <a:avLst/>
-          </a:prstGeom>
-          <a:ln>
-            <a:solidFill>
-              <a:schemeClr val="tx1"/>
-            </a:solidFill>
-          </a:ln>
-        </p:spPr>
-        <p:style>
-          <a:lnRef idx="1">
-            <a:schemeClr val="accent2"/>
-          </a:lnRef>
-          <a:fillRef idx="2">
-            <a:schemeClr val="accent2"/>
-          </a:fillRef>
-          <a:effectRef idx="1">
-            <a:schemeClr val="accent2"/>
-          </a:effectRef>
-          <a:fontRef idx="minor">
-            <a:schemeClr val="dk1"/>
-          </a:fontRef>
-        </p:style>
-        <p:txBody>
-          <a:bodyPr lIns="0" tIns="0" rIns="0" bIns="0" rtlCol="0" anchor="ctr"/>
-          <a:lstStyle/>
-          <a:p>
-            <a:pPr algn="ctr"/>
-            <a:r>
-              <a:rPr lang="en-US" sz="900" dirty="0"/>
-              <a:t>IF</a:t>
-            </a:r>
-          </a:p>
-        </p:txBody>
-      </p:sp>
-      <p:grpSp>
-        <p:nvGrpSpPr>
-          <p:cNvPr id="97" name="Group 96">
-            <a:extLst>
-              <a:ext uri="{FF2B5EF4-FFF2-40B4-BE49-F238E27FC236}">
-                <a16:creationId xmlns:a16="http://schemas.microsoft.com/office/drawing/2014/main" id="{09980B0B-6560-4CD9-853A-B6C95C0D9F72}"/>
+                <a16:creationId xmlns:a16="http://schemas.microsoft.com/office/drawing/2014/main" id="{1CCA6067-18D1-4854-868B-F2AF61DCFF2B}"/>
               </a:ext>
             </a:extLst>
           </p:cNvPr>
@@ -4657,7 +4252,7 @@
         </p:nvGrpSpPr>
         <p:grpSpPr>
           <a:xfrm>
-            <a:off x="1485900" y="2356215"/>
+            <a:off x="2170319" y="1946181"/>
             <a:ext cx="2510008" cy="384211"/>
             <a:chOff x="1099179" y="1667171"/>
             <a:chExt cx="1143000" cy="416296"/>
@@ -4665,10 +4260,10 @@
         </p:grpSpPr>
         <p:sp>
           <p:nvSpPr>
-            <p:cNvPr id="98" name="Flowchart: Alternate Process 97">
+            <p:cNvPr id="37" name="Flowchart: Alternate Process 36">
               <a:extLst>
                 <a:ext uri="{FF2B5EF4-FFF2-40B4-BE49-F238E27FC236}">
-                  <a16:creationId xmlns:a16="http://schemas.microsoft.com/office/drawing/2014/main" id="{B74E1F6D-CDDE-45E7-9B7C-8550DA78B5C3}"/>
+                  <a16:creationId xmlns:a16="http://schemas.microsoft.com/office/drawing/2014/main" id="{73459618-4EB0-4A7B-B9F5-B64FFA019EF1}"/>
                 </a:ext>
               </a:extLst>
             </p:cNvPr>
@@ -4718,10 +4313,10 @@
         </p:sp>
         <p:sp>
           <p:nvSpPr>
-            <p:cNvPr id="99" name="Flowchart: Process 98">
+            <p:cNvPr id="38" name="Flowchart: Process 37">
               <a:extLst>
                 <a:ext uri="{FF2B5EF4-FFF2-40B4-BE49-F238E27FC236}">
-                  <a16:creationId xmlns:a16="http://schemas.microsoft.com/office/drawing/2014/main" id="{CBF58832-CF89-4C44-9C69-F0071B657524}"/>
+                  <a16:creationId xmlns:a16="http://schemas.microsoft.com/office/drawing/2014/main" id="{CC34DA47-185F-416D-82A8-F289E9BF0CFD}"/>
                 </a:ext>
               </a:extLst>
             </p:cNvPr>
@@ -4836,54 +4431,12 @@
           </p:txBody>
         </p:sp>
       </p:grpSp>
-      <p:cxnSp>
-        <p:nvCxnSpPr>
-          <p:cNvPr id="103" name="Straight Arrow Connector 102">
+      <p:sp>
+        <p:nvSpPr>
+          <p:cNvPr id="41" name="Flowchart: Decision 40">
             <a:extLst>
               <a:ext uri="{FF2B5EF4-FFF2-40B4-BE49-F238E27FC236}">
-                <a16:creationId xmlns:a16="http://schemas.microsoft.com/office/drawing/2014/main" id="{B57097BE-88D7-4183-97F0-C4CA875E4F78}"/>
-              </a:ext>
-            </a:extLst>
-          </p:cNvPr>
-          <p:cNvCxnSpPr>
-            <a:stCxn id="99" idx="3"/>
-            <a:endCxn id="71" idx="1"/>
-          </p:cNvCxnSpPr>
-          <p:nvPr/>
-        </p:nvCxnSpPr>
-        <p:spPr>
-          <a:xfrm flipV="1">
-            <a:off x="3995908" y="2627358"/>
-            <a:ext cx="233192" cy="1"/>
-          </a:xfrm>
-          <a:prstGeom prst="straightConnector1">
-            <a:avLst/>
-          </a:prstGeom>
-          <a:ln>
-            <a:tailEnd type="triangle"/>
-          </a:ln>
-        </p:spPr>
-        <p:style>
-          <a:lnRef idx="2">
-            <a:schemeClr val="dk1"/>
-          </a:lnRef>
-          <a:fillRef idx="0">
-            <a:schemeClr val="dk1"/>
-          </a:fillRef>
-          <a:effectRef idx="1">
-            <a:schemeClr val="dk1"/>
-          </a:effectRef>
-          <a:fontRef idx="minor">
-            <a:schemeClr val="tx1"/>
-          </a:fontRef>
-        </p:style>
-      </p:cxnSp>
-      <p:sp>
-        <p:nvSpPr>
-          <p:cNvPr id="106" name="Flowchart: Preparation 105">
-            <a:extLst>
-              <a:ext uri="{FF2B5EF4-FFF2-40B4-BE49-F238E27FC236}">
-                <a16:creationId xmlns:a16="http://schemas.microsoft.com/office/drawing/2014/main" id="{E06FD096-B6BC-4888-B621-5B4AD7281B6E}"/>
+                <a16:creationId xmlns:a16="http://schemas.microsoft.com/office/drawing/2014/main" id="{EB7DE77D-0E0F-4E13-82EE-A0F5B2E1354A}"/>
               </a:ext>
             </a:extLst>
           </p:cNvPr>
@@ -4892,12 +4445,70 @@
         </p:nvSpPr>
         <p:spPr>
           <a:xfrm>
-            <a:off x="5219700" y="2118256"/>
+            <a:off x="5388629" y="2005864"/>
+            <a:ext cx="457200" cy="419100"/>
+          </a:xfrm>
+          <a:prstGeom prst="flowChartDecision">
+            <a:avLst/>
+          </a:prstGeom>
+          <a:ln>
+            <a:solidFill>
+              <a:schemeClr val="tx1"/>
+            </a:solidFill>
+          </a:ln>
+        </p:spPr>
+        <p:style>
+          <a:lnRef idx="1">
+            <a:schemeClr val="accent2"/>
+          </a:lnRef>
+          <a:fillRef idx="2">
+            <a:schemeClr val="accent2"/>
+          </a:fillRef>
+          <a:effectRef idx="1">
+            <a:schemeClr val="accent2"/>
+          </a:effectRef>
+          <a:fontRef idx="minor">
+            <a:schemeClr val="dk1"/>
+          </a:fontRef>
+        </p:style>
+        <p:txBody>
+          <a:bodyPr lIns="0" tIns="0" rIns="0" bIns="0" rtlCol="0" anchor="ctr"/>
+          <a:lstStyle/>
+          <a:p>
+            <a:pPr algn="ctr"/>
+            <a:r>
+              <a:rPr lang="en-US" sz="900" dirty="0"/>
+              <a:t>IF</a:t>
+            </a:r>
+          </a:p>
+        </p:txBody>
+      </p:sp>
+      <p:sp>
+        <p:nvSpPr>
+          <p:cNvPr id="42" name="Flowchart: Preparation 41">
+            <a:extLst>
+              <a:ext uri="{FF2B5EF4-FFF2-40B4-BE49-F238E27FC236}">
+                <a16:creationId xmlns:a16="http://schemas.microsoft.com/office/drawing/2014/main" id="{8878AFBA-C76C-48BB-A1A0-67749FC1F86C}"/>
+              </a:ext>
+            </a:extLst>
+          </p:cNvPr>
+          <p:cNvSpPr/>
+          <p:nvPr/>
+        </p:nvSpPr>
+        <p:spPr>
+          <a:xfrm>
+            <a:off x="6312146" y="1672926"/>
             <a:ext cx="800100" cy="152400"/>
           </a:xfrm>
           <a:prstGeom prst="flowChartPreparation">
             <a:avLst/>
           </a:prstGeom>
+          <a:solidFill>
+            <a:schemeClr val="accent6">
+              <a:lumMod val="20000"/>
+              <a:lumOff val="80000"/>
+            </a:schemeClr>
+          </a:solidFill>
         </p:spPr>
         <p:style>
           <a:lnRef idx="1">
@@ -4927,23 +4538,23 @@
       </p:sp>
       <p:cxnSp>
         <p:nvCxnSpPr>
-          <p:cNvPr id="115" name="Connector: Elbow 114">
+          <p:cNvPr id="43" name="Connector: Elbow 42">
             <a:extLst>
               <a:ext uri="{FF2B5EF4-FFF2-40B4-BE49-F238E27FC236}">
-                <a16:creationId xmlns:a16="http://schemas.microsoft.com/office/drawing/2014/main" id="{0B851C3A-F214-4173-B9D2-633561BD4383}"/>
+                <a16:creationId xmlns:a16="http://schemas.microsoft.com/office/drawing/2014/main" id="{1C365A43-61CF-4082-9A4F-AD7D7C8C1090}"/>
               </a:ext>
             </a:extLst>
           </p:cNvPr>
           <p:cNvCxnSpPr>
-            <a:stCxn id="71" idx="0"/>
-            <a:endCxn id="106" idx="1"/>
+            <a:stCxn id="41" idx="0"/>
+            <a:endCxn id="42" idx="1"/>
           </p:cNvCxnSpPr>
           <p:nvPr/>
         </p:nvCxnSpPr>
         <p:spPr>
           <a:xfrm rot="5400000" flipH="1" flipV="1">
-            <a:off x="4727024" y="1925132"/>
-            <a:ext cx="223352" cy="762000"/>
+            <a:off x="5836318" y="1530037"/>
+            <a:ext cx="256738" cy="694917"/>
           </a:xfrm>
           <a:prstGeom prst="bentConnector2">
             <a:avLst/>
@@ -4969,10 +4580,10 @@
       </p:cxnSp>
       <p:sp>
         <p:nvSpPr>
-          <p:cNvPr id="117" name="TextBox 116">
+          <p:cNvPr id="44" name="TextBox 43">
             <a:extLst>
               <a:ext uri="{FF2B5EF4-FFF2-40B4-BE49-F238E27FC236}">
-                <a16:creationId xmlns:a16="http://schemas.microsoft.com/office/drawing/2014/main" id="{BD7E4231-2EFD-4361-AD81-E2A9D000C968}"/>
+                <a16:creationId xmlns:a16="http://schemas.microsoft.com/office/drawing/2014/main" id="{9B53E1A9-AE2B-4705-88EA-A0C38F4F14FA}"/>
               </a:ext>
             </a:extLst>
           </p:cNvPr>
@@ -4981,7 +4592,7 @@
         </p:nvSpPr>
         <p:spPr>
           <a:xfrm>
-            <a:off x="4539276" y="2096360"/>
+            <a:off x="5682008" y="1634040"/>
             <a:ext cx="351058" cy="107722"/>
           </a:xfrm>
           <a:prstGeom prst="rect">
@@ -5002,12 +4613,47 @@
           </a:p>
         </p:txBody>
       </p:sp>
+      <p:sp>
+        <p:nvSpPr>
+          <p:cNvPr id="45" name="TextBox 44">
+            <a:extLst>
+              <a:ext uri="{FF2B5EF4-FFF2-40B4-BE49-F238E27FC236}">
+                <a16:creationId xmlns:a16="http://schemas.microsoft.com/office/drawing/2014/main" id="{FACB9052-375F-4A88-861D-BEE2E04C8AA8}"/>
+              </a:ext>
+            </a:extLst>
+          </p:cNvPr>
+          <p:cNvSpPr txBox="1"/>
+          <p:nvPr/>
+        </p:nvSpPr>
+        <p:spPr>
+          <a:xfrm>
+            <a:off x="5902863" y="2099762"/>
+            <a:ext cx="351058" cy="107722"/>
+          </a:xfrm>
+          <a:prstGeom prst="rect">
+            <a:avLst/>
+          </a:prstGeom>
+          <a:noFill/>
+        </p:spPr>
+        <p:txBody>
+          <a:bodyPr wrap="none" lIns="0" tIns="0" rIns="0" bIns="0" rtlCol="0">
+            <a:spAutoFit/>
+          </a:bodyPr>
+          <a:lstStyle/>
+          <a:p>
+            <a:r>
+              <a:rPr lang="en-US" sz="700" dirty="0"/>
+              <a:t>Count &gt; 0</a:t>
+            </a:r>
+          </a:p>
+        </p:txBody>
+      </p:sp>
       <p:grpSp>
         <p:nvGrpSpPr>
-          <p:cNvPr id="119" name="Group 118">
+          <p:cNvPr id="48" name="Group 47">
             <a:extLst>
               <a:ext uri="{FF2B5EF4-FFF2-40B4-BE49-F238E27FC236}">
-                <a16:creationId xmlns:a16="http://schemas.microsoft.com/office/drawing/2014/main" id="{08AB96F0-7BD4-404B-906F-ABFD389024AC}"/>
+                <a16:creationId xmlns:a16="http://schemas.microsoft.com/office/drawing/2014/main" id="{11B5535C-5E21-4855-AF54-91A7581F0012}"/>
               </a:ext>
             </a:extLst>
           </p:cNvPr>
@@ -5016,7 +4662,7 @@
         </p:nvGrpSpPr>
         <p:grpSpPr>
           <a:xfrm>
-            <a:off x="1670937" y="3641790"/>
+            <a:off x="2747600" y="3107990"/>
             <a:ext cx="3354597" cy="908239"/>
             <a:chOff x="1104900" y="1627850"/>
             <a:chExt cx="1143000" cy="848988"/>
@@ -5024,10 +4670,10 @@
         </p:grpSpPr>
         <p:sp>
           <p:nvSpPr>
-            <p:cNvPr id="120" name="Flowchart: Alternate Process 119">
+            <p:cNvPr id="49" name="Flowchart: Alternate Process 48">
               <a:extLst>
                 <a:ext uri="{FF2B5EF4-FFF2-40B4-BE49-F238E27FC236}">
-                  <a16:creationId xmlns:a16="http://schemas.microsoft.com/office/drawing/2014/main" id="{DB572FC7-C58F-46A3-B0A1-7B513BA1B6FF}"/>
+                  <a16:creationId xmlns:a16="http://schemas.microsoft.com/office/drawing/2014/main" id="{6775C70E-1B2F-4C3B-B39F-9078D73865D2}"/>
                 </a:ext>
               </a:extLst>
             </p:cNvPr>
@@ -5077,10 +4723,10 @@
         </p:sp>
         <p:sp>
           <p:nvSpPr>
-            <p:cNvPr id="121" name="Flowchart: Process 120">
+            <p:cNvPr id="50" name="Flowchart: Process 49">
               <a:extLst>
                 <a:ext uri="{FF2B5EF4-FFF2-40B4-BE49-F238E27FC236}">
-                  <a16:creationId xmlns:a16="http://schemas.microsoft.com/office/drawing/2014/main" id="{DA928558-5792-47D7-B9B3-A298601700CF}"/>
+                  <a16:creationId xmlns:a16="http://schemas.microsoft.com/office/drawing/2014/main" id="{F56C8D30-A2ED-4F17-840D-542FBB88D4BE}"/>
                 </a:ext>
               </a:extLst>
             </p:cNvPr>
@@ -5166,7 +4812,7 @@
                   </a:solidFill>
                   <a:latin typeface="Consolas" panose="020B0609020204030204" pitchFamily="49" charset="0"/>
                 </a:rPr>
-                <a:t>(“PARCELS”, …) </a:t>
+                <a:t>(“PARCELS”, ...) </a:t>
               </a:r>
               <a:r>
                 <a:rPr lang="en-US" sz="700" dirty="0">
@@ -5320,7 +4966,7 @@
                   </a:solidFill>
                   <a:latin typeface="Consolas" panose="020B0609020204030204" pitchFamily="49" charset="0"/>
                 </a:rPr>
-                <a:t>] (…)</a:t>
+                <a:t>] (...)</a:t>
               </a:r>
             </a:p>
             <a:p>
@@ -5533,7 +5179,7 @@
                   </a:solidFill>
                   <a:latin typeface="Consolas" panose="020B0609020204030204" pitchFamily="49" charset="0"/>
                 </a:rPr>
-                <a:t>[…] (…)</a:t>
+                <a:t>[...] (...)</a:t>
               </a:r>
             </a:p>
           </p:txBody>
@@ -5541,28 +5187,28 @@
       </p:grpSp>
       <p:cxnSp>
         <p:nvCxnSpPr>
-          <p:cNvPr id="123" name="Connector: Elbow 122">
+          <p:cNvPr id="52" name="Connector: Elbow 51">
             <a:extLst>
               <a:ext uri="{FF2B5EF4-FFF2-40B4-BE49-F238E27FC236}">
-                <a16:creationId xmlns:a16="http://schemas.microsoft.com/office/drawing/2014/main" id="{4A2A2777-F501-4D1B-A2FC-1593BAF8653C}"/>
+                <a16:creationId xmlns:a16="http://schemas.microsoft.com/office/drawing/2014/main" id="{805EAC5C-7F06-45BF-8418-E217720465E5}"/>
               </a:ext>
             </a:extLst>
           </p:cNvPr>
           <p:cNvCxnSpPr>
             <a:cxnSpLocks/>
-            <a:stCxn id="71" idx="3"/>
-            <a:endCxn id="121" idx="3"/>
+            <a:stCxn id="41" idx="3"/>
+            <a:endCxn id="50" idx="3"/>
           </p:cNvCxnSpPr>
           <p:nvPr/>
         </p:nvCxnSpPr>
         <p:spPr>
           <a:xfrm>
-            <a:off x="4686300" y="2627358"/>
-            <a:ext cx="339234" cy="1555662"/>
+            <a:off x="5845829" y="2215414"/>
+            <a:ext cx="256368" cy="1433804"/>
           </a:xfrm>
           <a:prstGeom prst="bentConnector3">
             <a:avLst>
-              <a:gd name="adj1" fmla="val 167387"/>
+              <a:gd name="adj1" fmla="val 189169"/>
             </a:avLst>
           </a:prstGeom>
           <a:ln>
@@ -5586,45 +5232,70 @@
       </p:cxnSp>
       <p:sp>
         <p:nvSpPr>
-          <p:cNvPr id="124" name="TextBox 123">
+          <p:cNvPr id="53" name="Flowchart: Predefined Process 52">
             <a:extLst>
               <a:ext uri="{FF2B5EF4-FFF2-40B4-BE49-F238E27FC236}">
-                <a16:creationId xmlns:a16="http://schemas.microsoft.com/office/drawing/2014/main" id="{94FC560A-6FD8-4693-B4D6-9D89C77BC56B}"/>
+                <a16:creationId xmlns:a16="http://schemas.microsoft.com/office/drawing/2014/main" id="{B82D3418-8BC4-47CD-B565-8101D7919629}"/>
               </a:ext>
             </a:extLst>
           </p:cNvPr>
-          <p:cNvSpPr txBox="1"/>
+          <p:cNvSpPr/>
           <p:nvPr/>
         </p:nvSpPr>
         <p:spPr>
           <a:xfrm>
-            <a:off x="4736751" y="2521235"/>
-            <a:ext cx="351058" cy="107722"/>
-          </a:xfrm>
-          <a:prstGeom prst="rect">
+            <a:off x="683321" y="3143745"/>
+            <a:ext cx="834807" cy="328996"/>
+          </a:xfrm>
+          <a:prstGeom prst="flowChartPredefinedProcess">
             <a:avLst/>
           </a:prstGeom>
-          <a:noFill/>
-        </p:spPr>
-        <p:txBody>
-          <a:bodyPr wrap="none" lIns="0" tIns="0" rIns="0" bIns="0" rtlCol="0">
-            <a:spAutoFit/>
-          </a:bodyPr>
+          <a:ln>
+            <a:solidFill>
+              <a:schemeClr val="tx1"/>
+            </a:solidFill>
+          </a:ln>
+        </p:spPr>
+        <p:style>
+          <a:lnRef idx="1">
+            <a:schemeClr val="accent4"/>
+          </a:lnRef>
+          <a:fillRef idx="2">
+            <a:schemeClr val="accent4"/>
+          </a:fillRef>
+          <a:effectRef idx="1">
+            <a:schemeClr val="accent4"/>
+          </a:effectRef>
+          <a:fontRef idx="minor">
+            <a:schemeClr val="dk1"/>
+          </a:fontRef>
+        </p:style>
+        <p:txBody>
+          <a:bodyPr lIns="0" tIns="0" rIns="0" bIns="0" rtlCol="0" anchor="ctr"/>
           <a:lstStyle/>
           <a:p>
-            <a:r>
-              <a:rPr lang="en-US" sz="700" dirty="0"/>
-              <a:t>Count &gt; 0</a:t>
-            </a:r>
+            <a:pPr algn="ctr"/>
+            <a:r>
+              <a:rPr lang="en-US" sz="900" dirty="0"/>
+              <a:t>NBRSUM</a:t>
+            </a:r>
+            <a:br>
+              <a:rPr lang="en-US" sz="800" dirty="0"/>
+            </a:br>
+            <a:r>
+              <a:rPr lang="en-US" sz="800" dirty="0"/>
+              <a:t>&lt;&lt;TBL&gt;&gt;</a:t>
+            </a:r>
+            <a:endParaRPr lang="en-US" sz="900" dirty="0"/>
           </a:p>
         </p:txBody>
       </p:sp>
       <p:grpSp>
         <p:nvGrpSpPr>
-          <p:cNvPr id="126" name="Group 125">
+          <p:cNvPr id="54" name="Group 53">
             <a:extLst>
               <a:ext uri="{FF2B5EF4-FFF2-40B4-BE49-F238E27FC236}">
-                <a16:creationId xmlns:a16="http://schemas.microsoft.com/office/drawing/2014/main" id="{48CAA0E6-FDA8-42C7-93E8-1AB6B5A39DDB}"/>
+                <a16:creationId xmlns:a16="http://schemas.microsoft.com/office/drawing/2014/main" id="{91C84EF9-8491-45C1-AFE5-FD62EE138304}"/>
               </a:ext>
             </a:extLst>
           </p:cNvPr>
@@ -5633,18 +5304,18 @@
         </p:nvGrpSpPr>
         <p:grpSpPr>
           <a:xfrm>
-            <a:off x="1461532" y="2994864"/>
-            <a:ext cx="2600158" cy="384211"/>
+            <a:off x="2194683" y="2510331"/>
+            <a:ext cx="2600158" cy="439590"/>
             <a:chOff x="1099179" y="1667171"/>
-            <a:chExt cx="1143000" cy="416296"/>
+            <a:chExt cx="1143000" cy="476296"/>
           </a:xfrm>
         </p:grpSpPr>
         <p:sp>
           <p:nvSpPr>
-            <p:cNvPr id="127" name="Flowchart: Alternate Process 126">
+            <p:cNvPr id="55" name="Flowchart: Alternate Process 54">
               <a:extLst>
                 <a:ext uri="{FF2B5EF4-FFF2-40B4-BE49-F238E27FC236}">
-                  <a16:creationId xmlns:a16="http://schemas.microsoft.com/office/drawing/2014/main" id="{0C0E49D0-6160-4EE7-A246-1E100EF80872}"/>
+                  <a16:creationId xmlns:a16="http://schemas.microsoft.com/office/drawing/2014/main" id="{D3D763AF-DA6D-4170-AF15-A11F80EC96EA}"/>
                 </a:ext>
               </a:extLst>
             </p:cNvPr>
@@ -5694,10 +5365,10 @@
         </p:sp>
         <p:sp>
           <p:nvSpPr>
-            <p:cNvPr id="128" name="Flowchart: Process 127">
+            <p:cNvPr id="56" name="Flowchart: Process 55">
               <a:extLst>
                 <a:ext uri="{FF2B5EF4-FFF2-40B4-BE49-F238E27FC236}">
-                  <a16:creationId xmlns:a16="http://schemas.microsoft.com/office/drawing/2014/main" id="{B1E37B98-03AA-4489-8675-7973EE6E93F6}"/>
+                  <a16:creationId xmlns:a16="http://schemas.microsoft.com/office/drawing/2014/main" id="{BDE33DFA-6C98-4405-8D5E-4B9AC481A0B1}"/>
                 </a:ext>
               </a:extLst>
             </p:cNvPr>
@@ -5706,8 +5377,8 @@
           </p:nvSpPr>
           <p:spPr>
             <a:xfrm>
-              <a:off x="1099179" y="1838450"/>
-              <a:ext cx="1143000" cy="245017"/>
+              <a:off x="1099179" y="1838439"/>
+              <a:ext cx="1143000" cy="305028"/>
             </a:xfrm>
             <a:prstGeom prst="flowChartProcess">
               <a:avLst/>
@@ -5828,129 +5499,29 @@
       </p:grpSp>
       <p:cxnSp>
         <p:nvCxnSpPr>
-          <p:cNvPr id="130" name="Connector: Elbow 129">
+          <p:cNvPr id="58" name="Connector: Elbow 57">
             <a:extLst>
               <a:ext uri="{FF2B5EF4-FFF2-40B4-BE49-F238E27FC236}">
-                <a16:creationId xmlns:a16="http://schemas.microsoft.com/office/drawing/2014/main" id="{F78658A3-1FB5-4A8C-8687-83E8E196F579}"/>
+                <a16:creationId xmlns:a16="http://schemas.microsoft.com/office/drawing/2014/main" id="{140172FD-8487-4B3D-9F04-14B8B19F7EDC}"/>
               </a:ext>
             </a:extLst>
           </p:cNvPr>
           <p:cNvCxnSpPr>
             <a:cxnSpLocks/>
-            <a:stCxn id="38" idx="2"/>
-            <a:endCxn id="127" idx="1"/>
+            <a:stCxn id="31" idx="3"/>
+            <a:endCxn id="55" idx="1"/>
           </p:cNvCxnSpPr>
           <p:nvPr/>
         </p:nvCxnSpPr>
         <p:spPr>
-          <a:xfrm rot="16200000" flipH="1">
-            <a:off x="827411" y="2447493"/>
-            <a:ext cx="757514" cy="510728"/>
-          </a:xfrm>
-          <a:prstGeom prst="bentConnector2">
-            <a:avLst/>
-          </a:prstGeom>
-          <a:ln>
-            <a:tailEnd type="triangle"/>
-          </a:ln>
-        </p:spPr>
-        <p:style>
-          <a:lnRef idx="2">
-            <a:schemeClr val="dk1"/>
-          </a:lnRef>
-          <a:fillRef idx="0">
-            <a:schemeClr val="dk1"/>
-          </a:fillRef>
-          <a:effectRef idx="1">
-            <a:schemeClr val="dk1"/>
-          </a:effectRef>
-          <a:fontRef idx="minor">
-            <a:schemeClr val="tx1"/>
-          </a:fontRef>
-        </p:style>
-      </p:cxnSp>
-      <p:sp>
-        <p:nvSpPr>
-          <p:cNvPr id="132" name="Flowchart: Predefined Process 131">
-            <a:extLst>
-              <a:ext uri="{FF2B5EF4-FFF2-40B4-BE49-F238E27FC236}">
-                <a16:creationId xmlns:a16="http://schemas.microsoft.com/office/drawing/2014/main" id="{A577BCBD-0C03-4C8C-B23F-C22E8FB9BE12}"/>
-              </a:ext>
-            </a:extLst>
-          </p:cNvPr>
-          <p:cNvSpPr/>
-          <p:nvPr/>
-        </p:nvSpPr>
-        <p:spPr>
           <a:xfrm>
-            <a:off x="500064" y="3460699"/>
-            <a:ext cx="834807" cy="328996"/>
-          </a:xfrm>
-          <a:prstGeom prst="flowChartPredefinedProcess">
-            <a:avLst/>
-          </a:prstGeom>
-          <a:ln>
-            <a:solidFill>
-              <a:schemeClr val="tx1"/>
-            </a:solidFill>
-          </a:ln>
-        </p:spPr>
-        <p:style>
-          <a:lnRef idx="1">
-            <a:schemeClr val="accent4"/>
-          </a:lnRef>
-          <a:fillRef idx="2">
-            <a:schemeClr val="accent4"/>
-          </a:fillRef>
-          <a:effectRef idx="1">
-            <a:schemeClr val="accent4"/>
-          </a:effectRef>
-          <a:fontRef idx="minor">
-            <a:schemeClr val="dk1"/>
-          </a:fontRef>
-        </p:style>
-        <p:txBody>
-          <a:bodyPr lIns="0" tIns="0" rIns="0" bIns="0" rtlCol="0" anchor="ctr"/>
-          <a:lstStyle/>
-          <a:p>
-            <a:pPr algn="ctr"/>
-            <a:r>
-              <a:rPr lang="en-US" sz="900" dirty="0"/>
-              <a:t>NBRSUM</a:t>
-            </a:r>
-            <a:br>
-              <a:rPr lang="en-US" sz="800" dirty="0"/>
-            </a:br>
-            <a:r>
-              <a:rPr lang="en-US" sz="800" dirty="0"/>
-              <a:t>&lt;&lt;TBL&gt;&gt;</a:t>
-            </a:r>
-            <a:endParaRPr lang="en-US" sz="900" dirty="0"/>
-          </a:p>
-        </p:txBody>
-      </p:sp>
-      <p:cxnSp>
-        <p:nvCxnSpPr>
-          <p:cNvPr id="134" name="Connector: Elbow 133">
-            <a:extLst>
-              <a:ext uri="{FF2B5EF4-FFF2-40B4-BE49-F238E27FC236}">
-                <a16:creationId xmlns:a16="http://schemas.microsoft.com/office/drawing/2014/main" id="{A8627CB1-2174-48BA-A715-89DD60093676}"/>
-              </a:ext>
-            </a:extLst>
-          </p:cNvPr>
-          <p:cNvCxnSpPr>
-            <a:stCxn id="128" idx="1"/>
-            <a:endCxn id="132" idx="0"/>
-          </p:cNvCxnSpPr>
-          <p:nvPr/>
-        </p:nvCxnSpPr>
-        <p:spPr>
-          <a:xfrm rot="10800000" flipV="1">
-            <a:off x="917468" y="3266007"/>
-            <a:ext cx="544064" cy="194691"/>
-          </a:xfrm>
-          <a:prstGeom prst="bentConnector2">
-            <a:avLst/>
+            <a:off x="1440986" y="2029596"/>
+            <a:ext cx="753697" cy="567486"/>
+          </a:xfrm>
+          <a:prstGeom prst="bentConnector3">
+            <a:avLst>
+              <a:gd name="adj1" fmla="val 50000"/>
+            </a:avLst>
           </a:prstGeom>
           <a:ln>
             <a:tailEnd type="triangle"/>
@@ -5973,24 +5544,24 @@
       </p:cxnSp>
       <p:cxnSp>
         <p:nvCxnSpPr>
-          <p:cNvPr id="136" name="Connector: Elbow 135">
+          <p:cNvPr id="61" name="Connector: Elbow 60">
             <a:extLst>
               <a:ext uri="{FF2B5EF4-FFF2-40B4-BE49-F238E27FC236}">
-                <a16:creationId xmlns:a16="http://schemas.microsoft.com/office/drawing/2014/main" id="{0E89F9C6-3846-43DA-BF4F-D56CBAE3FF42}"/>
+                <a16:creationId xmlns:a16="http://schemas.microsoft.com/office/drawing/2014/main" id="{830B3C84-51CD-45A9-B5C4-98058A4815D4}"/>
               </a:ext>
             </a:extLst>
           </p:cNvPr>
           <p:cNvCxnSpPr>
             <a:cxnSpLocks/>
-            <a:stCxn id="132" idx="1"/>
-            <a:endCxn id="4" idx="3"/>
+            <a:stCxn id="56" idx="1"/>
+            <a:endCxn id="53" idx="0"/>
           </p:cNvCxnSpPr>
           <p:nvPr/>
         </p:nvCxnSpPr>
         <p:spPr>
-          <a:xfrm rot="10800000">
-            <a:off x="277258" y="955701"/>
-            <a:ext cx="222807" cy="2669497"/>
+          <a:xfrm rot="10800000" flipV="1">
+            <a:off x="1100725" y="2809161"/>
+            <a:ext cx="1093958" cy="334584"/>
           </a:xfrm>
           <a:prstGeom prst="bentConnector2">
             <a:avLst/>
@@ -6016,23 +5587,24 @@
       </p:cxnSp>
       <p:cxnSp>
         <p:nvCxnSpPr>
-          <p:cNvPr id="145" name="Connector: Elbow 144">
+          <p:cNvPr id="64" name="Connector: Elbow 63">
             <a:extLst>
               <a:ext uri="{FF2B5EF4-FFF2-40B4-BE49-F238E27FC236}">
-                <a16:creationId xmlns:a16="http://schemas.microsoft.com/office/drawing/2014/main" id="{00E3CD1B-BA4A-4C76-8A15-92C2DA2FECF4}"/>
+                <a16:creationId xmlns:a16="http://schemas.microsoft.com/office/drawing/2014/main" id="{91786FDD-245E-4813-B862-4C07E0064740}"/>
               </a:ext>
             </a:extLst>
           </p:cNvPr>
           <p:cNvCxnSpPr>
-            <a:stCxn id="106" idx="3"/>
-            <a:endCxn id="56" idx="0"/>
+            <a:cxnSpLocks/>
+            <a:stCxn id="53" idx="1"/>
+            <a:endCxn id="4" idx="3"/>
           </p:cNvCxnSpPr>
           <p:nvPr/>
         </p:nvCxnSpPr>
         <p:spPr>
-          <a:xfrm>
-            <a:off x="6019800" y="2194456"/>
-            <a:ext cx="552450" cy="5540226"/>
+          <a:xfrm rot="10800000">
+            <a:off x="361147" y="1061287"/>
+            <a:ext cx="322175" cy="2246956"/>
           </a:xfrm>
           <a:prstGeom prst="bentConnector2">
             <a:avLst/>
@@ -6058,10 +5630,10 @@
       </p:cxnSp>
       <p:graphicFrame>
         <p:nvGraphicFramePr>
-          <p:cNvPr id="150" name="Table 150">
+          <p:cNvPr id="65" name="Table 150">
             <a:extLst>
               <a:ext uri="{FF2B5EF4-FFF2-40B4-BE49-F238E27FC236}">
-                <a16:creationId xmlns:a16="http://schemas.microsoft.com/office/drawing/2014/main" id="{AC930BC0-262E-43CC-ADBC-223379C1509C}"/>
+                <a16:creationId xmlns:a16="http://schemas.microsoft.com/office/drawing/2014/main" id="{7FF82B32-E2F0-4FE1-9F31-90A209DDF110}"/>
               </a:ext>
             </a:extLst>
           </p:cNvPr>
@@ -6071,14 +5643,14 @@
           <p:nvPr>
             <p:extLst>
               <p:ext uri="{D42A27DB-BD31-4B8C-83A1-F6EECF244321}">
-                <p14:modId xmlns:p14="http://schemas.microsoft.com/office/powerpoint/2010/main" val="539701420"/>
+                <p14:modId xmlns:p14="http://schemas.microsoft.com/office/powerpoint/2010/main" val="1984880894"/>
               </p:ext>
             </p:extLst>
           </p:nvPr>
         </p:nvGraphicFramePr>
         <p:xfrm>
-          <a:off x="339817" y="4797044"/>
-          <a:ext cx="1914739" cy="788114"/>
+          <a:off x="383335" y="4389622"/>
+          <a:ext cx="1730574" cy="788114"/>
         </p:xfrm>
         <a:graphic>
           <a:graphicData uri="http://schemas.openxmlformats.org/drawingml/2006/table">
@@ -6087,14 +5659,14 @@
                 <a:tableStyleId>{D27102A9-8310-4765-A935-A1911B00CA55}</a:tableStyleId>
               </a:tblPr>
               <a:tblGrid>
-                <a:gridCol w="212725">
+                <a:gridCol w="192265">
                   <a:extLst>
                     <a:ext uri="{9D8B030D-6E8A-4147-A177-3AD203B41FA5}">
                       <a16:colId xmlns:a16="http://schemas.microsoft.com/office/drawing/2014/main" val="2113175673"/>
                     </a:ext>
                   </a:extLst>
                 </a:gridCol>
-                <a:gridCol w="1702014">
+                <a:gridCol w="1538309">
                   <a:extLst>
                     <a:ext uri="{9D8B030D-6E8A-4147-A177-3AD203B41FA5}">
                       <a16:colId xmlns:a16="http://schemas.microsoft.com/office/drawing/2014/main" val="2425931665"/>
@@ -6304,35 +5876,32 @@
       </p:graphicFrame>
       <p:cxnSp>
         <p:nvCxnSpPr>
-          <p:cNvPr id="156" name="Connector: Elbow 155">
+          <p:cNvPr id="67" name="Connector: Elbow 66">
             <a:extLst>
               <a:ext uri="{FF2B5EF4-FFF2-40B4-BE49-F238E27FC236}">
-                <a16:creationId xmlns:a16="http://schemas.microsoft.com/office/drawing/2014/main" id="{6C2B186C-2875-4E4D-8202-A619B8827CEC}"/>
+                <a16:creationId xmlns:a16="http://schemas.microsoft.com/office/drawing/2014/main" id="{27B88D74-F62D-4814-A3CC-227F5C81114B}"/>
               </a:ext>
             </a:extLst>
           </p:cNvPr>
           <p:cNvCxnSpPr>
             <a:cxnSpLocks/>
-            <a:stCxn id="5" idx="2"/>
-            <a:endCxn id="150" idx="1"/>
+            <a:stCxn id="65" idx="3"/>
+            <a:endCxn id="50" idx="1"/>
           </p:cNvCxnSpPr>
           <p:nvPr/>
         </p:nvCxnSpPr>
         <p:spPr>
-          <a:xfrm rot="5400000">
-            <a:off x="-1435242" y="2682234"/>
-            <a:ext cx="4283927" cy="733807"/>
-          </a:xfrm>
-          <a:prstGeom prst="bentConnector4">
+          <a:xfrm flipV="1">
+            <a:off x="2113909" y="3649218"/>
+            <a:ext cx="633691" cy="1134461"/>
+          </a:xfrm>
+          <a:prstGeom prst="bentConnector3">
             <a:avLst>
-              <a:gd name="adj1" fmla="val 11160"/>
-              <a:gd name="adj2" fmla="val 131153"/>
+              <a:gd name="adj1" fmla="val 50000"/>
             </a:avLst>
           </a:prstGeom>
           <a:ln>
-            <a:prstDash val="dash"/>
-            <a:headEnd type="triangle" w="med" len="med"/>
-            <a:tailEnd type="triangle" w="med" len="med"/>
+            <a:tailEnd type="triangle"/>
           </a:ln>
         </p:spPr>
         <p:style>
@@ -6352,34 +5921,34 @@
       </p:cxnSp>
       <p:cxnSp>
         <p:nvCxnSpPr>
-          <p:cNvPr id="161" name="Connector: Elbow 160">
+          <p:cNvPr id="70" name="Connector: Elbow 69">
             <a:extLst>
               <a:ext uri="{FF2B5EF4-FFF2-40B4-BE49-F238E27FC236}">
-                <a16:creationId xmlns:a16="http://schemas.microsoft.com/office/drawing/2014/main" id="{6F439EB7-8BB5-4A26-B376-F8267A52BABB}"/>
+                <a16:creationId xmlns:a16="http://schemas.microsoft.com/office/drawing/2014/main" id="{B886B6C6-47CA-420B-BF4A-C058CD6BFA0C}"/>
               </a:ext>
             </a:extLst>
           </p:cNvPr>
           <p:cNvCxnSpPr>
             <a:cxnSpLocks/>
-            <a:endCxn id="150" idx="1"/>
+            <a:stCxn id="6" idx="2"/>
+            <a:endCxn id="65" idx="1"/>
           </p:cNvCxnSpPr>
           <p:nvPr/>
         </p:nvCxnSpPr>
         <p:spPr>
           <a:xfrm rot="5400000">
-            <a:off x="-887991" y="3571177"/>
-            <a:ext cx="2847732" cy="392116"/>
+            <a:off x="-1005534" y="2372224"/>
+            <a:ext cx="3800325" cy="1022585"/>
           </a:xfrm>
           <a:prstGeom prst="bentConnector4">
             <a:avLst>
-              <a:gd name="adj1" fmla="val 18776"/>
-              <a:gd name="adj2" fmla="val 158299"/>
+              <a:gd name="adj1" fmla="val 10379"/>
+              <a:gd name="adj2" fmla="val 122355"/>
             </a:avLst>
           </a:prstGeom>
-          <a:ln>
+          <a:ln w="9525">
             <a:prstDash val="dash"/>
-            <a:headEnd type="triangle" w="med" len="med"/>
-            <a:tailEnd type="triangle" w="med" len="med"/>
+            <a:tailEnd type="triangle"/>
           </a:ln>
         </p:spPr>
         <p:style>
@@ -6397,104 +5966,12 @@
           </a:fontRef>
         </p:style>
       </p:cxnSp>
-      <p:cxnSp>
-        <p:nvCxnSpPr>
-          <p:cNvPr id="165" name="Connector: Elbow 164">
+      <p:sp>
+        <p:nvSpPr>
+          <p:cNvPr id="97" name="Flowchart: Decision 96">
             <a:extLst>
               <a:ext uri="{FF2B5EF4-FFF2-40B4-BE49-F238E27FC236}">
-                <a16:creationId xmlns:a16="http://schemas.microsoft.com/office/drawing/2014/main" id="{61435BA8-0D1E-44D2-B01A-147607CA71EF}"/>
-              </a:ext>
-            </a:extLst>
-          </p:cNvPr>
-          <p:cNvCxnSpPr>
-            <a:cxnSpLocks/>
-            <a:stCxn id="132" idx="2"/>
-            <a:endCxn id="150" idx="1"/>
-          </p:cNvCxnSpPr>
-          <p:nvPr/>
-        </p:nvCxnSpPr>
-        <p:spPr>
-          <a:xfrm rot="5400000">
-            <a:off x="-72060" y="4201573"/>
-            <a:ext cx="1401406" cy="577651"/>
-          </a:xfrm>
-          <a:prstGeom prst="bentConnector4">
-            <a:avLst>
-              <a:gd name="adj1" fmla="val 35941"/>
-              <a:gd name="adj2" fmla="val 139574"/>
-            </a:avLst>
-          </a:prstGeom>
-          <a:ln>
-            <a:prstDash val="dash"/>
-            <a:headEnd type="triangle" w="med" len="med"/>
-            <a:tailEnd type="triangle" w="med" len="med"/>
-          </a:ln>
-        </p:spPr>
-        <p:style>
-          <a:lnRef idx="2">
-            <a:schemeClr val="dk1"/>
-          </a:lnRef>
-          <a:fillRef idx="0">
-            <a:schemeClr val="dk1"/>
-          </a:fillRef>
-          <a:effectRef idx="1">
-            <a:schemeClr val="dk1"/>
-          </a:effectRef>
-          <a:fontRef idx="minor">
-            <a:schemeClr val="tx1"/>
-          </a:fontRef>
-        </p:style>
-      </p:cxnSp>
-      <p:cxnSp>
-        <p:nvCxnSpPr>
-          <p:cNvPr id="183" name="Connector: Elbow 182">
-            <a:extLst>
-              <a:ext uri="{FF2B5EF4-FFF2-40B4-BE49-F238E27FC236}">
-                <a16:creationId xmlns:a16="http://schemas.microsoft.com/office/drawing/2014/main" id="{352A1B04-67FB-4FB9-A9A8-83CEBD5EE173}"/>
-              </a:ext>
-            </a:extLst>
-          </p:cNvPr>
-          <p:cNvCxnSpPr>
-            <a:cxnSpLocks/>
-            <a:stCxn id="150" idx="0"/>
-            <a:endCxn id="121" idx="1"/>
-          </p:cNvCxnSpPr>
-          <p:nvPr/>
-        </p:nvCxnSpPr>
-        <p:spPr>
-          <a:xfrm rot="5400000" flipH="1" flipV="1">
-            <a:off x="1177049" y="4303157"/>
-            <a:ext cx="614024" cy="373751"/>
-          </a:xfrm>
-          <a:prstGeom prst="bentConnector2">
-            <a:avLst/>
-          </a:prstGeom>
-          <a:ln>
-            <a:headEnd type="none"/>
-            <a:tailEnd type="triangle"/>
-          </a:ln>
-        </p:spPr>
-        <p:style>
-          <a:lnRef idx="2">
-            <a:schemeClr val="dk1"/>
-          </a:lnRef>
-          <a:fillRef idx="0">
-            <a:schemeClr val="dk1"/>
-          </a:fillRef>
-          <a:effectRef idx="1">
-            <a:schemeClr val="dk1"/>
-          </a:effectRef>
-          <a:fontRef idx="minor">
-            <a:schemeClr val="tx1"/>
-          </a:fontRef>
-        </p:style>
-      </p:cxnSp>
-      <p:sp>
-        <p:nvSpPr>
-          <p:cNvPr id="185" name="Flowchart: Decision 184">
-            <a:extLst>
-              <a:ext uri="{FF2B5EF4-FFF2-40B4-BE49-F238E27FC236}">
-                <a16:creationId xmlns:a16="http://schemas.microsoft.com/office/drawing/2014/main" id="{5BCC412D-3694-4358-914F-4D05BA6B1F60}"/>
+                <a16:creationId xmlns:a16="http://schemas.microsoft.com/office/drawing/2014/main" id="{B2B0FACB-B373-4AEE-86B0-235FC16F735E}"/>
               </a:ext>
             </a:extLst>
           </p:cNvPr>
@@ -6503,7 +5980,7 @@
         </p:nvSpPr>
         <p:spPr>
           <a:xfrm>
-            <a:off x="2536893" y="4873358"/>
+            <a:off x="4192586" y="4211071"/>
             <a:ext cx="457200" cy="419100"/>
           </a:xfrm>
           <a:prstGeom prst="flowChartDecision">
@@ -6541,96 +6018,12 @@
           </a:p>
         </p:txBody>
       </p:sp>
-      <p:cxnSp>
-        <p:nvCxnSpPr>
-          <p:cNvPr id="192" name="Straight Arrow Connector 191">
+      <p:sp>
+        <p:nvSpPr>
+          <p:cNvPr id="98" name="TextBox 97">
             <a:extLst>
               <a:ext uri="{FF2B5EF4-FFF2-40B4-BE49-F238E27FC236}">
-                <a16:creationId xmlns:a16="http://schemas.microsoft.com/office/drawing/2014/main" id="{A59BA704-1902-4006-BDE5-2A5E0E3B530E}"/>
-              </a:ext>
-            </a:extLst>
-          </p:cNvPr>
-          <p:cNvCxnSpPr>
-            <a:cxnSpLocks/>
-            <a:endCxn id="185" idx="0"/>
-          </p:cNvCxnSpPr>
-          <p:nvPr/>
-        </p:nvCxnSpPr>
-        <p:spPr>
-          <a:xfrm>
-            <a:off x="2765493" y="4548119"/>
-            <a:ext cx="0" cy="325239"/>
-          </a:xfrm>
-          <a:prstGeom prst="straightConnector1">
-            <a:avLst/>
-          </a:prstGeom>
-          <a:ln>
-            <a:tailEnd type="triangle"/>
-          </a:ln>
-        </p:spPr>
-        <p:style>
-          <a:lnRef idx="2">
-            <a:schemeClr val="dk1"/>
-          </a:lnRef>
-          <a:fillRef idx="0">
-            <a:schemeClr val="dk1"/>
-          </a:fillRef>
-          <a:effectRef idx="1">
-            <a:schemeClr val="dk1"/>
-          </a:effectRef>
-          <a:fontRef idx="minor">
-            <a:schemeClr val="tx1"/>
-          </a:fontRef>
-        </p:style>
-      </p:cxnSp>
-      <p:cxnSp>
-        <p:nvCxnSpPr>
-          <p:cNvPr id="195" name="Connector: Elbow 194">
-            <a:extLst>
-              <a:ext uri="{FF2B5EF4-FFF2-40B4-BE49-F238E27FC236}">
-                <a16:creationId xmlns:a16="http://schemas.microsoft.com/office/drawing/2014/main" id="{612C702C-7FA2-4B19-BB67-32147DA6F0C9}"/>
-              </a:ext>
-            </a:extLst>
-          </p:cNvPr>
-          <p:cNvCxnSpPr>
-            <a:stCxn id="185" idx="3"/>
-            <a:endCxn id="106" idx="2"/>
-          </p:cNvCxnSpPr>
-          <p:nvPr/>
-        </p:nvCxnSpPr>
-        <p:spPr>
-          <a:xfrm flipV="1">
-            <a:off x="2994093" y="2270656"/>
-            <a:ext cx="2625657" cy="2812252"/>
-          </a:xfrm>
-          <a:prstGeom prst="bentConnector2">
-            <a:avLst/>
-          </a:prstGeom>
-          <a:ln>
-            <a:tailEnd type="triangle"/>
-          </a:ln>
-        </p:spPr>
-        <p:style>
-          <a:lnRef idx="2">
-            <a:schemeClr val="dk1"/>
-          </a:lnRef>
-          <a:fillRef idx="0">
-            <a:schemeClr val="dk1"/>
-          </a:fillRef>
-          <a:effectRef idx="1">
-            <a:schemeClr val="dk1"/>
-          </a:effectRef>
-          <a:fontRef idx="minor">
-            <a:schemeClr val="tx1"/>
-          </a:fontRef>
-        </p:style>
-      </p:cxnSp>
-      <p:sp>
-        <p:nvSpPr>
-          <p:cNvPr id="196" name="TextBox 195">
-            <a:extLst>
-              <a:ext uri="{FF2B5EF4-FFF2-40B4-BE49-F238E27FC236}">
-                <a16:creationId xmlns:a16="http://schemas.microsoft.com/office/drawing/2014/main" id="{FA3DCD5B-EFAA-4012-AEDD-D529982B799F}"/>
+                <a16:creationId xmlns:a16="http://schemas.microsoft.com/office/drawing/2014/main" id="{865190A2-0A87-4528-888F-9F60E64F360B}"/>
               </a:ext>
             </a:extLst>
           </p:cNvPr>
@@ -6639,7 +6032,7 @@
         </p:nvSpPr>
         <p:spPr>
           <a:xfrm>
-            <a:off x="3030393" y="4977884"/>
+            <a:off x="4726534" y="4303042"/>
             <a:ext cx="586699" cy="107722"/>
           </a:xfrm>
           <a:prstGeom prst="rect">
@@ -6662,10 +6055,10 @@
       </p:sp>
       <p:sp>
         <p:nvSpPr>
-          <p:cNvPr id="199" name="Flowchart: Decision 198">
+          <p:cNvPr id="99" name="Flowchart: Decision 98">
             <a:extLst>
               <a:ext uri="{FF2B5EF4-FFF2-40B4-BE49-F238E27FC236}">
-                <a16:creationId xmlns:a16="http://schemas.microsoft.com/office/drawing/2014/main" id="{CF7FD9CA-DA88-4B8D-9051-49EA948B0F6A}"/>
+                <a16:creationId xmlns:a16="http://schemas.microsoft.com/office/drawing/2014/main" id="{407FA7F5-6708-465E-8253-C2AB168CC76E}"/>
               </a:ext>
             </a:extLst>
           </p:cNvPr>
@@ -6674,7 +6067,7 @@
         </p:nvSpPr>
         <p:spPr>
           <a:xfrm>
-            <a:off x="3378374" y="5585158"/>
+            <a:off x="4997230" y="4707901"/>
             <a:ext cx="457200" cy="419100"/>
           </a:xfrm>
           <a:prstGeom prst="flowChartDecision">
@@ -6714,23 +6107,23 @@
       </p:sp>
       <p:cxnSp>
         <p:nvCxnSpPr>
-          <p:cNvPr id="201" name="Connector: Elbow 200">
+          <p:cNvPr id="100" name="Connector: Elbow 99">
             <a:extLst>
               <a:ext uri="{FF2B5EF4-FFF2-40B4-BE49-F238E27FC236}">
-                <a16:creationId xmlns:a16="http://schemas.microsoft.com/office/drawing/2014/main" id="{F9B872B9-0410-4DD1-B969-4EDECD23C36A}"/>
+                <a16:creationId xmlns:a16="http://schemas.microsoft.com/office/drawing/2014/main" id="{DEE01CD8-8973-4E46-BCB2-4BA98BE3D182}"/>
               </a:ext>
             </a:extLst>
           </p:cNvPr>
           <p:cNvCxnSpPr>
-            <a:stCxn id="185" idx="2"/>
-            <a:endCxn id="199" idx="1"/>
+            <a:stCxn id="97" idx="2"/>
+            <a:endCxn id="99" idx="1"/>
           </p:cNvCxnSpPr>
           <p:nvPr/>
         </p:nvCxnSpPr>
         <p:spPr>
           <a:xfrm rot="16200000" flipH="1">
-            <a:off x="2820808" y="5237142"/>
-            <a:ext cx="502250" cy="612881"/>
+            <a:off x="4565568" y="4485789"/>
+            <a:ext cx="287280" cy="576044"/>
           </a:xfrm>
           <a:prstGeom prst="bentConnector2">
             <a:avLst/>
@@ -6756,10 +6149,10 @@
       </p:cxnSp>
       <p:sp>
         <p:nvSpPr>
-          <p:cNvPr id="202" name="TextBox 201">
+          <p:cNvPr id="101" name="TextBox 100">
             <a:extLst>
               <a:ext uri="{FF2B5EF4-FFF2-40B4-BE49-F238E27FC236}">
-                <a16:creationId xmlns:a16="http://schemas.microsoft.com/office/drawing/2014/main" id="{92A7578F-8635-41C7-BA7C-F77FC9B7208B}"/>
+                <a16:creationId xmlns:a16="http://schemas.microsoft.com/office/drawing/2014/main" id="{6D3308AE-3E36-4CCA-BD15-E3F6522449E2}"/>
               </a:ext>
             </a:extLst>
           </p:cNvPr>
@@ -6768,7 +6161,7 @@
         </p:nvSpPr>
         <p:spPr>
           <a:xfrm>
-            <a:off x="2843429" y="5684819"/>
+            <a:off x="4482994" y="4790588"/>
             <a:ext cx="408766" cy="107722"/>
           </a:xfrm>
           <a:prstGeom prst="rect">
@@ -6789,55 +6182,12 @@
           </a:p>
         </p:txBody>
       </p:sp>
-      <p:cxnSp>
-        <p:nvCxnSpPr>
-          <p:cNvPr id="205" name="Straight Arrow Connector 204">
+      <p:sp>
+        <p:nvSpPr>
+          <p:cNvPr id="102" name="TextBox 101">
             <a:extLst>
               <a:ext uri="{FF2B5EF4-FFF2-40B4-BE49-F238E27FC236}">
-                <a16:creationId xmlns:a16="http://schemas.microsoft.com/office/drawing/2014/main" id="{C2868379-2B8E-4525-A5F4-07E6963471ED}"/>
-              </a:ext>
-            </a:extLst>
-          </p:cNvPr>
-          <p:cNvCxnSpPr>
-            <a:cxnSpLocks/>
-            <a:stCxn id="199" idx="3"/>
-            <a:endCxn id="52" idx="2"/>
-          </p:cNvCxnSpPr>
-          <p:nvPr/>
-        </p:nvCxnSpPr>
-        <p:spPr>
-          <a:xfrm flipV="1">
-            <a:off x="3835574" y="440893"/>
-            <a:ext cx="2291450" cy="5353815"/>
-          </a:xfrm>
-          <a:prstGeom prst="bentConnector2">
-            <a:avLst/>
-          </a:prstGeom>
-          <a:ln>
-            <a:tailEnd type="triangle"/>
-          </a:ln>
-        </p:spPr>
-        <p:style>
-          <a:lnRef idx="2">
-            <a:schemeClr val="dk1"/>
-          </a:lnRef>
-          <a:fillRef idx="0">
-            <a:schemeClr val="dk1"/>
-          </a:fillRef>
-          <a:effectRef idx="1">
-            <a:schemeClr val="dk1"/>
-          </a:effectRef>
-          <a:fontRef idx="minor">
-            <a:schemeClr val="tx1"/>
-          </a:fontRef>
-        </p:style>
-      </p:cxnSp>
-      <p:sp>
-        <p:nvSpPr>
-          <p:cNvPr id="206" name="TextBox 205">
-            <a:extLst>
-              <a:ext uri="{FF2B5EF4-FFF2-40B4-BE49-F238E27FC236}">
-                <a16:creationId xmlns:a16="http://schemas.microsoft.com/office/drawing/2014/main" id="{E058CAA3-FFAB-4506-BA76-1C2E5CEE0697}"/>
+                <a16:creationId xmlns:a16="http://schemas.microsoft.com/office/drawing/2014/main" id="{C539661D-423D-48E4-8ACA-20BF6929FB6F}"/>
               </a:ext>
             </a:extLst>
           </p:cNvPr>
@@ -6846,7 +6196,7 @@
         </p:nvSpPr>
         <p:spPr>
           <a:xfrm>
-            <a:off x="3899040" y="5688227"/>
+            <a:off x="5521911" y="4801979"/>
             <a:ext cx="418384" cy="107722"/>
           </a:xfrm>
           <a:prstGeom prst="rect">
@@ -6869,10 +6219,10 @@
       </p:sp>
       <p:sp>
         <p:nvSpPr>
-          <p:cNvPr id="209" name="Flowchart: Decision 208">
+          <p:cNvPr id="103" name="Flowchart: Decision 102">
             <a:extLst>
               <a:ext uri="{FF2B5EF4-FFF2-40B4-BE49-F238E27FC236}">
-                <a16:creationId xmlns:a16="http://schemas.microsoft.com/office/drawing/2014/main" id="{C74A2847-A0B6-42F0-A49B-8001F53F68B6}"/>
+                <a16:creationId xmlns:a16="http://schemas.microsoft.com/office/drawing/2014/main" id="{B5E937CD-E82C-4FEC-AAA5-97BB81619E66}"/>
               </a:ext>
             </a:extLst>
           </p:cNvPr>
@@ -6881,7 +6231,7 @@
         </p:nvSpPr>
         <p:spPr>
           <a:xfrm>
-            <a:off x="4179470" y="6337620"/>
+            <a:off x="5842842" y="5358527"/>
             <a:ext cx="457200" cy="419100"/>
           </a:xfrm>
           <a:prstGeom prst="flowChartDecision">
@@ -6921,24 +6271,24 @@
       </p:sp>
       <p:cxnSp>
         <p:nvCxnSpPr>
-          <p:cNvPr id="210" name="Connector: Elbow 209">
+          <p:cNvPr id="104" name="Connector: Elbow 103">
             <a:extLst>
               <a:ext uri="{FF2B5EF4-FFF2-40B4-BE49-F238E27FC236}">
-                <a16:creationId xmlns:a16="http://schemas.microsoft.com/office/drawing/2014/main" id="{7E64010F-E49C-46B4-BAB6-072E96E30712}"/>
+                <a16:creationId xmlns:a16="http://schemas.microsoft.com/office/drawing/2014/main" id="{E39AA47D-3C89-4BA7-9035-A0E0C71CC741}"/>
               </a:ext>
             </a:extLst>
           </p:cNvPr>
           <p:cNvCxnSpPr>
             <a:cxnSpLocks/>
-            <a:stCxn id="199" idx="2"/>
-            <a:endCxn id="209" idx="1"/>
+            <a:stCxn id="99" idx="2"/>
+            <a:endCxn id="103" idx="1"/>
           </p:cNvCxnSpPr>
           <p:nvPr/>
         </p:nvCxnSpPr>
         <p:spPr>
           <a:xfrm rot="16200000" flipH="1">
-            <a:off x="3621766" y="5989466"/>
-            <a:ext cx="542912" cy="572496"/>
+            <a:off x="5313798" y="5039033"/>
+            <a:ext cx="441076" cy="617012"/>
           </a:xfrm>
           <a:prstGeom prst="bentConnector2">
             <a:avLst/>
@@ -6964,10 +6314,10 @@
       </p:cxnSp>
       <p:sp>
         <p:nvSpPr>
-          <p:cNvPr id="213" name="TextBox 212">
+          <p:cNvPr id="105" name="TextBox 104">
             <a:extLst>
               <a:ext uri="{FF2B5EF4-FFF2-40B4-BE49-F238E27FC236}">
-                <a16:creationId xmlns:a16="http://schemas.microsoft.com/office/drawing/2014/main" id="{8E360C77-0049-494D-9DBE-0E5E1FB39F3B}"/>
+                <a16:creationId xmlns:a16="http://schemas.microsoft.com/office/drawing/2014/main" id="{3FDF921E-07EB-440A-96AC-1740BFCC266A}"/>
               </a:ext>
             </a:extLst>
           </p:cNvPr>
@@ -6976,7 +6326,7 @@
         </p:nvSpPr>
         <p:spPr>
           <a:xfrm>
-            <a:off x="3656669" y="6439449"/>
+            <a:off x="5279385" y="5452503"/>
             <a:ext cx="418384" cy="107722"/>
           </a:xfrm>
           <a:prstGeom prst="rect">
@@ -6999,10 +6349,10 @@
       </p:sp>
       <p:sp>
         <p:nvSpPr>
-          <p:cNvPr id="215" name="Flowchart: Preparation 214">
+          <p:cNvPr id="106" name="Flowchart: Preparation 105">
             <a:extLst>
               <a:ext uri="{FF2B5EF4-FFF2-40B4-BE49-F238E27FC236}">
-                <a16:creationId xmlns:a16="http://schemas.microsoft.com/office/drawing/2014/main" id="{6B71CA2D-78D0-4755-BA97-C9304E7073FE}"/>
+                <a16:creationId xmlns:a16="http://schemas.microsoft.com/office/drawing/2014/main" id="{2EC9F442-790A-4772-AA95-039B004EEAE3}"/>
               </a:ext>
             </a:extLst>
           </p:cNvPr>
@@ -7011,12 +6361,18 @@
         </p:nvSpPr>
         <p:spPr>
           <a:xfrm>
-            <a:off x="5123688" y="6078395"/>
+            <a:off x="6696217" y="5117666"/>
             <a:ext cx="1065491" cy="152401"/>
           </a:xfrm>
           <a:prstGeom prst="flowChartPreparation">
             <a:avLst/>
           </a:prstGeom>
+          <a:solidFill>
+            <a:schemeClr val="accent6">
+              <a:lumMod val="20000"/>
+              <a:lumOff val="80000"/>
+            </a:schemeClr>
+          </a:solidFill>
         </p:spPr>
         <p:style>
           <a:lnRef idx="1">
@@ -7046,10 +6402,10 @@
       </p:sp>
       <p:sp>
         <p:nvSpPr>
-          <p:cNvPr id="217" name="Flowchart: Preparation 216">
+          <p:cNvPr id="107" name="Flowchart: Preparation 106">
             <a:extLst>
               <a:ext uri="{FF2B5EF4-FFF2-40B4-BE49-F238E27FC236}">
-                <a16:creationId xmlns:a16="http://schemas.microsoft.com/office/drawing/2014/main" id="{18DBC01C-BBFB-4942-8387-4215AA685A73}"/>
+                <a16:creationId xmlns:a16="http://schemas.microsoft.com/office/drawing/2014/main" id="{6C81A3CA-5FCB-4FC3-9772-B3D5B9B1653F}"/>
               </a:ext>
             </a:extLst>
           </p:cNvPr>
@@ -7058,12 +6414,18 @@
         </p:nvSpPr>
         <p:spPr>
           <a:xfrm>
-            <a:off x="5140021" y="6901775"/>
+            <a:off x="6688424" y="5929026"/>
             <a:ext cx="1131555" cy="173584"/>
           </a:xfrm>
           <a:prstGeom prst="flowChartPreparation">
             <a:avLst/>
           </a:prstGeom>
+          <a:solidFill>
+            <a:schemeClr val="accent6">
+              <a:lumMod val="20000"/>
+              <a:lumOff val="80000"/>
+            </a:schemeClr>
+          </a:solidFill>
         </p:spPr>
         <p:style>
           <a:lnRef idx="1">
@@ -7093,23 +6455,23 @@
       </p:sp>
       <p:cxnSp>
         <p:nvCxnSpPr>
-          <p:cNvPr id="233" name="Connector: Elbow 232">
+          <p:cNvPr id="108" name="Connector: Elbow 107">
             <a:extLst>
               <a:ext uri="{FF2B5EF4-FFF2-40B4-BE49-F238E27FC236}">
-                <a16:creationId xmlns:a16="http://schemas.microsoft.com/office/drawing/2014/main" id="{528681BF-5A80-4B58-BA2B-EEC752DBC02E}"/>
+                <a16:creationId xmlns:a16="http://schemas.microsoft.com/office/drawing/2014/main" id="{07120ADC-24FE-4A2F-9A95-53029EA894A7}"/>
               </a:ext>
             </a:extLst>
           </p:cNvPr>
           <p:cNvCxnSpPr>
-            <a:stCxn id="209" idx="0"/>
-            <a:endCxn id="215" idx="1"/>
+            <a:stCxn id="103" idx="0"/>
+            <a:endCxn id="106" idx="1"/>
           </p:cNvCxnSpPr>
           <p:nvPr/>
         </p:nvCxnSpPr>
         <p:spPr>
           <a:xfrm rot="5400000" flipH="1" flipV="1">
-            <a:off x="4674367" y="5888299"/>
-            <a:ext cx="183024" cy="715618"/>
+            <a:off x="6301499" y="4963810"/>
+            <a:ext cx="164660" cy="624775"/>
           </a:xfrm>
           <a:prstGeom prst="bentConnector2">
             <a:avLst/>
@@ -7135,25 +6497,181 @@
       </p:cxnSp>
       <p:cxnSp>
         <p:nvCxnSpPr>
-          <p:cNvPr id="237" name="Connector: Elbow 236">
+          <p:cNvPr id="109" name="Connector: Elbow 108">
             <a:extLst>
               <a:ext uri="{FF2B5EF4-FFF2-40B4-BE49-F238E27FC236}">
-                <a16:creationId xmlns:a16="http://schemas.microsoft.com/office/drawing/2014/main" id="{D3841EE0-1BA9-43AC-B693-8300D73D6D4A}"/>
+                <a16:creationId xmlns:a16="http://schemas.microsoft.com/office/drawing/2014/main" id="{9E335409-1157-42F7-B314-923A7E2CF31C}"/>
               </a:ext>
             </a:extLst>
           </p:cNvPr>
           <p:cNvCxnSpPr>
-            <a:stCxn id="209" idx="2"/>
-            <a:endCxn id="217" idx="1"/>
+            <a:stCxn id="103" idx="2"/>
+            <a:endCxn id="107" idx="1"/>
           </p:cNvCxnSpPr>
           <p:nvPr/>
         </p:nvCxnSpPr>
         <p:spPr>
           <a:xfrm rot="16200000" flipH="1">
-            <a:off x="4658122" y="6506667"/>
-            <a:ext cx="231847" cy="731951"/>
+            <a:off x="6260838" y="5588231"/>
+            <a:ext cx="238191" cy="616982"/>
           </a:xfrm>
           <a:prstGeom prst="bentConnector2">
+            <a:avLst/>
+          </a:prstGeom>
+          <a:ln>
+            <a:tailEnd type="triangle"/>
+          </a:ln>
+        </p:spPr>
+        <p:style>
+          <a:lnRef idx="2">
+            <a:schemeClr val="dk1"/>
+          </a:lnRef>
+          <a:fillRef idx="0">
+            <a:schemeClr val="dk1"/>
+          </a:fillRef>
+          <a:effectRef idx="1">
+            <a:schemeClr val="dk1"/>
+          </a:effectRef>
+          <a:fontRef idx="minor">
+            <a:schemeClr val="tx1"/>
+          </a:fontRef>
+        </p:style>
+      </p:cxnSp>
+      <p:sp>
+        <p:nvSpPr>
+          <p:cNvPr id="110" name="TextBox 109">
+            <a:extLst>
+              <a:ext uri="{FF2B5EF4-FFF2-40B4-BE49-F238E27FC236}">
+                <a16:creationId xmlns:a16="http://schemas.microsoft.com/office/drawing/2014/main" id="{66592B0E-7021-4CD8-A0A1-290995E5DED0}"/>
+              </a:ext>
+            </a:extLst>
+          </p:cNvPr>
+          <p:cNvSpPr txBox="1"/>
+          <p:nvPr/>
+        </p:nvSpPr>
+        <p:spPr>
+          <a:xfrm>
+            <a:off x="6145033" y="5077836"/>
+            <a:ext cx="307777" cy="107722"/>
+          </a:xfrm>
+          <a:prstGeom prst="rect">
+            <a:avLst/>
+          </a:prstGeom>
+          <a:noFill/>
+        </p:spPr>
+        <p:txBody>
+          <a:bodyPr wrap="none" lIns="0" tIns="0" rIns="0" bIns="0" rtlCol="0">
+            <a:spAutoFit/>
+          </a:bodyPr>
+          <a:lstStyle/>
+          <a:p>
+            <a:r>
+              <a:rPr lang="en-US" sz="700" dirty="0"/>
+              <a:t>SUM = 1</a:t>
+            </a:r>
+          </a:p>
+        </p:txBody>
+      </p:sp>
+      <p:sp>
+        <p:nvSpPr>
+          <p:cNvPr id="111" name="TextBox 110">
+            <a:extLst>
+              <a:ext uri="{FF2B5EF4-FFF2-40B4-BE49-F238E27FC236}">
+                <a16:creationId xmlns:a16="http://schemas.microsoft.com/office/drawing/2014/main" id="{2F2689FD-68BC-4A03-B0E3-70D6400DE1FD}"/>
+              </a:ext>
+            </a:extLst>
+          </p:cNvPr>
+          <p:cNvSpPr txBox="1"/>
+          <p:nvPr/>
+        </p:nvSpPr>
+        <p:spPr>
+          <a:xfrm>
+            <a:off x="6162624" y="5908165"/>
+            <a:ext cx="307777" cy="107722"/>
+          </a:xfrm>
+          <a:prstGeom prst="rect">
+            <a:avLst/>
+          </a:prstGeom>
+          <a:noFill/>
+        </p:spPr>
+        <p:txBody>
+          <a:bodyPr wrap="none" lIns="0" tIns="0" rIns="0" bIns="0" rtlCol="0">
+            <a:spAutoFit/>
+          </a:bodyPr>
+          <a:lstStyle/>
+          <a:p>
+            <a:r>
+              <a:rPr lang="en-US" sz="700" dirty="0"/>
+              <a:t>SUM &gt; 1</a:t>
+            </a:r>
+          </a:p>
+        </p:txBody>
+      </p:sp>
+      <p:sp>
+        <p:nvSpPr>
+          <p:cNvPr id="113" name="TextBox 112">
+            <a:extLst>
+              <a:ext uri="{FF2B5EF4-FFF2-40B4-BE49-F238E27FC236}">
+                <a16:creationId xmlns:a16="http://schemas.microsoft.com/office/drawing/2014/main" id="{817A5FC5-5BB9-4966-B41F-03C3A3600553}"/>
+              </a:ext>
+            </a:extLst>
+          </p:cNvPr>
+          <p:cNvSpPr txBox="1"/>
+          <p:nvPr/>
+        </p:nvSpPr>
+        <p:spPr>
+          <a:xfrm>
+            <a:off x="5973795" y="6151128"/>
+            <a:ext cx="760144" cy="276999"/>
+          </a:xfrm>
+          <a:prstGeom prst="rect">
+            <a:avLst/>
+          </a:prstGeom>
+          <a:noFill/>
+        </p:spPr>
+        <p:txBody>
+          <a:bodyPr wrap="none" rtlCol="0">
+            <a:spAutoFit/>
+          </a:bodyPr>
+          <a:lstStyle/>
+          <a:p>
+            <a:pPr algn="ctr"/>
+            <a:r>
+              <a:rPr lang="en-US" sz="600" i="1" dirty="0"/>
+              <a:t>if SUM = N-1, then</a:t>
+            </a:r>
+            <a:br>
+              <a:rPr lang="en-US" sz="600" i="1" dirty="0"/>
+            </a:br>
+            <a:r>
+              <a:rPr lang="en-US" sz="600" i="1" dirty="0"/>
+              <a:t>single main parcel</a:t>
+            </a:r>
+          </a:p>
+        </p:txBody>
+      </p:sp>
+      <p:cxnSp>
+        <p:nvCxnSpPr>
+          <p:cNvPr id="120" name="Straight Arrow Connector 119">
+            <a:extLst>
+              <a:ext uri="{FF2B5EF4-FFF2-40B4-BE49-F238E27FC236}">
+                <a16:creationId xmlns:a16="http://schemas.microsoft.com/office/drawing/2014/main" id="{90B6E613-0C4D-4DBA-ABE3-3AECC2BE6437}"/>
+              </a:ext>
+            </a:extLst>
+          </p:cNvPr>
+          <p:cNvCxnSpPr>
+            <a:cxnSpLocks/>
+            <a:stCxn id="50" idx="2"/>
+            <a:endCxn id="97" idx="0"/>
+          </p:cNvCxnSpPr>
+          <p:nvPr/>
+        </p:nvCxnSpPr>
+        <p:spPr>
+          <a:xfrm flipH="1">
+            <a:off x="4421186" y="4016229"/>
+            <a:ext cx="3713" cy="194842"/>
+          </a:xfrm>
+          <a:prstGeom prst="straightConnector1">
             <a:avLst/>
           </a:prstGeom>
           <a:ln>
@@ -7177,23 +6695,24 @@
       </p:cxnSp>
       <p:cxnSp>
         <p:nvCxnSpPr>
-          <p:cNvPr id="251" name="Connector: Elbow 250">
+          <p:cNvPr id="128" name="Connector: Elbow 127">
             <a:extLst>
               <a:ext uri="{FF2B5EF4-FFF2-40B4-BE49-F238E27FC236}">
-                <a16:creationId xmlns:a16="http://schemas.microsoft.com/office/drawing/2014/main" id="{33C9BFD2-56E4-4CEB-9058-E482D9FD4D24}"/>
+                <a16:creationId xmlns:a16="http://schemas.microsoft.com/office/drawing/2014/main" id="{31A94F72-FAEC-437A-B16B-61677D60CB26}"/>
               </a:ext>
             </a:extLst>
           </p:cNvPr>
           <p:cNvCxnSpPr>
-            <a:stCxn id="215" idx="3"/>
-            <a:endCxn id="56" idx="0"/>
+            <a:cxnSpLocks/>
+            <a:stCxn id="97" idx="3"/>
+            <a:endCxn id="42" idx="2"/>
           </p:cNvCxnSpPr>
           <p:nvPr/>
         </p:nvCxnSpPr>
         <p:spPr>
-          <a:xfrm>
-            <a:off x="6189179" y="6154596"/>
-            <a:ext cx="383071" cy="1580086"/>
+          <a:xfrm flipV="1">
+            <a:off x="4649786" y="1825326"/>
+            <a:ext cx="2062410" cy="2595295"/>
           </a:xfrm>
           <a:prstGeom prst="bentConnector2">
             <a:avLst/>
@@ -7219,23 +6738,23 @@
       </p:cxnSp>
       <p:cxnSp>
         <p:nvCxnSpPr>
-          <p:cNvPr id="253" name="Connector: Elbow 252">
+          <p:cNvPr id="138" name="Connector: Elbow 137">
             <a:extLst>
               <a:ext uri="{FF2B5EF4-FFF2-40B4-BE49-F238E27FC236}">
-                <a16:creationId xmlns:a16="http://schemas.microsoft.com/office/drawing/2014/main" id="{2162FB32-5DCD-4216-96D1-01E810259967}"/>
+                <a16:creationId xmlns:a16="http://schemas.microsoft.com/office/drawing/2014/main" id="{C1E5E570-02C3-4F1B-8AD1-391A04BFD886}"/>
               </a:ext>
             </a:extLst>
           </p:cNvPr>
           <p:cNvCxnSpPr>
-            <a:stCxn id="217" idx="3"/>
-            <a:endCxn id="56" idx="0"/>
+            <a:stCxn id="99" idx="3"/>
+            <a:endCxn id="20" idx="2"/>
           </p:cNvCxnSpPr>
           <p:nvPr/>
         </p:nvCxnSpPr>
         <p:spPr>
-          <a:xfrm>
-            <a:off x="6271576" y="6988567"/>
-            <a:ext cx="300674" cy="746115"/>
+          <a:xfrm flipV="1">
+            <a:off x="5454430" y="602002"/>
+            <a:ext cx="1961988" cy="4315449"/>
           </a:xfrm>
           <a:prstGeom prst="bentConnector2">
             <a:avLst/>
@@ -7261,80 +6780,10 @@
       </p:cxnSp>
       <p:sp>
         <p:nvSpPr>
-          <p:cNvPr id="254" name="TextBox 253">
+          <p:cNvPr id="165" name="Flowchart: Terminator 164">
             <a:extLst>
               <a:ext uri="{FF2B5EF4-FFF2-40B4-BE49-F238E27FC236}">
-                <a16:creationId xmlns:a16="http://schemas.microsoft.com/office/drawing/2014/main" id="{06F62F4B-E298-4C34-9061-D48E23F2B9CB}"/>
-              </a:ext>
-            </a:extLst>
-          </p:cNvPr>
-          <p:cNvSpPr txBox="1"/>
-          <p:nvPr/>
-        </p:nvSpPr>
-        <p:spPr>
-          <a:xfrm>
-            <a:off x="4514870" y="6043240"/>
-            <a:ext cx="307777" cy="107722"/>
-          </a:xfrm>
-          <a:prstGeom prst="rect">
-            <a:avLst/>
-          </a:prstGeom>
-          <a:noFill/>
-        </p:spPr>
-        <p:txBody>
-          <a:bodyPr wrap="none" lIns="0" tIns="0" rIns="0" bIns="0" rtlCol="0">
-            <a:spAutoFit/>
-          </a:bodyPr>
-          <a:lstStyle/>
-          <a:p>
-            <a:r>
-              <a:rPr lang="en-US" sz="700" dirty="0"/>
-              <a:t>SUM = 1</a:t>
-            </a:r>
-          </a:p>
-        </p:txBody>
-      </p:sp>
-      <p:sp>
-        <p:nvSpPr>
-          <p:cNvPr id="255" name="TextBox 254">
-            <a:extLst>
-              <a:ext uri="{FF2B5EF4-FFF2-40B4-BE49-F238E27FC236}">
-                <a16:creationId xmlns:a16="http://schemas.microsoft.com/office/drawing/2014/main" id="{261652BC-D54D-4007-904B-C39F0A649303}"/>
-              </a:ext>
-            </a:extLst>
-          </p:cNvPr>
-          <p:cNvSpPr txBox="1"/>
-          <p:nvPr/>
-        </p:nvSpPr>
-        <p:spPr>
-          <a:xfrm>
-            <a:off x="4519507" y="6874035"/>
-            <a:ext cx="307777" cy="107722"/>
-          </a:xfrm>
-          <a:prstGeom prst="rect">
-            <a:avLst/>
-          </a:prstGeom>
-          <a:noFill/>
-        </p:spPr>
-        <p:txBody>
-          <a:bodyPr wrap="none" lIns="0" tIns="0" rIns="0" bIns="0" rtlCol="0">
-            <a:spAutoFit/>
-          </a:bodyPr>
-          <a:lstStyle/>
-          <a:p>
-            <a:r>
-              <a:rPr lang="en-US" sz="700" dirty="0"/>
-              <a:t>SUM &gt; 1</a:t>
-            </a:r>
-          </a:p>
-        </p:txBody>
-      </p:sp>
-      <p:sp>
-        <p:nvSpPr>
-          <p:cNvPr id="256" name="Left Brace 255">
-            <a:extLst>
-              <a:ext uri="{FF2B5EF4-FFF2-40B4-BE49-F238E27FC236}">
-                <a16:creationId xmlns:a16="http://schemas.microsoft.com/office/drawing/2014/main" id="{D6DA176C-88DB-481A-9A51-0BB2D60478DE}"/>
+                <a16:creationId xmlns:a16="http://schemas.microsoft.com/office/drawing/2014/main" id="{11676B9D-047F-4639-AE72-D9F330AFC9FF}"/>
               </a:ext>
             </a:extLst>
           </p:cNvPr>
@@ -7342,99 +6791,71 @@
           <p:nvPr/>
         </p:nvSpPr>
         <p:spPr>
-          <a:xfrm rot="16200000">
-            <a:off x="4711236" y="6795347"/>
-            <a:ext cx="64428" cy="647700"/>
-          </a:xfrm>
-          <a:prstGeom prst="leftBrace">
+          <a:xfrm>
+            <a:off x="7768385" y="157344"/>
+            <a:ext cx="905830" cy="205485"/>
+          </a:xfrm>
+          <a:prstGeom prst="flowChartTerminator">
             <a:avLst/>
           </a:prstGeom>
+          <a:solidFill>
+            <a:schemeClr val="accent6">
+              <a:lumMod val="60000"/>
+              <a:lumOff val="40000"/>
+            </a:schemeClr>
+          </a:solidFill>
+          <a:ln>
+            <a:solidFill>
+              <a:schemeClr val="tx1"/>
+            </a:solidFill>
+          </a:ln>
         </p:spPr>
         <p:style>
           <a:lnRef idx="1">
-            <a:schemeClr val="dk1"/>
+            <a:schemeClr val="accent4"/>
           </a:lnRef>
-          <a:fillRef idx="0">
-            <a:schemeClr val="dk1"/>
+          <a:fillRef idx="2">
+            <a:schemeClr val="accent4"/>
           </a:fillRef>
-          <a:effectRef idx="0">
-            <a:schemeClr val="dk1"/>
+          <a:effectRef idx="1">
+            <a:schemeClr val="accent4"/>
           </a:effectRef>
           <a:fontRef idx="minor">
-            <a:schemeClr val="tx1"/>
+            <a:schemeClr val="dk1"/>
           </a:fontRef>
         </p:style>
         <p:txBody>
-          <a:bodyPr rtlCol="0" anchor="ctr"/>
+          <a:bodyPr lIns="0" tIns="0" rIns="0" bIns="0" rtlCol="0" anchor="ctr"/>
           <a:lstStyle/>
           <a:p>
             <a:pPr algn="ctr"/>
-            <a:endParaRPr lang="en-US"/>
-          </a:p>
-        </p:txBody>
-      </p:sp>
-      <p:sp>
-        <p:nvSpPr>
-          <p:cNvPr id="257" name="TextBox 256">
+            <a:r>
+              <a:rPr lang="en-US" sz="900" dirty="0"/>
+              <a:t>PARCEL TYPE</a:t>
+            </a:r>
+          </a:p>
+        </p:txBody>
+      </p:sp>
+      <p:cxnSp>
+        <p:nvCxnSpPr>
+          <p:cNvPr id="167" name="Connector: Elbow 166">
             <a:extLst>
               <a:ext uri="{FF2B5EF4-FFF2-40B4-BE49-F238E27FC236}">
-                <a16:creationId xmlns:a16="http://schemas.microsoft.com/office/drawing/2014/main" id="{CB48FDC6-9B6E-4D2E-8545-F173848BC035}"/>
-              </a:ext>
-            </a:extLst>
-          </p:cNvPr>
-          <p:cNvSpPr txBox="1"/>
-          <p:nvPr/>
-        </p:nvSpPr>
-        <p:spPr>
-          <a:xfrm>
-            <a:off x="4372524" y="7130665"/>
-            <a:ext cx="760144" cy="276999"/>
-          </a:xfrm>
-          <a:prstGeom prst="rect">
-            <a:avLst/>
-          </a:prstGeom>
-          <a:noFill/>
-        </p:spPr>
-        <p:txBody>
-          <a:bodyPr wrap="none" rtlCol="0">
-            <a:spAutoFit/>
-          </a:bodyPr>
-          <a:lstStyle/>
-          <a:p>
-            <a:r>
-              <a:rPr lang="en-US" sz="600" i="1" dirty="0"/>
-              <a:t>if SUM = N-1, then</a:t>
-            </a:r>
-            <a:br>
-              <a:rPr lang="en-US" sz="600" i="1" dirty="0"/>
-            </a:br>
-            <a:r>
-              <a:rPr lang="en-US" sz="600" i="1" dirty="0"/>
-              <a:t>single main parcel</a:t>
-            </a:r>
-          </a:p>
-        </p:txBody>
-      </p:sp>
-      <p:cxnSp>
-        <p:nvCxnSpPr>
-          <p:cNvPr id="290" name="Connector: Elbow 289">
-            <a:extLst>
-              <a:ext uri="{FF2B5EF4-FFF2-40B4-BE49-F238E27FC236}">
-                <a16:creationId xmlns:a16="http://schemas.microsoft.com/office/drawing/2014/main" id="{D0545FE5-E77E-4E57-9C1A-7CF1A0F5A03A}"/>
+                <a16:creationId xmlns:a16="http://schemas.microsoft.com/office/drawing/2014/main" id="{68C971E9-3E2C-4363-8E99-B9D8F8966AB0}"/>
               </a:ext>
             </a:extLst>
           </p:cNvPr>
           <p:cNvCxnSpPr>
             <a:cxnSpLocks/>
-            <a:stCxn id="52" idx="3"/>
-            <a:endCxn id="56" idx="0"/>
+            <a:stCxn id="17" idx="3"/>
+            <a:endCxn id="165" idx="2"/>
           </p:cNvCxnSpPr>
           <p:nvPr/>
         </p:nvCxnSpPr>
         <p:spPr>
-          <a:xfrm>
-            <a:off x="6411742" y="364693"/>
-            <a:ext cx="160508" cy="7369989"/>
+          <a:xfrm flipV="1">
+            <a:off x="7054405" y="362829"/>
+            <a:ext cx="1166895" cy="484268"/>
           </a:xfrm>
           <a:prstGeom prst="bentConnector2">
             <a:avLst/>
@@ -7460,26 +6881,240 @@
       </p:cxnSp>
       <p:cxnSp>
         <p:nvCxnSpPr>
-          <p:cNvPr id="295" name="Straight Arrow Connector 294">
+          <p:cNvPr id="169" name="Connector: Elbow 168">
             <a:extLst>
               <a:ext uri="{FF2B5EF4-FFF2-40B4-BE49-F238E27FC236}">
-                <a16:creationId xmlns:a16="http://schemas.microsoft.com/office/drawing/2014/main" id="{3B38AF29-F69C-4E41-B428-A8C126BD6166}"/>
+                <a16:creationId xmlns:a16="http://schemas.microsoft.com/office/drawing/2014/main" id="{CD13D99C-F47F-4FED-A9A4-4E2FDB8E48D8}"/>
               </a:ext>
             </a:extLst>
           </p:cNvPr>
           <p:cNvCxnSpPr>
             <a:cxnSpLocks/>
-            <a:stCxn id="19" idx="3"/>
-            <a:endCxn id="20" idx="1"/>
+            <a:stCxn id="42" idx="3"/>
+            <a:endCxn id="165" idx="2"/>
           </p:cNvCxnSpPr>
           <p:nvPr/>
         </p:nvCxnSpPr>
         <p:spPr>
+          <a:xfrm flipV="1">
+            <a:off x="7112246" y="362829"/>
+            <a:ext cx="1109054" cy="1386297"/>
+          </a:xfrm>
+          <a:prstGeom prst="bentConnector2">
+            <a:avLst/>
+          </a:prstGeom>
+          <a:ln>
+            <a:tailEnd type="triangle"/>
+          </a:ln>
+        </p:spPr>
+        <p:style>
+          <a:lnRef idx="2">
+            <a:schemeClr val="dk1"/>
+          </a:lnRef>
+          <a:fillRef idx="0">
+            <a:schemeClr val="dk1"/>
+          </a:fillRef>
+          <a:effectRef idx="1">
+            <a:schemeClr val="dk1"/>
+          </a:effectRef>
+          <a:fontRef idx="minor">
+            <a:schemeClr val="tx1"/>
+          </a:fontRef>
+        </p:style>
+      </p:cxnSp>
+      <p:cxnSp>
+        <p:nvCxnSpPr>
+          <p:cNvPr id="171" name="Connector: Elbow 170">
+            <a:extLst>
+              <a:ext uri="{FF2B5EF4-FFF2-40B4-BE49-F238E27FC236}">
+                <a16:creationId xmlns:a16="http://schemas.microsoft.com/office/drawing/2014/main" id="{54FDE3BC-2EEC-420D-8CA3-5C3540E46850}"/>
+              </a:ext>
+            </a:extLst>
+          </p:cNvPr>
+          <p:cNvCxnSpPr>
+            <a:cxnSpLocks/>
+            <a:stCxn id="106" idx="3"/>
+            <a:endCxn id="165" idx="2"/>
+          </p:cNvCxnSpPr>
+          <p:nvPr/>
+        </p:nvCxnSpPr>
+        <p:spPr>
+          <a:xfrm flipV="1">
+            <a:off x="7761708" y="362829"/>
+            <a:ext cx="459592" cy="4831038"/>
+          </a:xfrm>
+          <a:prstGeom prst="bentConnector2">
+            <a:avLst/>
+          </a:prstGeom>
+          <a:ln>
+            <a:tailEnd type="triangle"/>
+          </a:ln>
+        </p:spPr>
+        <p:style>
+          <a:lnRef idx="2">
+            <a:schemeClr val="dk1"/>
+          </a:lnRef>
+          <a:fillRef idx="0">
+            <a:schemeClr val="dk1"/>
+          </a:fillRef>
+          <a:effectRef idx="1">
+            <a:schemeClr val="dk1"/>
+          </a:effectRef>
+          <a:fontRef idx="minor">
+            <a:schemeClr val="tx1"/>
+          </a:fontRef>
+        </p:style>
+      </p:cxnSp>
+      <p:cxnSp>
+        <p:nvCxnSpPr>
+          <p:cNvPr id="173" name="Connector: Elbow 172">
+            <a:extLst>
+              <a:ext uri="{FF2B5EF4-FFF2-40B4-BE49-F238E27FC236}">
+                <a16:creationId xmlns:a16="http://schemas.microsoft.com/office/drawing/2014/main" id="{7EBD59EC-E61E-4FAC-A3DD-F57A204ED3DE}"/>
+              </a:ext>
+            </a:extLst>
+          </p:cNvPr>
+          <p:cNvCxnSpPr>
+            <a:cxnSpLocks/>
+            <a:stCxn id="107" idx="3"/>
+            <a:endCxn id="165" idx="2"/>
+          </p:cNvCxnSpPr>
+          <p:nvPr/>
+        </p:nvCxnSpPr>
+        <p:spPr>
+          <a:xfrm flipV="1">
+            <a:off x="7819979" y="362829"/>
+            <a:ext cx="401321" cy="5652989"/>
+          </a:xfrm>
+          <a:prstGeom prst="bentConnector2">
+            <a:avLst/>
+          </a:prstGeom>
+          <a:ln>
+            <a:tailEnd type="triangle"/>
+          </a:ln>
+        </p:spPr>
+        <p:style>
+          <a:lnRef idx="2">
+            <a:schemeClr val="dk1"/>
+          </a:lnRef>
+          <a:fillRef idx="0">
+            <a:schemeClr val="dk1"/>
+          </a:fillRef>
+          <a:effectRef idx="1">
+            <a:schemeClr val="dk1"/>
+          </a:effectRef>
+          <a:fontRef idx="minor">
+            <a:schemeClr val="tx1"/>
+          </a:fontRef>
+        </p:style>
+      </p:cxnSp>
+      <p:cxnSp>
+        <p:nvCxnSpPr>
+          <p:cNvPr id="190" name="Straight Arrow Connector 189">
+            <a:extLst>
+              <a:ext uri="{FF2B5EF4-FFF2-40B4-BE49-F238E27FC236}">
+                <a16:creationId xmlns:a16="http://schemas.microsoft.com/office/drawing/2014/main" id="{EC9B33C0-5086-45E8-97F1-EF306495695B}"/>
+              </a:ext>
+            </a:extLst>
+          </p:cNvPr>
+          <p:cNvCxnSpPr>
+            <a:cxnSpLocks/>
+            <a:stCxn id="31" idx="3"/>
+            <a:endCxn id="37" idx="1"/>
+          </p:cNvCxnSpPr>
+          <p:nvPr/>
+        </p:nvCxnSpPr>
+        <p:spPr>
           <a:xfrm>
-            <a:off x="4674149" y="768027"/>
-            <a:ext cx="512922" cy="2023"/>
+            <a:off x="1440986" y="2029596"/>
+            <a:ext cx="729333" cy="3335"/>
           </a:xfrm>
           <a:prstGeom prst="straightConnector1">
+            <a:avLst/>
+          </a:prstGeom>
+          <a:ln>
+            <a:tailEnd type="triangle"/>
+          </a:ln>
+        </p:spPr>
+        <p:style>
+          <a:lnRef idx="2">
+            <a:schemeClr val="dk1"/>
+          </a:lnRef>
+          <a:fillRef idx="0">
+            <a:schemeClr val="dk1"/>
+          </a:fillRef>
+          <a:effectRef idx="1">
+            <a:schemeClr val="dk1"/>
+          </a:effectRef>
+          <a:fontRef idx="minor">
+            <a:schemeClr val="tx1"/>
+          </a:fontRef>
+        </p:style>
+      </p:cxnSp>
+      <p:cxnSp>
+        <p:nvCxnSpPr>
+          <p:cNvPr id="195" name="Straight Arrow Connector 194">
+            <a:extLst>
+              <a:ext uri="{FF2B5EF4-FFF2-40B4-BE49-F238E27FC236}">
+                <a16:creationId xmlns:a16="http://schemas.microsoft.com/office/drawing/2014/main" id="{F08C768C-8844-49FA-B7D0-8C21CC452EBA}"/>
+              </a:ext>
+            </a:extLst>
+          </p:cNvPr>
+          <p:cNvCxnSpPr>
+            <a:stCxn id="38" idx="3"/>
+            <a:endCxn id="41" idx="1"/>
+          </p:cNvCxnSpPr>
+          <p:nvPr/>
+        </p:nvCxnSpPr>
+        <p:spPr>
+          <a:xfrm flipV="1">
+            <a:off x="4680327" y="2215414"/>
+            <a:ext cx="708302" cy="1912"/>
+          </a:xfrm>
+          <a:prstGeom prst="straightConnector1">
+            <a:avLst/>
+          </a:prstGeom>
+          <a:ln>
+            <a:tailEnd type="triangle"/>
+          </a:ln>
+        </p:spPr>
+        <p:style>
+          <a:lnRef idx="2">
+            <a:schemeClr val="dk1"/>
+          </a:lnRef>
+          <a:fillRef idx="0">
+            <a:schemeClr val="dk1"/>
+          </a:fillRef>
+          <a:effectRef idx="1">
+            <a:schemeClr val="dk1"/>
+          </a:effectRef>
+          <a:fontRef idx="minor">
+            <a:schemeClr val="tx1"/>
+          </a:fontRef>
+        </p:style>
+      </p:cxnSp>
+      <p:cxnSp>
+        <p:nvCxnSpPr>
+          <p:cNvPr id="221" name="Connector: Elbow 220">
+            <a:extLst>
+              <a:ext uri="{FF2B5EF4-FFF2-40B4-BE49-F238E27FC236}">
+                <a16:creationId xmlns:a16="http://schemas.microsoft.com/office/drawing/2014/main" id="{EBF66E3C-AA8A-4B63-8CDF-42BF8C68FE57}"/>
+              </a:ext>
+            </a:extLst>
+          </p:cNvPr>
+          <p:cNvCxnSpPr>
+            <a:cxnSpLocks/>
+            <a:stCxn id="165" idx="1"/>
+            <a:endCxn id="6" idx="0"/>
+          </p:cNvCxnSpPr>
+          <p:nvPr/>
+        </p:nvCxnSpPr>
+        <p:spPr>
+          <a:xfrm rot="10800000" flipV="1">
+            <a:off x="1405921" y="260087"/>
+            <a:ext cx="6362465" cy="444980"/>
+          </a:xfrm>
+          <a:prstGeom prst="bentConnector2">
             <a:avLst/>
           </a:prstGeom>
           <a:ln>
@@ -7503,10 +7138,10 @@
       </p:cxnSp>
       <p:grpSp>
         <p:nvGrpSpPr>
-          <p:cNvPr id="333" name="Group 332">
+          <p:cNvPr id="233" name="Group 232">
             <a:extLst>
               <a:ext uri="{FF2B5EF4-FFF2-40B4-BE49-F238E27FC236}">
-                <a16:creationId xmlns:a16="http://schemas.microsoft.com/office/drawing/2014/main" id="{55246DFD-0BEF-4A53-B5EE-29C49F89E2E5}"/>
+                <a16:creationId xmlns:a16="http://schemas.microsoft.com/office/drawing/2014/main" id="{FFD2BE86-6D2B-40B0-B530-4978926707B3}"/>
               </a:ext>
             </a:extLst>
           </p:cNvPr>
@@ -7515,7 +7150,7 @@
         </p:nvGrpSpPr>
         <p:grpSpPr>
           <a:xfrm>
-            <a:off x="253462" y="6972827"/>
+            <a:off x="2984037" y="5929598"/>
             <a:ext cx="2399181" cy="734023"/>
             <a:chOff x="191619" y="7151411"/>
             <a:chExt cx="2399181" cy="734023"/>
@@ -7523,10 +7158,10 @@
         </p:grpSpPr>
         <p:sp>
           <p:nvSpPr>
-            <p:cNvPr id="332" name="Rectangle 331">
+            <p:cNvPr id="234" name="Rectangle 233">
               <a:extLst>
                 <a:ext uri="{FF2B5EF4-FFF2-40B4-BE49-F238E27FC236}">
-                  <a16:creationId xmlns:a16="http://schemas.microsoft.com/office/drawing/2014/main" id="{26D5F73F-9167-473F-B04E-4101037B9FD8}"/>
+                  <a16:creationId xmlns:a16="http://schemas.microsoft.com/office/drawing/2014/main" id="{AC7DDC3A-1BBF-4E2B-A0CB-1EAB2E8ACAEE}"/>
                 </a:ext>
               </a:extLst>
             </p:cNvPr>
@@ -7579,10 +7214,10 @@
         </p:sp>
         <p:sp>
           <p:nvSpPr>
-            <p:cNvPr id="315" name="Flowchart: Magnetic Disk 314">
+            <p:cNvPr id="235" name="Flowchart: Magnetic Disk 234">
               <a:extLst>
                 <a:ext uri="{FF2B5EF4-FFF2-40B4-BE49-F238E27FC236}">
-                  <a16:creationId xmlns:a16="http://schemas.microsoft.com/office/drawing/2014/main" id="{99D88FE0-14CC-457E-98FD-29DC8F36E462}"/>
+                  <a16:creationId xmlns:a16="http://schemas.microsoft.com/office/drawing/2014/main" id="{458F7EDA-4D42-4E47-906C-4F77E42C3DF9}"/>
                 </a:ext>
               </a:extLst>
             </p:cNvPr>
@@ -7628,10 +7263,10 @@
         </p:sp>
         <p:sp>
           <p:nvSpPr>
-            <p:cNvPr id="316" name="Flowchart: Predefined Process 315">
+            <p:cNvPr id="236" name="Flowchart: Predefined Process 235">
               <a:extLst>
                 <a:ext uri="{FF2B5EF4-FFF2-40B4-BE49-F238E27FC236}">
-                  <a16:creationId xmlns:a16="http://schemas.microsoft.com/office/drawing/2014/main" id="{4EED9A23-ED6A-478C-9356-6CAA1CFD00E1}"/>
+                  <a16:creationId xmlns:a16="http://schemas.microsoft.com/office/drawing/2014/main" id="{C91D0193-7D1C-4A53-A285-7175ADBB0401}"/>
                 </a:ext>
               </a:extLst>
             </p:cNvPr>
@@ -7677,10 +7312,10 @@
         </p:sp>
         <p:grpSp>
           <p:nvGrpSpPr>
-            <p:cNvPr id="317" name="Group 316">
+            <p:cNvPr id="237" name="Group 236">
               <a:extLst>
                 <a:ext uri="{FF2B5EF4-FFF2-40B4-BE49-F238E27FC236}">
-                  <a16:creationId xmlns:a16="http://schemas.microsoft.com/office/drawing/2014/main" id="{FB421FFF-8C62-4401-83FB-865A2FAD3184}"/>
+                  <a16:creationId xmlns:a16="http://schemas.microsoft.com/office/drawing/2014/main" id="{D636E6DC-12BA-4CD6-BA50-645642E637A8}"/>
                 </a:ext>
               </a:extLst>
             </p:cNvPr>
@@ -7697,10 +7332,10 @@
           </p:grpSpPr>
           <p:sp>
             <p:nvSpPr>
-              <p:cNvPr id="318" name="Flowchart: Alternate Process 317">
+              <p:cNvPr id="247" name="Flowchart: Alternate Process 246">
                 <a:extLst>
                   <a:ext uri="{FF2B5EF4-FFF2-40B4-BE49-F238E27FC236}">
-                    <a16:creationId xmlns:a16="http://schemas.microsoft.com/office/drawing/2014/main" id="{8ACEC242-B90B-456D-9A56-819A71FEF72D}"/>
+                    <a16:creationId xmlns:a16="http://schemas.microsoft.com/office/drawing/2014/main" id="{D2D15C18-AC21-497F-B431-FBBF53E6B3A3}"/>
                   </a:ext>
                 </a:extLst>
               </p:cNvPr>
@@ -7747,10 +7382,10 @@
           </p:sp>
           <p:sp>
             <p:nvSpPr>
-              <p:cNvPr id="319" name="Flowchart: Process 318">
+              <p:cNvPr id="248" name="Flowchart: Process 247">
                 <a:extLst>
                   <a:ext uri="{FF2B5EF4-FFF2-40B4-BE49-F238E27FC236}">
-                    <a16:creationId xmlns:a16="http://schemas.microsoft.com/office/drawing/2014/main" id="{893E4978-4BE6-4D1D-94B4-7B704ADB3658}"/>
+                    <a16:creationId xmlns:a16="http://schemas.microsoft.com/office/drawing/2014/main" id="{0382E7F3-F549-4372-872D-74F97942522D}"/>
                   </a:ext>
                 </a:extLst>
               </p:cNvPr>
@@ -7793,10 +7428,10 @@
         </p:grpSp>
         <p:sp>
           <p:nvSpPr>
-            <p:cNvPr id="320" name="Flowchart: Decision 319">
+            <p:cNvPr id="238" name="Flowchart: Decision 237">
               <a:extLst>
                 <a:ext uri="{FF2B5EF4-FFF2-40B4-BE49-F238E27FC236}">
-                  <a16:creationId xmlns:a16="http://schemas.microsoft.com/office/drawing/2014/main" id="{88DB4A56-E96A-49EF-8ABE-B8C91FA706FD}"/>
+                  <a16:creationId xmlns:a16="http://schemas.microsoft.com/office/drawing/2014/main" id="{D15E8CC2-6FD6-4463-94F2-1C0C88215A9D}"/>
                 </a:ext>
               </a:extLst>
             </p:cNvPr>
@@ -7842,10 +7477,10 @@
         </p:sp>
         <p:sp>
           <p:nvSpPr>
-            <p:cNvPr id="323" name="Flowchart: Preparation 322">
+            <p:cNvPr id="239" name="Flowchart: Preparation 238">
               <a:extLst>
                 <a:ext uri="{FF2B5EF4-FFF2-40B4-BE49-F238E27FC236}">
-                  <a16:creationId xmlns:a16="http://schemas.microsoft.com/office/drawing/2014/main" id="{55AB21FB-109D-41C1-B603-45AFF539D657}"/>
+                  <a16:creationId xmlns:a16="http://schemas.microsoft.com/office/drawing/2014/main" id="{6130EE68-A409-4FB4-BAF4-558B8EF2DD27}"/>
                 </a:ext>
               </a:extLst>
             </p:cNvPr>
@@ -7886,10 +7521,10 @@
         </p:sp>
         <p:sp>
           <p:nvSpPr>
-            <p:cNvPr id="324" name="Flowchart: Terminator 323">
+            <p:cNvPr id="240" name="Flowchart: Terminator 239">
               <a:extLst>
                 <a:ext uri="{FF2B5EF4-FFF2-40B4-BE49-F238E27FC236}">
-                  <a16:creationId xmlns:a16="http://schemas.microsoft.com/office/drawing/2014/main" id="{2F124122-9656-4773-8CAC-F648CEB81B7C}"/>
+                  <a16:creationId xmlns:a16="http://schemas.microsoft.com/office/drawing/2014/main" id="{ED9BCF8E-AA48-4C5F-B290-5EFD54A60D71}"/>
                 </a:ext>
               </a:extLst>
             </p:cNvPr>
@@ -7905,8 +7540,9 @@
               <a:avLst/>
             </a:prstGeom>
             <a:solidFill>
-              <a:schemeClr val="bg1">
-                <a:lumMod val="85000"/>
+              <a:schemeClr val="accent6">
+                <a:lumMod val="60000"/>
+                <a:lumOff val="40000"/>
               </a:schemeClr>
             </a:solidFill>
             <a:ln>
@@ -7940,10 +7576,10 @@
         </p:sp>
         <p:sp>
           <p:nvSpPr>
-            <p:cNvPr id="325" name="TextBox 324">
+            <p:cNvPr id="241" name="TextBox 240">
               <a:extLst>
                 <a:ext uri="{FF2B5EF4-FFF2-40B4-BE49-F238E27FC236}">
-                  <a16:creationId xmlns:a16="http://schemas.microsoft.com/office/drawing/2014/main" id="{CE4D6F51-E8D1-4D87-ABE9-4157A267F29C}"/>
+                  <a16:creationId xmlns:a16="http://schemas.microsoft.com/office/drawing/2014/main" id="{F1925460-E462-4257-8623-558EF7D6383D}"/>
                 </a:ext>
               </a:extLst>
             </p:cNvPr>
@@ -7975,10 +7611,10 @@
         </p:sp>
         <p:sp>
           <p:nvSpPr>
-            <p:cNvPr id="326" name="TextBox 325">
+            <p:cNvPr id="242" name="TextBox 241">
               <a:extLst>
                 <a:ext uri="{FF2B5EF4-FFF2-40B4-BE49-F238E27FC236}">
-                  <a16:creationId xmlns:a16="http://schemas.microsoft.com/office/drawing/2014/main" id="{32B2D98D-E641-46CB-ACAB-8E8D1470DC4A}"/>
+                  <a16:creationId xmlns:a16="http://schemas.microsoft.com/office/drawing/2014/main" id="{9B7CD86A-CDA7-4719-BAD0-271A57E8022A}"/>
                 </a:ext>
               </a:extLst>
             </p:cNvPr>
@@ -8010,10 +7646,10 @@
         </p:sp>
         <p:sp>
           <p:nvSpPr>
-            <p:cNvPr id="327" name="TextBox 326">
+            <p:cNvPr id="243" name="TextBox 242">
               <a:extLst>
                 <a:ext uri="{FF2B5EF4-FFF2-40B4-BE49-F238E27FC236}">
-                  <a16:creationId xmlns:a16="http://schemas.microsoft.com/office/drawing/2014/main" id="{AC69D288-13CC-4AF7-A338-C78AED0DECC2}"/>
+                  <a16:creationId xmlns:a16="http://schemas.microsoft.com/office/drawing/2014/main" id="{7E2E5BB5-C5CC-4B74-909F-EAD53F257EA4}"/>
                 </a:ext>
               </a:extLst>
             </p:cNvPr>
@@ -8045,10 +7681,10 @@
         </p:sp>
         <p:sp>
           <p:nvSpPr>
-            <p:cNvPr id="328" name="TextBox 327">
+            <p:cNvPr id="244" name="TextBox 243">
               <a:extLst>
                 <a:ext uri="{FF2B5EF4-FFF2-40B4-BE49-F238E27FC236}">
-                  <a16:creationId xmlns:a16="http://schemas.microsoft.com/office/drawing/2014/main" id="{CC77CA0F-98A3-4389-92DD-D8EF8578E565}"/>
+                  <a16:creationId xmlns:a16="http://schemas.microsoft.com/office/drawing/2014/main" id="{0B99C33B-D2E6-4C74-BBA9-E03D8B8971FC}"/>
                 </a:ext>
               </a:extLst>
             </p:cNvPr>
@@ -8080,10 +7716,10 @@
         </p:sp>
         <p:sp>
           <p:nvSpPr>
-            <p:cNvPr id="329" name="TextBox 328">
+            <p:cNvPr id="245" name="TextBox 244">
               <a:extLst>
                 <a:ext uri="{FF2B5EF4-FFF2-40B4-BE49-F238E27FC236}">
-                  <a16:creationId xmlns:a16="http://schemas.microsoft.com/office/drawing/2014/main" id="{B237B387-DEA1-4609-8B18-A3D9939F2A18}"/>
+                  <a16:creationId xmlns:a16="http://schemas.microsoft.com/office/drawing/2014/main" id="{FD57E9B9-A375-43CE-9CDD-BE614BBFD312}"/>
                 </a:ext>
               </a:extLst>
             </p:cNvPr>
@@ -8115,10 +7751,10 @@
         </p:sp>
         <p:sp>
           <p:nvSpPr>
-            <p:cNvPr id="330" name="TextBox 329">
+            <p:cNvPr id="246" name="TextBox 245">
               <a:extLst>
                 <a:ext uri="{FF2B5EF4-FFF2-40B4-BE49-F238E27FC236}">
-                  <a16:creationId xmlns:a16="http://schemas.microsoft.com/office/drawing/2014/main" id="{71E18E2B-7D37-46C1-BCD9-CA8CE9817F9A}"/>
+                  <a16:creationId xmlns:a16="http://schemas.microsoft.com/office/drawing/2014/main" id="{E98DBE65-5964-4434-A90D-314479A8946A}"/>
                 </a:ext>
               </a:extLst>
             </p:cNvPr>
@@ -8151,10 +7787,10 @@
       </p:grpSp>
       <p:grpSp>
         <p:nvGrpSpPr>
-          <p:cNvPr id="338" name="Group 337">
+          <p:cNvPr id="249" name="Group 248">
             <a:extLst>
               <a:ext uri="{FF2B5EF4-FFF2-40B4-BE49-F238E27FC236}">
-                <a16:creationId xmlns:a16="http://schemas.microsoft.com/office/drawing/2014/main" id="{225BAB5E-BB0E-4722-B318-A2A0231186F3}"/>
+                <a16:creationId xmlns:a16="http://schemas.microsoft.com/office/drawing/2014/main" id="{C79836C1-C445-494D-B5D7-690B6ADBC85D}"/>
               </a:ext>
             </a:extLst>
           </p:cNvPr>
@@ -8163,7 +7799,7 @@
         </p:nvGrpSpPr>
         <p:grpSpPr>
           <a:xfrm>
-            <a:off x="2431584" y="8238624"/>
+            <a:off x="85170" y="5965283"/>
             <a:ext cx="1994831" cy="808827"/>
             <a:chOff x="114300" y="8200656"/>
             <a:chExt cx="1994831" cy="808827"/>
@@ -8171,10 +7807,10 @@
         </p:grpSpPr>
         <p:grpSp>
           <p:nvGrpSpPr>
-            <p:cNvPr id="314" name="Group 313">
+            <p:cNvPr id="250" name="Group 249">
               <a:extLst>
                 <a:ext uri="{FF2B5EF4-FFF2-40B4-BE49-F238E27FC236}">
-                  <a16:creationId xmlns:a16="http://schemas.microsoft.com/office/drawing/2014/main" id="{36DBAA16-2D12-49B0-9F83-D156F797EFC8}"/>
+                  <a16:creationId xmlns:a16="http://schemas.microsoft.com/office/drawing/2014/main" id="{8EF623A6-F0AB-48D7-95FB-01E0A368D7DC}"/>
                 </a:ext>
               </a:extLst>
             </p:cNvPr>
@@ -8191,10 +7827,10 @@
           </p:grpSpPr>
           <p:sp>
             <p:nvSpPr>
-              <p:cNvPr id="309" name="TextBox 308">
+              <p:cNvPr id="252" name="TextBox 251">
                 <a:extLst>
                   <a:ext uri="{FF2B5EF4-FFF2-40B4-BE49-F238E27FC236}">
-                    <a16:creationId xmlns:a16="http://schemas.microsoft.com/office/drawing/2014/main" id="{80E89A95-921A-48CF-80CF-E9AE2C7EFDA0}"/>
+                    <a16:creationId xmlns:a16="http://schemas.microsoft.com/office/drawing/2014/main" id="{D5CB8170-8F74-4E60-B5F0-50995F7A10BF}"/>
                   </a:ext>
                 </a:extLst>
               </p:cNvPr>
@@ -8251,10 +7887,10 @@
           </p:sp>
           <p:cxnSp>
             <p:nvCxnSpPr>
-              <p:cNvPr id="311" name="Straight Connector 310">
+              <p:cNvPr id="253" name="Straight Connector 252">
                 <a:extLst>
                   <a:ext uri="{FF2B5EF4-FFF2-40B4-BE49-F238E27FC236}">
-                    <a16:creationId xmlns:a16="http://schemas.microsoft.com/office/drawing/2014/main" id="{481EDA9D-B6AE-4645-8AE3-1E8C7FE94506}"/>
+                    <a16:creationId xmlns:a16="http://schemas.microsoft.com/office/drawing/2014/main" id="{A14F7220-B1C4-47ED-B4F8-E24FB87210C3}"/>
                   </a:ext>
                 </a:extLst>
               </p:cNvPr>
@@ -8289,10 +7925,10 @@
           </p:cxnSp>
           <p:sp>
             <p:nvSpPr>
-              <p:cNvPr id="313" name="TextBox 312">
+              <p:cNvPr id="254" name="TextBox 253">
                 <a:extLst>
                   <a:ext uri="{FF2B5EF4-FFF2-40B4-BE49-F238E27FC236}">
-                    <a16:creationId xmlns:a16="http://schemas.microsoft.com/office/drawing/2014/main" id="{C98E85F9-E5D5-4BC7-8751-2A12AAE4A1CD}"/>
+                    <a16:creationId xmlns:a16="http://schemas.microsoft.com/office/drawing/2014/main" id="{A5FA5FC4-A01B-4E84-B036-32A71799FB4A}"/>
                   </a:ext>
                 </a:extLst>
               </p:cNvPr>
@@ -8330,10 +7966,10 @@
         </p:grpSp>
         <p:pic>
           <p:nvPicPr>
-            <p:cNvPr id="335" name="Picture 334" descr="A picture containing drawing&#10;&#10;Description automatically generated">
+            <p:cNvPr id="251" name="Picture 250" descr="A picture containing drawing&#10;&#10;Description automatically generated">
               <a:extLst>
                 <a:ext uri="{FF2B5EF4-FFF2-40B4-BE49-F238E27FC236}">
-                  <a16:creationId xmlns:a16="http://schemas.microsoft.com/office/drawing/2014/main" id="{2B0B7EF0-FDB4-47D2-975C-1CC5840870C0}"/>
+                  <a16:creationId xmlns:a16="http://schemas.microsoft.com/office/drawing/2014/main" id="{7093F777-956E-4CC4-A9F5-26472209F212}"/>
                 </a:ext>
               </a:extLst>
             </p:cNvPr>
@@ -8365,10 +8001,232 @@
           </p:spPr>
         </p:pic>
       </p:grpSp>
+      <p:sp>
+        <p:nvSpPr>
+          <p:cNvPr id="315" name="Left Brace 314">
+            <a:extLst>
+              <a:ext uri="{FF2B5EF4-FFF2-40B4-BE49-F238E27FC236}">
+                <a16:creationId xmlns:a16="http://schemas.microsoft.com/office/drawing/2014/main" id="{14A54451-3CAA-499D-979C-F9DD6BDE7CAB}"/>
+              </a:ext>
+            </a:extLst>
+          </p:cNvPr>
+          <p:cNvSpPr/>
+          <p:nvPr/>
+        </p:nvSpPr>
+        <p:spPr>
+          <a:xfrm rot="16200000">
+            <a:off x="6292193" y="5832795"/>
+            <a:ext cx="80802" cy="555862"/>
+          </a:xfrm>
+          <a:prstGeom prst="leftBrace">
+            <a:avLst/>
+          </a:prstGeom>
+        </p:spPr>
+        <p:style>
+          <a:lnRef idx="1">
+            <a:schemeClr val="dk1"/>
+          </a:lnRef>
+          <a:fillRef idx="0">
+            <a:schemeClr val="dk1"/>
+          </a:fillRef>
+          <a:effectRef idx="0">
+            <a:schemeClr val="dk1"/>
+          </a:effectRef>
+          <a:fontRef idx="minor">
+            <a:schemeClr val="tx1"/>
+          </a:fontRef>
+        </p:style>
+        <p:txBody>
+          <a:bodyPr rtlCol="0" anchor="ctr"/>
+          <a:lstStyle/>
+          <a:p>
+            <a:pPr algn="ctr"/>
+            <a:endParaRPr lang="en-US"/>
+          </a:p>
+        </p:txBody>
+      </p:sp>
+      <p:sp>
+        <p:nvSpPr>
+          <p:cNvPr id="338" name="TextBox 337">
+            <a:extLst>
+              <a:ext uri="{FF2B5EF4-FFF2-40B4-BE49-F238E27FC236}">
+                <a16:creationId xmlns:a16="http://schemas.microsoft.com/office/drawing/2014/main" id="{3C7C27DB-98A3-4C6A-AE11-996F33251341}"/>
+              </a:ext>
+            </a:extLst>
+          </p:cNvPr>
+          <p:cNvSpPr txBox="1"/>
+          <p:nvPr/>
+        </p:nvSpPr>
+        <p:spPr>
+          <a:xfrm>
+            <a:off x="6969000" y="145707"/>
+            <a:ext cx="714939" cy="107722"/>
+          </a:xfrm>
+          <a:prstGeom prst="rect">
+            <a:avLst/>
+          </a:prstGeom>
+          <a:noFill/>
+        </p:spPr>
+        <p:txBody>
+          <a:bodyPr wrap="none" lIns="0" tIns="0" rIns="0" bIns="0" rtlCol="0">
+            <a:spAutoFit/>
+          </a:bodyPr>
+          <a:lstStyle/>
+          <a:p>
+            <a:r>
+              <a:rPr lang="en-US" sz="700" i="1" dirty="0"/>
+              <a:t>add/modify FC field</a:t>
+            </a:r>
+          </a:p>
+        </p:txBody>
+      </p:sp>
+      <p:sp>
+        <p:nvSpPr>
+          <p:cNvPr id="343" name="Flowchart: Terminator 342">
+            <a:extLst>
+              <a:ext uri="{FF2B5EF4-FFF2-40B4-BE49-F238E27FC236}">
+                <a16:creationId xmlns:a16="http://schemas.microsoft.com/office/drawing/2014/main" id="{0EE7DFE2-D901-429D-8E27-17E51CF19282}"/>
+              </a:ext>
+            </a:extLst>
+          </p:cNvPr>
+          <p:cNvSpPr/>
+          <p:nvPr/>
+        </p:nvSpPr>
+        <p:spPr>
+          <a:xfrm>
+            <a:off x="8610689" y="792853"/>
+            <a:ext cx="419100" cy="190500"/>
+          </a:xfrm>
+          <a:prstGeom prst="flowChartTerminator">
+            <a:avLst/>
+          </a:prstGeom>
+          <a:solidFill>
+            <a:schemeClr val="bg1">
+              <a:lumMod val="85000"/>
+            </a:schemeClr>
+          </a:solidFill>
+          <a:ln>
+            <a:solidFill>
+              <a:schemeClr val="tx1"/>
+            </a:solidFill>
+          </a:ln>
+        </p:spPr>
+        <p:style>
+          <a:lnRef idx="1">
+            <a:schemeClr val="accent4"/>
+          </a:lnRef>
+          <a:fillRef idx="2">
+            <a:schemeClr val="accent4"/>
+          </a:fillRef>
+          <a:effectRef idx="1">
+            <a:schemeClr val="accent4"/>
+          </a:effectRef>
+          <a:fontRef idx="minor">
+            <a:schemeClr val="dk1"/>
+          </a:fontRef>
+        </p:style>
+        <p:txBody>
+          <a:bodyPr lIns="0" tIns="0" rIns="0" bIns="0" rtlCol="0" anchor="ctr"/>
+          <a:lstStyle/>
+          <a:p>
+            <a:pPr algn="ctr"/>
+            <a:r>
+              <a:rPr lang="en-US" sz="900" dirty="0"/>
+              <a:t>END</a:t>
+            </a:r>
+          </a:p>
+        </p:txBody>
+      </p:sp>
+      <p:cxnSp>
+        <p:nvCxnSpPr>
+          <p:cNvPr id="345" name="Connector: Elbow 344">
+            <a:extLst>
+              <a:ext uri="{FF2B5EF4-FFF2-40B4-BE49-F238E27FC236}">
+                <a16:creationId xmlns:a16="http://schemas.microsoft.com/office/drawing/2014/main" id="{83C5FF90-96F7-4442-BD1F-D8DAD0B87991}"/>
+              </a:ext>
+            </a:extLst>
+          </p:cNvPr>
+          <p:cNvCxnSpPr>
+            <a:stCxn id="165" idx="3"/>
+            <a:endCxn id="343" idx="0"/>
+          </p:cNvCxnSpPr>
+          <p:nvPr/>
+        </p:nvCxnSpPr>
+        <p:spPr>
+          <a:xfrm>
+            <a:off x="8674215" y="260087"/>
+            <a:ext cx="146024" cy="532766"/>
+          </a:xfrm>
+          <a:prstGeom prst="bentConnector2">
+            <a:avLst/>
+          </a:prstGeom>
+          <a:ln>
+            <a:prstDash val="dash"/>
+            <a:tailEnd type="triangle"/>
+          </a:ln>
+        </p:spPr>
+        <p:style>
+          <a:lnRef idx="2">
+            <a:schemeClr val="dk1"/>
+          </a:lnRef>
+          <a:fillRef idx="0">
+            <a:schemeClr val="dk1"/>
+          </a:fillRef>
+          <a:effectRef idx="1">
+            <a:schemeClr val="dk1"/>
+          </a:effectRef>
+          <a:fontRef idx="minor">
+            <a:schemeClr val="tx1"/>
+          </a:fontRef>
+        </p:style>
+      </p:cxnSp>
+      <p:cxnSp>
+        <p:nvCxnSpPr>
+          <p:cNvPr id="347" name="Connector: Elbow 346">
+            <a:extLst>
+              <a:ext uri="{FF2B5EF4-FFF2-40B4-BE49-F238E27FC236}">
+                <a16:creationId xmlns:a16="http://schemas.microsoft.com/office/drawing/2014/main" id="{1F9B9BF4-55F3-418A-B212-9421F77CEE9C}"/>
+              </a:ext>
+            </a:extLst>
+          </p:cNvPr>
+          <p:cNvCxnSpPr>
+            <a:stCxn id="20" idx="3"/>
+            <a:endCxn id="343" idx="0"/>
+          </p:cNvCxnSpPr>
+          <p:nvPr/>
+        </p:nvCxnSpPr>
+        <p:spPr>
+          <a:xfrm>
+            <a:off x="7701136" y="525802"/>
+            <a:ext cx="1119103" cy="267051"/>
+          </a:xfrm>
+          <a:prstGeom prst="bentConnector2">
+            <a:avLst/>
+          </a:prstGeom>
+          <a:ln>
+            <a:prstDash val="dash"/>
+            <a:tailEnd type="triangle"/>
+          </a:ln>
+        </p:spPr>
+        <p:style>
+          <a:lnRef idx="2">
+            <a:schemeClr val="dk1"/>
+          </a:lnRef>
+          <a:fillRef idx="0">
+            <a:schemeClr val="dk1"/>
+          </a:fillRef>
+          <a:effectRef idx="1">
+            <a:schemeClr val="dk1"/>
+          </a:effectRef>
+          <a:fontRef idx="minor">
+            <a:schemeClr val="tx1"/>
+          </a:fontRef>
+        </p:style>
+      </p:cxnSp>
     </p:spTree>
     <p:extLst>
       <p:ext uri="{BB962C8B-B14F-4D97-AF65-F5344CB8AC3E}">
-        <p14:creationId xmlns:p14="http://schemas.microsoft.com/office/powerpoint/2010/main" val="848104866"/>
+        <p14:creationId xmlns:p14="http://schemas.microsoft.com/office/powerpoint/2010/main" val="4079557351"/>
       </p:ext>
     </p:extLst>
   </p:cSld>
@@ -8630,35 +8488,29 @@
     </a:fmtScheme>
   </a:themeElements>
   <a:objectDefaults>
-    <a:spDef>
+    <a:lnDef>
       <a:spPr>
         <a:ln>
-          <a:solidFill>
-            <a:schemeClr val="tx1"/>
-          </a:solidFill>
+          <a:tailEnd type="triangle"/>
         </a:ln>
       </a:spPr>
-      <a:bodyPr lIns="0" tIns="0" rIns="0" bIns="0" rtlCol="0" anchor="ctr"/>
-      <a:lstStyle>
-        <a:defPPr algn="ctr">
-          <a:defRPr sz="1000" dirty="0" smtClean="0"/>
-        </a:defPPr>
-      </a:lstStyle>
+      <a:bodyPr/>
+      <a:lstStyle/>
       <a:style>
-        <a:lnRef idx="1">
-          <a:schemeClr val="accent4"/>
+        <a:lnRef idx="2">
+          <a:schemeClr val="dk1"/>
         </a:lnRef>
-        <a:fillRef idx="2">
-          <a:schemeClr val="accent4"/>
+        <a:fillRef idx="0">
+          <a:schemeClr val="dk1"/>
         </a:fillRef>
         <a:effectRef idx="1">
-          <a:schemeClr val="accent4"/>
+          <a:schemeClr val="dk1"/>
         </a:effectRef>
         <a:fontRef idx="minor">
-          <a:schemeClr val="dk1"/>
+          <a:schemeClr val="tx1"/>
         </a:fontRef>
       </a:style>
-    </a:spDef>
+    </a:lnDef>
   </a:objectDefaults>
   <a:extraClrSchemeLst/>
   <a:extLst>
